--- a/doc/3/50_V4_機能アーキテクチャ/50_V4_設計書_ロケーションサービス/30_CADDE_ロケーションサーバ設計書_202303.pptx
+++ b/doc/3/50_V4_機能アーキテクチャ/50_V4_設計書_ロケーションサービス/30_CADDE_ロケーションサーバ設計書_202303.pptx
@@ -164,7 +164,7 @@
 <file path=ppt/revisionInfo.xml><?xml version="1.0" encoding="utf-8"?>
 <p1510:revInfo xmlns:a="http://schemas.openxmlformats.org/drawingml/2006/main" xmlns:r="http://schemas.openxmlformats.org/officeDocument/2006/relationships" xmlns:p1510="http://schemas.microsoft.com/office/powerpoint/2015/10/main">
   <p1510:revLst>
-    <p1510:client id="{CC37AD65-3995-49A5-9B1F-BCF5E6EBFCD3}" v="2" dt="2023-03-28T10:01:18.330"/>
+    <p1510:client id="{82EE42C8-AE7E-4F70-905F-11D7BDA0E665}" v="35" dt="2022-09-27T07:15:27.957"/>
   </p1510:revLst>
 </p1510:revInfo>
 </file>
@@ -263,7 +263,7 @@
           <a:p>
             <a:fld id="{0F424205-6FDA-4204-A6E1-5CDA668DF307}" type="datetimeFigureOut">
               <a:rPr kumimoji="1" lang="ja-JP" altLang="en-US" smtClean="0"/>
-              <a:t>2023/3/28</a:t>
+              <a:t>2023/3/30</a:t>
             </a:fld>
             <a:endParaRPr kumimoji="1" lang="ja-JP" altLang="en-US"/>
           </a:p>
@@ -441,7 +441,7 @@
           <a:p>
             <a:fld id="{FBC5C42D-15BF-4869-8FB8-8E2925A40047}" type="datetimeFigureOut">
               <a:rPr kumimoji="1" lang="ja-JP" altLang="en-US" smtClean="0"/>
-              <a:t>2023/3/28</a:t>
+              <a:t>2023/3/30</a:t>
             </a:fld>
             <a:endParaRPr kumimoji="1" lang="ja-JP" altLang="en-US"/>
           </a:p>
@@ -1920,76 +1920,6 @@
       </p:grpSpPr>
       <p:sp>
         <p:nvSpPr>
-          <p:cNvPr id="5" name="正方形/長方形 4"/>
-          <p:cNvSpPr/>
-          <p:nvPr/>
-        </p:nvSpPr>
-        <p:spPr>
-          <a:xfrm>
-            <a:off x="6932901" y="5259349"/>
-            <a:ext cx="2708939" cy="461665"/>
-          </a:xfrm>
-          <a:prstGeom prst="rect">
-            <a:avLst/>
-          </a:prstGeom>
-        </p:spPr>
-        <p:txBody>
-          <a:bodyPr wrap="square">
-            <a:spAutoFit/>
-          </a:bodyPr>
-          <a:lstStyle/>
-          <a:p>
-            <a:r>
-              <a:rPr lang="en-US" altLang="ja-JP" sz="2400" dirty="0">
-                <a:latin typeface="Meiryo UI" panose="020B0604030504040204" pitchFamily="50" charset="-128"/>
-                <a:ea typeface="Meiryo UI" panose="020B0604030504040204" pitchFamily="50" charset="-128"/>
-              </a:rPr>
-              <a:t>2022</a:t>
-            </a:r>
-            <a:r>
-              <a:rPr lang="ja-JP" altLang="en-US" sz="2400" dirty="0">
-                <a:latin typeface="Meiryo UI" panose="020B0604030504040204" pitchFamily="50" charset="-128"/>
-                <a:ea typeface="Meiryo UI" panose="020B0604030504040204" pitchFamily="50" charset="-128"/>
-              </a:rPr>
-              <a:t>年</a:t>
-            </a:r>
-            <a:r>
-              <a:rPr lang="en-US" altLang="ja-JP" sz="2400" dirty="0">
-                <a:latin typeface="Meiryo UI" panose="020B0604030504040204" pitchFamily="50" charset="-128"/>
-                <a:ea typeface="Meiryo UI" panose="020B0604030504040204" pitchFamily="50" charset="-128"/>
-              </a:rPr>
-              <a:t>7</a:t>
-            </a:r>
-            <a:r>
-              <a:rPr lang="ja-JP" altLang="en-US" sz="2400" dirty="0">
-                <a:latin typeface="Meiryo UI" panose="020B0604030504040204" pitchFamily="50" charset="-128"/>
-                <a:ea typeface="Meiryo UI" panose="020B0604030504040204" pitchFamily="50" charset="-128"/>
-              </a:rPr>
-              <a:t>月</a:t>
-            </a:r>
-            <a:r>
-              <a:rPr lang="en-US" altLang="ja-JP" sz="2400" dirty="0">
-                <a:latin typeface="Meiryo UI" panose="020B0604030504040204" pitchFamily="50" charset="-128"/>
-                <a:ea typeface="Meiryo UI" panose="020B0604030504040204" pitchFamily="50" charset="-128"/>
-              </a:rPr>
-              <a:t>5</a:t>
-            </a:r>
-            <a:r>
-              <a:rPr lang="ja-JP" altLang="en-US" sz="2400" dirty="0">
-                <a:latin typeface="Meiryo UI" panose="020B0604030504040204" pitchFamily="50" charset="-128"/>
-                <a:ea typeface="Meiryo UI" panose="020B0604030504040204" pitchFamily="50" charset="-128"/>
-              </a:rPr>
-              <a:t>日</a:t>
-            </a:r>
-            <a:endParaRPr lang="en-US" altLang="ja-JP" sz="2400" dirty="0">
-              <a:latin typeface="Meiryo UI" panose="020B0604030504040204" pitchFamily="50" charset="-128"/>
-              <a:ea typeface="Meiryo UI" panose="020B0604030504040204" pitchFamily="50" charset="-128"/>
-            </a:endParaRPr>
-          </a:p>
-        </p:txBody>
-      </p:sp>
-      <p:sp>
-        <p:nvSpPr>
           <p:cNvPr id="10" name="タイトル 2">
             <a:extLst>
               <a:ext uri="{FF2B5EF4-FFF2-40B4-BE49-F238E27FC236}">
@@ -2076,53 +2006,6 @@
           </a:p>
         </p:txBody>
       </p:sp>
-      <p:pic>
-        <p:nvPicPr>
-          <p:cNvPr id="1026" name="Picture 2">
-            <a:extLst>
-              <a:ext uri="{FF2B5EF4-FFF2-40B4-BE49-F238E27FC236}">
-                <a16:creationId xmlns:a16="http://schemas.microsoft.com/office/drawing/2014/main" id="{9CCF35D9-B0AD-51F3-91C8-39D258B467B3}"/>
-              </a:ext>
-            </a:extLst>
-          </p:cNvPr>
-          <p:cNvPicPr>
-            <a:picLocks noChangeAspect="1" noChangeArrowheads="1"/>
-          </p:cNvPicPr>
-          <p:nvPr/>
-        </p:nvPicPr>
-        <p:blipFill>
-          <a:blip r:embed="rId3">
-            <a:extLst>
-              <a:ext uri="{28A0092B-C50C-407E-A947-70E740481C1C}">
-                <a14:useLocalDpi xmlns:a14="http://schemas.microsoft.com/office/drawing/2010/main" val="0"/>
-              </a:ext>
-            </a:extLst>
-          </a:blip>
-          <a:srcRect/>
-          <a:stretch>
-            <a:fillRect/>
-          </a:stretch>
-        </p:blipFill>
-        <p:spPr bwMode="auto">
-          <a:xfrm>
-            <a:off x="833606" y="5254289"/>
-            <a:ext cx="1314450" cy="466725"/>
-          </a:xfrm>
-          <a:prstGeom prst="rect">
-            <a:avLst/>
-          </a:prstGeom>
-          <a:noFill/>
-          <a:extLst>
-            <a:ext uri="{909E8E84-426E-40DD-AFC4-6F175D3DCCD1}">
-              <a14:hiddenFill xmlns:a14="http://schemas.microsoft.com/office/drawing/2010/main">
-                <a:solidFill>
-                  <a:srgbClr val="FFFFFF"/>
-                </a:solidFill>
-              </a14:hiddenFill>
-            </a:ext>
-          </a:extLst>
-        </p:spPr>
-      </p:pic>
     </p:spTree>
     <p:extLst>
       <p:ext uri="{BB962C8B-B14F-4D97-AF65-F5344CB8AC3E}">
@@ -2217,14 +2100,14 @@
           <p:nvPr>
             <p:extLst>
               <p:ext uri="{D42A27DB-BD31-4B8C-83A1-F6EECF244321}">
-                <p14:modId xmlns:p14="http://schemas.microsoft.com/office/powerpoint/2010/main" val="1460954079"/>
+                <p14:modId xmlns:p14="http://schemas.microsoft.com/office/powerpoint/2010/main" val="4261659287"/>
               </p:ext>
             </p:extLst>
           </p:nvPr>
         </p:nvGraphicFramePr>
         <p:xfrm>
           <a:off x="297411" y="1101284"/>
-          <a:ext cx="9311177" cy="1905138"/>
+          <a:ext cx="9311177" cy="2057538"/>
         </p:xfrm>
         <a:graphic>
           <a:graphicData uri="http://schemas.openxmlformats.org/drawingml/2006/table">
@@ -2541,6 +2424,29 @@
                         <a:t>REST API</a:t>
                       </a:r>
                     </a:p>
+                    <a:p>
+                      <a:pPr marL="0" marR="0" lvl="0" indent="0" algn="l" defTabSz="742950" rtl="0" eaLnBrk="1" fontAlgn="auto" latinLnBrk="0" hangingPunct="1">
+                        <a:lnSpc>
+                          <a:spcPct val="100000"/>
+                        </a:lnSpc>
+                        <a:spcBef>
+                          <a:spcPts val="0"/>
+                        </a:spcBef>
+                        <a:spcAft>
+                          <a:spcPts val="0"/>
+                        </a:spcAft>
+                        <a:buClrTx/>
+                        <a:buSzTx/>
+                        <a:buFontTx/>
+                        <a:buNone/>
+                        <a:tabLst/>
+                        <a:defRPr/>
+                      </a:pPr>
+                      <a:endParaRPr lang="en-US" altLang="ja-JP" sz="1000" dirty="0">
+                        <a:latin typeface="Meiryo UI" panose="020B0604030504040204" pitchFamily="50" charset="-128"/>
+                        <a:ea typeface="Meiryo UI" panose="020B0604030504040204" pitchFamily="50" charset="-128"/>
+                      </a:endParaRPr>
+                    </a:p>
                   </a:txBody>
                   <a:tcPr/>
                 </a:tc>
@@ -2642,14 +2548,70 @@
                           <a:latin typeface="Meiryo UI" panose="020B0604030504040204" pitchFamily="50" charset="-128"/>
                           <a:ea typeface="Meiryo UI" panose="020B0604030504040204" pitchFamily="50" charset="-128"/>
                         </a:rPr>
-                        <a:t>運用者が提供者コネクタの</a:t>
+                        <a:t>運用者が</a:t>
                       </a:r>
                       <a:r>
                         <a:rPr lang="en-US" altLang="ja-JP" sz="1000" dirty="0">
                           <a:latin typeface="Meiryo UI" panose="020B0604030504040204" pitchFamily="50" charset="-128"/>
                           <a:ea typeface="Meiryo UI" panose="020B0604030504040204" pitchFamily="50" charset="-128"/>
                         </a:rPr>
-                        <a:t>URL</a:t>
+                        <a:t>CADDE</a:t>
+                      </a:r>
+                      <a:r>
+                        <a:rPr lang="ja-JP" altLang="en-US" sz="1000" dirty="0">
+                          <a:latin typeface="Meiryo UI" panose="020B0604030504040204" pitchFamily="50" charset="-128"/>
+                          <a:ea typeface="Meiryo UI" panose="020B0604030504040204" pitchFamily="50" charset="-128"/>
+                        </a:rPr>
+                        <a:t>ユーザのロケーション情報</a:t>
+                      </a:r>
+                      <a:r>
+                        <a:rPr lang="en-US" altLang="ja-JP" sz="1000" dirty="0">
+                          <a:latin typeface="Meiryo UI" panose="020B0604030504040204" pitchFamily="50" charset="-128"/>
+                          <a:ea typeface="Meiryo UI" panose="020B0604030504040204" pitchFamily="50" charset="-128"/>
+                        </a:rPr>
+                        <a:t>(CADDE</a:t>
+                      </a:r>
+                      <a:r>
+                        <a:rPr lang="ja-JP" altLang="en-US" sz="1000" dirty="0">
+                          <a:latin typeface="Meiryo UI" panose="020B0604030504040204" pitchFamily="50" charset="-128"/>
+                          <a:ea typeface="Meiryo UI" panose="020B0604030504040204" pitchFamily="50" charset="-128"/>
+                        </a:rPr>
+                        <a:t>ユーザ</a:t>
+                      </a:r>
+                      <a:r>
+                        <a:rPr lang="en-US" altLang="ja-JP" sz="1000" dirty="0">
+                          <a:latin typeface="Meiryo UI" panose="020B0604030504040204" pitchFamily="50" charset="-128"/>
+                          <a:ea typeface="Meiryo UI" panose="020B0604030504040204" pitchFamily="50" charset="-128"/>
+                        </a:rPr>
+                        <a:t>ID(</a:t>
+                      </a:r>
+                      <a:r>
+                        <a:rPr lang="ja-JP" altLang="en-US" sz="1000" dirty="0">
+                          <a:latin typeface="Meiryo UI" panose="020B0604030504040204" pitchFamily="50" charset="-128"/>
+                          <a:ea typeface="Meiryo UI" panose="020B0604030504040204" pitchFamily="50" charset="-128"/>
+                        </a:rPr>
+                        <a:t>提供者</a:t>
+                      </a:r>
+                      <a:r>
+                        <a:rPr lang="en-US" altLang="ja-JP" sz="1000" dirty="0">
+                          <a:latin typeface="Meiryo UI" panose="020B0604030504040204" pitchFamily="50" charset="-128"/>
+                          <a:ea typeface="Meiryo UI" panose="020B0604030504040204" pitchFamily="50" charset="-128"/>
+                        </a:rPr>
+                        <a:t>)</a:t>
+                      </a:r>
+                      <a:r>
+                        <a:rPr lang="ja-JP" altLang="en-US" sz="1000" dirty="0">
+                          <a:latin typeface="Meiryo UI" panose="020B0604030504040204" pitchFamily="50" charset="-128"/>
+                          <a:ea typeface="Meiryo UI" panose="020B0604030504040204" pitchFamily="50" charset="-128"/>
+                        </a:rPr>
+                        <a:t>、提供者コネクタの</a:t>
+                      </a:r>
+                      <a:r>
+                        <a:rPr lang="en-US" altLang="ja-JP" sz="1000" dirty="0">
+                          <a:latin typeface="Meiryo UI" panose="020B0604030504040204" pitchFamily="50" charset="-128"/>
+                          <a:ea typeface="Meiryo UI" panose="020B0604030504040204" pitchFamily="50" charset="-128"/>
+                        </a:rPr>
+                        <a:t>URL)</a:t>
                       </a:r>
                       <a:r>
                         <a:rPr lang="ja-JP" altLang="en-US" sz="1000" dirty="0">
@@ -2689,12 +2651,16 @@
                         <a:defRPr/>
                       </a:pPr>
                       <a:r>
-                        <a:rPr lang="en-US" altLang="ja-JP" sz="1000" dirty="0">
-                          <a:latin typeface="Meiryo UI" panose="020B0604030504040204" pitchFamily="50" charset="-128"/>
-                          <a:ea typeface="Meiryo UI" panose="020B0604030504040204" pitchFamily="50" charset="-128"/>
-                        </a:rPr>
-                        <a:t>REST API</a:t>
-                      </a:r>
+                        <a:rPr lang="ja-JP" altLang="en-US" sz="1000" dirty="0">
+                          <a:latin typeface="Meiryo UI" panose="020B0604030504040204" pitchFamily="50" charset="-128"/>
+                          <a:ea typeface="Meiryo UI" panose="020B0604030504040204" pitchFamily="50" charset="-128"/>
+                        </a:rPr>
+                        <a:t>運用者のみ利用可能</a:t>
+                      </a:r>
+                      <a:endParaRPr lang="en-US" altLang="ja-JP" sz="1000" dirty="0">
+                        <a:latin typeface="Meiryo UI" panose="020B0604030504040204" pitchFamily="50" charset="-128"/>
+                        <a:ea typeface="Meiryo UI" panose="020B0604030504040204" pitchFamily="50" charset="-128"/>
+                      </a:endParaRPr>
                     </a:p>
                   </a:txBody>
                   <a:tcPr/>
@@ -2867,12 +2833,16 @@
                         <a:defRPr/>
                       </a:pPr>
                       <a:r>
-                        <a:rPr lang="en-US" altLang="ja-JP" sz="1000" dirty="0">
-                          <a:latin typeface="Meiryo UI" panose="020B0604030504040204" pitchFamily="50" charset="-128"/>
-                          <a:ea typeface="Meiryo UI" panose="020B0604030504040204" pitchFamily="50" charset="-128"/>
-                        </a:rPr>
-                        <a:t>REST API</a:t>
-                      </a:r>
+                        <a:rPr lang="ja-JP" altLang="en-US" sz="1000" dirty="0">
+                          <a:latin typeface="Meiryo UI" panose="020B0604030504040204" pitchFamily="50" charset="-128"/>
+                          <a:ea typeface="Meiryo UI" panose="020B0604030504040204" pitchFamily="50" charset="-128"/>
+                        </a:rPr>
+                        <a:t>運用者のみ利用可能</a:t>
+                      </a:r>
+                      <a:endParaRPr lang="en-US" altLang="ja-JP" sz="1000" dirty="0">
+                        <a:latin typeface="Meiryo UI" panose="020B0604030504040204" pitchFamily="50" charset="-128"/>
+                        <a:ea typeface="Meiryo UI" panose="020B0604030504040204" pitchFamily="50" charset="-128"/>
+                      </a:endParaRPr>
                     </a:p>
                   </a:txBody>
                   <a:tcPr/>
@@ -3045,12 +3015,16 @@
                         <a:defRPr/>
                       </a:pPr>
                       <a:r>
-                        <a:rPr lang="en-US" altLang="ja-JP" sz="1000" dirty="0">
-                          <a:latin typeface="Meiryo UI" panose="020B0604030504040204" pitchFamily="50" charset="-128"/>
-                          <a:ea typeface="Meiryo UI" panose="020B0604030504040204" pitchFamily="50" charset="-128"/>
-                        </a:rPr>
-                        <a:t>REST API</a:t>
-                      </a:r>
+                        <a:rPr lang="ja-JP" altLang="en-US" sz="1000" dirty="0">
+                          <a:latin typeface="Meiryo UI" panose="020B0604030504040204" pitchFamily="50" charset="-128"/>
+                          <a:ea typeface="Meiryo UI" panose="020B0604030504040204" pitchFamily="50" charset="-128"/>
+                        </a:rPr>
+                        <a:t>運用者のみ利用可能</a:t>
+                      </a:r>
+                      <a:endParaRPr lang="en-US" altLang="ja-JP" sz="1000" dirty="0">
+                        <a:latin typeface="Meiryo UI" panose="020B0604030504040204" pitchFamily="50" charset="-128"/>
+                        <a:ea typeface="Meiryo UI" panose="020B0604030504040204" pitchFamily="50" charset="-128"/>
+                      </a:endParaRPr>
                     </a:p>
                   </a:txBody>
                   <a:tcPr/>
@@ -3183,14 +3157,28 @@
                 <a:latin typeface="Meiryo UI" panose="020B0604030504040204" pitchFamily="50" charset="-128"/>
                 <a:ea typeface="Meiryo UI" panose="020B0604030504040204" pitchFamily="50" charset="-128"/>
               </a:rPr>
-              <a:t>OSS(389 directory Server)</a:t>
+              <a:t>Location DB</a:t>
             </a:r>
             <a:r>
               <a:rPr lang="ja-JP" altLang="en-US" sz="1200" dirty="0">
                 <a:latin typeface="Meiryo UI" panose="020B0604030504040204" pitchFamily="50" charset="-128"/>
                 <a:ea typeface="Meiryo UI" panose="020B0604030504040204" pitchFamily="50" charset="-128"/>
               </a:rPr>
-              <a:t>を使用して構築する。</a:t>
+              <a:t>と、ロケーション情報を取得する</a:t>
+            </a:r>
+            <a:r>
+              <a:rPr lang="en-US" altLang="ja-JP" sz="1200" dirty="0">
+                <a:latin typeface="Meiryo UI" panose="020B0604030504040204" pitchFamily="50" charset="-128"/>
+                <a:ea typeface="Meiryo UI" panose="020B0604030504040204" pitchFamily="50" charset="-128"/>
+              </a:rPr>
+              <a:t>API</a:t>
+            </a:r>
+            <a:r>
+              <a:rPr lang="ja-JP" altLang="en-US" sz="1200" dirty="0">
+                <a:latin typeface="Meiryo UI" panose="020B0604030504040204" pitchFamily="50" charset="-128"/>
+                <a:ea typeface="Meiryo UI" panose="020B0604030504040204" pitchFamily="50" charset="-128"/>
+              </a:rPr>
+              <a:t>サーバ構築する。</a:t>
             </a:r>
             <a:endParaRPr lang="en-US" altLang="ja-JP" sz="1200" dirty="0">
               <a:latin typeface="Meiryo UI" panose="020B0604030504040204" pitchFamily="50" charset="-128"/>
@@ -3220,7 +3208,7 @@
         <p:spPr>
           <a:xfrm>
             <a:off x="5035482" y="2245045"/>
-            <a:ext cx="1518278" cy="2435714"/>
+            <a:ext cx="1518278" cy="2588174"/>
           </a:xfrm>
           <a:prstGeom prst="rect">
             <a:avLst/>
@@ -3246,11 +3234,11 @@
           <a:p>
             <a:pPr algn="ctr"/>
             <a:r>
-              <a:rPr kumimoji="1" lang="en-US" altLang="ja-JP" sz="1200" dirty="0" err="1">
-                <a:latin typeface="Meiryo UI" panose="020B0604030504040204" pitchFamily="50" charset="-128"/>
-                <a:ea typeface="Meiryo UI" panose="020B0604030504040204" pitchFamily="50" charset="-128"/>
-              </a:rPr>
-              <a:t>Ldap</a:t>
+              <a:rPr lang="en-US" altLang="ja-JP" sz="1200" dirty="0" err="1">
+                <a:latin typeface="Meiryo UI" panose="020B0604030504040204" pitchFamily="50" charset="-128"/>
+                <a:ea typeface="Meiryo UI" panose="020B0604030504040204" pitchFamily="50" charset="-128"/>
+              </a:rPr>
+              <a:t>LocationDB</a:t>
             </a:r>
             <a:r>
               <a:rPr kumimoji="1" lang="en-US" altLang="ja-JP" sz="1200" dirty="0">
@@ -3265,20 +3253,6 @@
                 <a:ea typeface="Meiryo UI" panose="020B0604030504040204" pitchFamily="50" charset="-128"/>
               </a:rPr>
               <a:t>サーバ</a:t>
-            </a:r>
-            <a:endParaRPr kumimoji="1" lang="en-US" altLang="ja-JP" sz="1200" dirty="0">
-              <a:latin typeface="Meiryo UI" panose="020B0604030504040204" pitchFamily="50" charset="-128"/>
-              <a:ea typeface="Meiryo UI" panose="020B0604030504040204" pitchFamily="50" charset="-128"/>
-            </a:endParaRPr>
-          </a:p>
-          <a:p>
-            <a:pPr algn="ctr"/>
-            <a:r>
-              <a:rPr lang="en-US" altLang="ja-JP" sz="1200" dirty="0">
-                <a:latin typeface="Meiryo UI" panose="020B0604030504040204" pitchFamily="50" charset="-128"/>
-                <a:ea typeface="Meiryo UI" panose="020B0604030504040204" pitchFamily="50" charset="-128"/>
-              </a:rPr>
-              <a:t>(389 Directory server)</a:t>
             </a:r>
             <a:endParaRPr kumimoji="1" lang="en-US" altLang="ja-JP" sz="1200" dirty="0">
               <a:latin typeface="Meiryo UI" panose="020B0604030504040204" pitchFamily="50" charset="-128"/>
@@ -3365,7 +3339,7 @@
         <p:spPr>
           <a:xfrm>
             <a:off x="2979541" y="2245045"/>
-            <a:ext cx="1462793" cy="2435713"/>
+            <a:ext cx="1532065" cy="2588174"/>
           </a:xfrm>
           <a:prstGeom prst="rect">
             <a:avLst/>
@@ -3386,20 +3360,16 @@
           </a:fontRef>
         </p:style>
         <p:txBody>
-          <a:bodyPr rtlCol="0" anchor="ctr"/>
+          <a:bodyPr rtlCol="0" anchor="t" anchorCtr="0"/>
           <a:lstStyle/>
           <a:p>
-            <a:pPr algn="ctr"/>
-            <a:r>
-              <a:rPr kumimoji="1" lang="en-US" altLang="ja-JP" sz="1200" dirty="0">
-                <a:latin typeface="Meiryo UI" panose="020B0604030504040204" pitchFamily="50" charset="-128"/>
-                <a:ea typeface="Meiryo UI" panose="020B0604030504040204" pitchFamily="50" charset="-128"/>
-              </a:rPr>
-              <a:t>(Directory</a:t>
-            </a:r>
-          </a:p>
-          <a:p>
-            <a:pPr algn="ctr"/>
+            <a:r>
+              <a:rPr lang="en-US" altLang="ja-JP" sz="1200" dirty="0">
+                <a:latin typeface="Meiryo UI" panose="020B0604030504040204" pitchFamily="50" charset="-128"/>
+                <a:ea typeface="Meiryo UI" panose="020B0604030504040204" pitchFamily="50" charset="-128"/>
+              </a:rPr>
+              <a:t>(Location </a:t>
+            </a:r>
             <a:r>
               <a:rPr lang="en-US" altLang="ja-JP" sz="1200" dirty="0" err="1">
                 <a:latin typeface="Meiryo UI" panose="020B0604030504040204" pitchFamily="50" charset="-128"/>
@@ -3413,7 +3383,6 @@
             </a:endParaRPr>
           </a:p>
           <a:p>
-            <a:pPr algn="ctr"/>
             <a:r>
               <a:rPr kumimoji="1" lang="en-US" altLang="ja-JP" sz="1200" dirty="0">
                 <a:latin typeface="Meiryo UI" panose="020B0604030504040204" pitchFamily="50" charset="-128"/>
@@ -3518,8 +3487,8 @@
         </p:nvSpPr>
         <p:spPr>
           <a:xfrm>
-            <a:off x="2979542" y="5149523"/>
-            <a:ext cx="3574218" cy="687059"/>
+            <a:off x="2979542" y="5329296"/>
+            <a:ext cx="3574218" cy="507286"/>
           </a:xfrm>
           <a:prstGeom prst="rect">
             <a:avLst/>
@@ -3551,52 +3520,6 @@
               </a:rPr>
               <a:t>OS</a:t>
             </a:r>
-            <a:r>
-              <a:rPr kumimoji="1" lang="ja-JP" altLang="en-US" sz="1200" dirty="0">
-                <a:latin typeface="Meiryo UI" panose="020B0604030504040204" pitchFamily="50" charset="-128"/>
-                <a:ea typeface="Meiryo UI" panose="020B0604030504040204" pitchFamily="50" charset="-128"/>
-              </a:rPr>
-              <a:t>（</a:t>
-            </a:r>
-            <a:r>
-              <a:rPr kumimoji="1" lang="en-US" altLang="ja-JP" sz="1200" dirty="0">
-                <a:latin typeface="Meiryo UI" panose="020B0604030504040204" pitchFamily="50" charset="-128"/>
-                <a:ea typeface="Meiryo UI" panose="020B0604030504040204" pitchFamily="50" charset="-128"/>
-              </a:rPr>
-              <a:t>CentOS8</a:t>
-            </a:r>
-            <a:r>
-              <a:rPr lang="ja-JP" altLang="en-US" sz="1200" dirty="0">
-                <a:latin typeface="Meiryo UI" panose="020B0604030504040204" pitchFamily="50" charset="-128"/>
-                <a:ea typeface="Meiryo UI" panose="020B0604030504040204" pitchFamily="50" charset="-128"/>
-              </a:rPr>
-              <a:t> </a:t>
-            </a:r>
-            <a:r>
-              <a:rPr lang="en-US" altLang="ja-JP" sz="1200" dirty="0">
-                <a:latin typeface="Meiryo UI" panose="020B0604030504040204" pitchFamily="50" charset="-128"/>
-                <a:ea typeface="Meiryo UI" panose="020B0604030504040204" pitchFamily="50" charset="-128"/>
-              </a:rPr>
-              <a:t>or</a:t>
-            </a:r>
-            <a:r>
-              <a:rPr lang="ja-JP" altLang="en-US" sz="1200" dirty="0">
-                <a:latin typeface="Meiryo UI" panose="020B0604030504040204" pitchFamily="50" charset="-128"/>
-                <a:ea typeface="Meiryo UI" panose="020B0604030504040204" pitchFamily="50" charset="-128"/>
-              </a:rPr>
-              <a:t> </a:t>
-            </a:r>
-            <a:r>
-              <a:rPr lang="en-US" altLang="ja-JP" sz="1200" dirty="0">
-                <a:latin typeface="Meiryo UI" panose="020B0604030504040204" pitchFamily="50" charset="-128"/>
-                <a:ea typeface="Meiryo UI" panose="020B0604030504040204" pitchFamily="50" charset="-128"/>
-              </a:rPr>
-              <a:t>Fedora)</a:t>
-            </a:r>
-            <a:endParaRPr kumimoji="1" lang="en-US" altLang="ja-JP" sz="1200" dirty="0">
-              <a:latin typeface="Meiryo UI" panose="020B0604030504040204" pitchFamily="50" charset="-128"/>
-              <a:ea typeface="Meiryo UI" panose="020B0604030504040204" pitchFamily="50" charset="-128"/>
-            </a:endParaRPr>
           </a:p>
         </p:txBody>
       </p:sp>
@@ -3614,7 +3537,7 @@
         </p:nvSpPr>
         <p:spPr>
           <a:xfrm>
-            <a:off x="2979542" y="4680758"/>
+            <a:off x="2979542" y="4833219"/>
             <a:ext cx="3574218" cy="487247"/>
           </a:xfrm>
           <a:prstGeom prst="rect">
@@ -3878,7 +3801,7 @@
         </p:nvCxnSpPr>
         <p:spPr>
           <a:xfrm>
-            <a:off x="4442334" y="3365359"/>
+            <a:off x="4524816" y="3365359"/>
             <a:ext cx="510666" cy="0"/>
           </a:xfrm>
           <a:prstGeom prst="straightConnector1">
@@ -3919,7 +3842,7 @@
         </p:nvCxnSpPr>
         <p:spPr>
           <a:xfrm flipH="1">
-            <a:off x="4442334" y="3551194"/>
+            <a:off x="4524816" y="3551194"/>
             <a:ext cx="510666" cy="0"/>
           </a:xfrm>
           <a:prstGeom prst="straightConnector1">
@@ -3958,7 +3881,7 @@
         </p:nvSpPr>
         <p:spPr>
           <a:xfrm>
-            <a:off x="2979540" y="3868779"/>
+            <a:off x="3050899" y="3148486"/>
             <a:ext cx="683128" cy="649465"/>
           </a:xfrm>
           <a:prstGeom prst="rect">
@@ -4015,8 +3938,8 @@
         </p:nvSpPr>
         <p:spPr>
           <a:xfrm>
-            <a:off x="3759207" y="3868779"/>
-            <a:ext cx="683128" cy="649465"/>
+            <a:off x="3731941" y="3156508"/>
+            <a:ext cx="779666" cy="649465"/>
           </a:xfrm>
           <a:prstGeom prst="rect">
             <a:avLst/>
@@ -4042,11 +3965,11 @@
           <a:p>
             <a:pPr algn="ctr"/>
             <a:r>
-              <a:rPr kumimoji="1" lang="en-US" altLang="ja-JP" sz="1050" dirty="0">
-                <a:latin typeface="Meiryo UI" panose="020B0604030504040204" pitchFamily="50" charset="-128"/>
-                <a:ea typeface="Meiryo UI" panose="020B0604030504040204" pitchFamily="50" charset="-128"/>
-              </a:rPr>
-              <a:t>LDAP</a:t>
+              <a:rPr lang="en-US" altLang="ja-JP" sz="1050" dirty="0">
+                <a:latin typeface="Meiryo UI" panose="020B0604030504040204" pitchFamily="50" charset="-128"/>
+                <a:ea typeface="Meiryo UI" panose="020B0604030504040204" pitchFamily="50" charset="-128"/>
+              </a:rPr>
+              <a:t>Location</a:t>
             </a:r>
           </a:p>
           <a:p>
@@ -4057,6 +3980,16 @@
                 <a:ea typeface="Meiryo UI" panose="020B0604030504040204" pitchFamily="50" charset="-128"/>
               </a:rPr>
               <a:t>Client</a:t>
+            </a:r>
+          </a:p>
+          <a:p>
+            <a:pPr algn="ctr"/>
+            <a:r>
+              <a:rPr kumimoji="1" lang="en-US" altLang="ja-JP" sz="1050" dirty="0">
+                <a:latin typeface="Meiryo UI" panose="020B0604030504040204" pitchFamily="50" charset="-128"/>
+                <a:ea typeface="Meiryo UI" panose="020B0604030504040204" pitchFamily="50" charset="-128"/>
+              </a:rPr>
+              <a:t>API</a:t>
             </a:r>
             <a:endParaRPr kumimoji="1" lang="ja-JP" altLang="en-US" sz="1050" dirty="0">
               <a:latin typeface="Meiryo UI" panose="020B0604030504040204" pitchFamily="50" charset="-128"/>
@@ -4126,10 +4059,10 @@
       </p:sp>
       <p:sp>
         <p:nvSpPr>
-          <p:cNvPr id="21" name="正方形/長方形 20">
+          <p:cNvPr id="2" name="正方形/長方形 1">
             <a:extLst>
               <a:ext uri="{FF2B5EF4-FFF2-40B4-BE49-F238E27FC236}">
-                <a16:creationId xmlns:a16="http://schemas.microsoft.com/office/drawing/2014/main" id="{03B805D2-7F1B-0707-8266-721FEE2F0502}"/>
+                <a16:creationId xmlns:a16="http://schemas.microsoft.com/office/drawing/2014/main" id="{3F5DD29C-10F5-97EF-F078-9E2F7BF9DE13}"/>
               </a:ext>
             </a:extLst>
           </p:cNvPr>
@@ -4138,19 +4071,14 @@
         </p:nvSpPr>
         <p:spPr>
           <a:xfrm>
-            <a:off x="4471112" y="3092788"/>
-            <a:ext cx="535592" cy="158260"/>
+            <a:off x="3050899" y="3881686"/>
+            <a:ext cx="935055" cy="335820"/>
           </a:xfrm>
           <a:prstGeom prst="rect">
             <a:avLst/>
           </a:prstGeom>
-          <a:solidFill>
-            <a:schemeClr val="bg1"/>
-          </a:solidFill>
           <a:ln>
-            <a:solidFill>
-              <a:schemeClr val="bg1"/>
-            </a:solidFill>
+            <a:prstDash val="sysDash"/>
           </a:ln>
         </p:spPr>
         <p:style>
@@ -4173,11 +4101,25 @@
           <a:p>
             <a:pPr algn="ctr"/>
             <a:r>
-              <a:rPr kumimoji="1" lang="en-US" altLang="ja-JP" sz="1050" dirty="0">
-                <a:latin typeface="Meiryo UI" panose="020B0604030504040204" pitchFamily="50" charset="-128"/>
-                <a:ea typeface="Meiryo UI" panose="020B0604030504040204" pitchFamily="50" charset="-128"/>
-              </a:rPr>
-              <a:t>LDAP</a:t>
+              <a:rPr lang="ja-JP" altLang="en-US" sz="1050" dirty="0">
+                <a:latin typeface="Meiryo UI" panose="020B0604030504040204" pitchFamily="50" charset="-128"/>
+                <a:ea typeface="Meiryo UI" panose="020B0604030504040204" pitchFamily="50" charset="-128"/>
+              </a:rPr>
+              <a:t>サーバ</a:t>
+            </a:r>
+            <a:endParaRPr lang="en-US" altLang="ja-JP" sz="1050" dirty="0">
+              <a:latin typeface="Meiryo UI" panose="020B0604030504040204" pitchFamily="50" charset="-128"/>
+              <a:ea typeface="Meiryo UI" panose="020B0604030504040204" pitchFamily="50" charset="-128"/>
+            </a:endParaRPr>
+          </a:p>
+          <a:p>
+            <a:pPr algn="ctr"/>
+            <a:r>
+              <a:rPr lang="ja-JP" altLang="en-US" sz="1050" dirty="0">
+                <a:latin typeface="Meiryo UI" panose="020B0604030504040204" pitchFamily="50" charset="-128"/>
+                <a:ea typeface="Meiryo UI" panose="020B0604030504040204" pitchFamily="50" charset="-128"/>
+              </a:rPr>
+              <a:t>証明書</a:t>
             </a:r>
             <a:endParaRPr kumimoji="1" lang="ja-JP" altLang="en-US" sz="1050" dirty="0">
               <a:latin typeface="Meiryo UI" panose="020B0604030504040204" pitchFamily="50" charset="-128"/>
@@ -4437,7 +4379,7 @@
                 <a:latin typeface="Meiryo UI" panose="020B0604030504040204" pitchFamily="50" charset="-128"/>
                 <a:ea typeface="Meiryo UI" panose="020B0604030504040204" pitchFamily="50" charset="-128"/>
               </a:rPr>
-              <a:t>認可ＧＷ</a:t>
+              <a:t>提供者認可にアクセスする設定する契約管理等のサーバ</a:t>
             </a:r>
             <a:endParaRPr lang="en-US" altLang="ja-JP" sz="1200" dirty="0">
               <a:latin typeface="Meiryo UI" panose="020B0604030504040204" pitchFamily="50" charset="-128"/>
@@ -4541,18 +4483,11 @@
           <a:p>
             <a:pPr algn="ctr"/>
             <a:r>
-              <a:rPr kumimoji="1" lang="en-US" altLang="ja-JP" sz="1200" dirty="0" err="1">
-                <a:latin typeface="Meiryo UI" panose="020B0604030504040204" pitchFamily="50" charset="-128"/>
-                <a:ea typeface="Meiryo UI" panose="020B0604030504040204" pitchFamily="50" charset="-128"/>
-              </a:rPr>
-              <a:t>Ldap</a:t>
-            </a:r>
-            <a:r>
-              <a:rPr kumimoji="1" lang="en-US" altLang="ja-JP" sz="1200" dirty="0">
-                <a:latin typeface="Meiryo UI" panose="020B0604030504040204" pitchFamily="50" charset="-128"/>
-                <a:ea typeface="Meiryo UI" panose="020B0604030504040204" pitchFamily="50" charset="-128"/>
-              </a:rPr>
-              <a:t> </a:t>
+              <a:rPr lang="en-US" altLang="ja-JP" sz="1200" dirty="0">
+                <a:latin typeface="Meiryo UI" panose="020B0604030504040204" pitchFamily="50" charset="-128"/>
+                <a:ea typeface="Meiryo UI" panose="020B0604030504040204" pitchFamily="50" charset="-128"/>
+              </a:rPr>
+              <a:t>RDB</a:t>
             </a:r>
             <a:r>
               <a:rPr kumimoji="1" lang="ja-JP" altLang="en-US" sz="1200" dirty="0">
@@ -4968,11 +4903,18 @@
                 <a:latin typeface="Meiryo UI" panose="020B0604030504040204" pitchFamily="50" charset="-128"/>
                 <a:ea typeface="Meiryo UI" panose="020B0604030504040204" pitchFamily="50" charset="-128"/>
               </a:rPr>
-              <a:t>HTTP(S)</a:t>
+              <a:t>Location</a:t>
             </a:r>
           </a:p>
           <a:p>
             <a:pPr algn="ctr"/>
+            <a:r>
+              <a:rPr lang="en-US" altLang="ja-JP" sz="1200" dirty="0" err="1">
+                <a:latin typeface="Meiryo UI" panose="020B0604030504040204" pitchFamily="50" charset="-128"/>
+                <a:ea typeface="Meiryo UI" panose="020B0604030504040204" pitchFamily="50" charset="-128"/>
+              </a:rPr>
+              <a:t>Gw</a:t>
+            </a:r>
             <a:endParaRPr lang="en-US" altLang="ja-JP" sz="1200" dirty="0">
               <a:latin typeface="Meiryo UI" panose="020B0604030504040204" pitchFamily="50" charset="-128"/>
               <a:ea typeface="Meiryo UI" panose="020B0604030504040204" pitchFamily="50" charset="-128"/>
@@ -4985,370 +4927,8 @@
                 <a:latin typeface="Meiryo UI" panose="020B0604030504040204" pitchFamily="50" charset="-128"/>
                 <a:ea typeface="Meiryo UI" panose="020B0604030504040204" pitchFamily="50" charset="-128"/>
               </a:rPr>
-              <a:t>Directory</a:t>
-            </a:r>
-          </a:p>
-          <a:p>
-            <a:pPr algn="ctr"/>
-            <a:r>
-              <a:rPr lang="en-US" altLang="ja-JP" sz="1200" dirty="0" err="1">
-                <a:latin typeface="Meiryo UI" panose="020B0604030504040204" pitchFamily="50" charset="-128"/>
-                <a:ea typeface="Meiryo UI" panose="020B0604030504040204" pitchFamily="50" charset="-128"/>
-              </a:rPr>
-              <a:t>Gw</a:t>
-            </a:r>
-            <a:endParaRPr lang="en-US" altLang="ja-JP" sz="1200" dirty="0">
-              <a:latin typeface="Meiryo UI" panose="020B0604030504040204" pitchFamily="50" charset="-128"/>
-              <a:ea typeface="Meiryo UI" panose="020B0604030504040204" pitchFamily="50" charset="-128"/>
-            </a:endParaRPr>
-          </a:p>
-          <a:p>
-            <a:pPr algn="ctr"/>
-            <a:r>
-              <a:rPr kumimoji="1" lang="en-US" altLang="ja-JP" sz="1200" dirty="0">
-                <a:latin typeface="Meiryo UI" panose="020B0604030504040204" pitchFamily="50" charset="-128"/>
-                <a:ea typeface="Meiryo UI" panose="020B0604030504040204" pitchFamily="50" charset="-128"/>
-              </a:rPr>
               <a:t>Server</a:t>
             </a:r>
-            <a:endParaRPr kumimoji="1" lang="ja-JP" altLang="en-US" sz="1200" dirty="0">
-              <a:latin typeface="Meiryo UI" panose="020B0604030504040204" pitchFamily="50" charset="-128"/>
-              <a:ea typeface="Meiryo UI" panose="020B0604030504040204" pitchFamily="50" charset="-128"/>
-            </a:endParaRPr>
-          </a:p>
-        </p:txBody>
-      </p:sp>
-      <p:sp>
-        <p:nvSpPr>
-          <p:cNvPr id="36" name="テキスト ボックス 35">
-            <a:extLst>
-              <a:ext uri="{FF2B5EF4-FFF2-40B4-BE49-F238E27FC236}">
-                <a16:creationId xmlns:a16="http://schemas.microsoft.com/office/drawing/2014/main" id="{289A767B-03E7-6AA4-A068-F041335744B1}"/>
-              </a:ext>
-            </a:extLst>
-          </p:cNvPr>
-          <p:cNvSpPr txBox="1"/>
-          <p:nvPr/>
-        </p:nvSpPr>
-        <p:spPr>
-          <a:xfrm>
-            <a:off x="6468910" y="3976981"/>
-            <a:ext cx="617733" cy="276999"/>
-          </a:xfrm>
-          <a:prstGeom prst="rect">
-            <a:avLst/>
-          </a:prstGeom>
-          <a:noFill/>
-        </p:spPr>
-        <p:txBody>
-          <a:bodyPr wrap="none" rtlCol="0">
-            <a:spAutoFit/>
-          </a:bodyPr>
-          <a:lstStyle/>
-          <a:p>
-            <a:r>
-              <a:rPr lang="en-US" altLang="ja-JP" sz="1200" b="1" dirty="0">
-                <a:latin typeface="Meiryo UI" panose="020B0604030504040204" pitchFamily="50" charset="-128"/>
-                <a:ea typeface="Meiryo UI" panose="020B0604030504040204" pitchFamily="50" charset="-128"/>
-              </a:rPr>
-              <a:t>LDAP</a:t>
-            </a:r>
-            <a:endParaRPr kumimoji="1" lang="ja-JP" altLang="en-US" sz="1200" b="1" dirty="0">
-              <a:latin typeface="Meiryo UI" panose="020B0604030504040204" pitchFamily="50" charset="-128"/>
-              <a:ea typeface="Meiryo UI" panose="020B0604030504040204" pitchFamily="50" charset="-128"/>
-            </a:endParaRPr>
-          </a:p>
-        </p:txBody>
-      </p:sp>
-      <p:sp>
-        <p:nvSpPr>
-          <p:cNvPr id="20" name="正方形/長方形 19">
-            <a:extLst>
-              <a:ext uri="{FF2B5EF4-FFF2-40B4-BE49-F238E27FC236}">
-                <a16:creationId xmlns:a16="http://schemas.microsoft.com/office/drawing/2014/main" id="{FC237A9E-13D7-0949-C6AB-6573781FED0E}"/>
-              </a:ext>
-            </a:extLst>
-          </p:cNvPr>
-          <p:cNvSpPr/>
-          <p:nvPr/>
-        </p:nvSpPr>
-        <p:spPr>
-          <a:xfrm>
-            <a:off x="783191" y="5033580"/>
-            <a:ext cx="1201859" cy="1375833"/>
-          </a:xfrm>
-          <a:prstGeom prst="rect">
-            <a:avLst/>
-          </a:prstGeom>
-        </p:spPr>
-        <p:style>
-          <a:lnRef idx="2">
-            <a:schemeClr val="dk1"/>
-          </a:lnRef>
-          <a:fillRef idx="1">
-            <a:schemeClr val="lt1"/>
-          </a:fillRef>
-          <a:effectRef idx="0">
-            <a:schemeClr val="dk1"/>
-          </a:effectRef>
-          <a:fontRef idx="minor">
-            <a:schemeClr val="dk1"/>
-          </a:fontRef>
-        </p:style>
-        <p:txBody>
-          <a:bodyPr rtlCol="0" anchor="ctr"/>
-          <a:lstStyle/>
-          <a:p>
-            <a:pPr algn="ctr"/>
-            <a:r>
-              <a:rPr kumimoji="1" lang="ja-JP" altLang="en-US" sz="1200" dirty="0">
-                <a:latin typeface="Meiryo UI" panose="020B0604030504040204" pitchFamily="50" charset="-128"/>
-                <a:ea typeface="Meiryo UI" panose="020B0604030504040204" pitchFamily="50" charset="-128"/>
-              </a:rPr>
-              <a:t>認可</a:t>
-            </a:r>
-            <a:r>
-              <a:rPr kumimoji="1" lang="en-US" altLang="ja-JP" sz="1200" dirty="0">
-                <a:latin typeface="Meiryo UI" panose="020B0604030504040204" pitchFamily="50" charset="-128"/>
-                <a:ea typeface="Meiryo UI" panose="020B0604030504040204" pitchFamily="50" charset="-128"/>
-              </a:rPr>
-              <a:t>GW</a:t>
-            </a:r>
-          </a:p>
-        </p:txBody>
-      </p:sp>
-      <p:cxnSp>
-        <p:nvCxnSpPr>
-          <p:cNvPr id="21" name="直線矢印コネクタ 20">
-            <a:extLst>
-              <a:ext uri="{FF2B5EF4-FFF2-40B4-BE49-F238E27FC236}">
-                <a16:creationId xmlns:a16="http://schemas.microsoft.com/office/drawing/2014/main" id="{7702E1A6-E474-2EE7-EB42-7F9556ACCA09}"/>
-              </a:ext>
-            </a:extLst>
-          </p:cNvPr>
-          <p:cNvCxnSpPr>
-            <a:cxnSpLocks/>
-          </p:cNvCxnSpPr>
-          <p:nvPr/>
-        </p:nvCxnSpPr>
-        <p:spPr>
-          <a:xfrm>
-            <a:off x="1985051" y="5316526"/>
-            <a:ext cx="3341818" cy="0"/>
-          </a:xfrm>
-          <a:prstGeom prst="straightConnector1">
-            <a:avLst/>
-          </a:prstGeom>
-          <a:ln>
-            <a:tailEnd type="triangle"/>
-          </a:ln>
-        </p:spPr>
-        <p:style>
-          <a:lnRef idx="1">
-            <a:schemeClr val="dk1"/>
-          </a:lnRef>
-          <a:fillRef idx="0">
-            <a:schemeClr val="dk1"/>
-          </a:fillRef>
-          <a:effectRef idx="0">
-            <a:schemeClr val="dk1"/>
-          </a:effectRef>
-          <a:fontRef idx="minor">
-            <a:schemeClr val="tx1"/>
-          </a:fontRef>
-        </p:style>
-      </p:cxnSp>
-      <p:sp>
-        <p:nvSpPr>
-          <p:cNvPr id="23" name="テキスト ボックス 22">
-            <a:extLst>
-              <a:ext uri="{FF2B5EF4-FFF2-40B4-BE49-F238E27FC236}">
-                <a16:creationId xmlns:a16="http://schemas.microsoft.com/office/drawing/2014/main" id="{AD54B106-2568-7140-862A-01066FF3B757}"/>
-              </a:ext>
-            </a:extLst>
-          </p:cNvPr>
-          <p:cNvSpPr txBox="1"/>
-          <p:nvPr/>
-        </p:nvSpPr>
-        <p:spPr>
-          <a:xfrm>
-            <a:off x="2125156" y="4848455"/>
-            <a:ext cx="2565126" cy="461665"/>
-          </a:xfrm>
-          <a:prstGeom prst="rect">
-            <a:avLst/>
-          </a:prstGeom>
-          <a:noFill/>
-        </p:spPr>
-        <p:txBody>
-          <a:bodyPr wrap="none" rtlCol="0">
-            <a:spAutoFit/>
-          </a:bodyPr>
-          <a:lstStyle/>
-          <a:p>
-            <a:r>
-              <a:rPr kumimoji="1" lang="ja-JP" altLang="en-US" sz="1200" dirty="0">
-                <a:latin typeface="Meiryo UI" panose="020B0604030504040204" pitchFamily="50" charset="-128"/>
-                <a:ea typeface="Meiryo UI" panose="020B0604030504040204" pitchFamily="50" charset="-128"/>
-              </a:rPr>
-              <a:t> </a:t>
-            </a:r>
-            <a:r>
-              <a:rPr kumimoji="1" lang="en-US" altLang="ja-JP" sz="1200" b="1" dirty="0">
-                <a:latin typeface="Meiryo UI" panose="020B0604030504040204" pitchFamily="50" charset="-128"/>
-                <a:ea typeface="Meiryo UI" panose="020B0604030504040204" pitchFamily="50" charset="-128"/>
-              </a:rPr>
-              <a:t>HTTPS</a:t>
-            </a:r>
-          </a:p>
-          <a:p>
-            <a:r>
-              <a:rPr lang="en-US" altLang="ja-JP" sz="1200" dirty="0">
-                <a:latin typeface="Meiryo UI" panose="020B0604030504040204" pitchFamily="50" charset="-128"/>
-                <a:ea typeface="Meiryo UI" panose="020B0604030504040204" pitchFamily="50" charset="-128"/>
-              </a:rPr>
-              <a:t>     </a:t>
-            </a:r>
-            <a:r>
-              <a:rPr kumimoji="1" lang="ja-JP" altLang="en-US" sz="1200" dirty="0">
-                <a:latin typeface="Meiryo UI" panose="020B0604030504040204" pitchFamily="50" charset="-128"/>
-                <a:ea typeface="Meiryo UI" panose="020B0604030504040204" pitchFamily="50" charset="-128"/>
-              </a:rPr>
-              <a:t>ロケーション情報取得</a:t>
-            </a:r>
-            <a:r>
-              <a:rPr kumimoji="1" lang="en-US" altLang="ja-JP" sz="1200" dirty="0">
-                <a:latin typeface="Meiryo UI" panose="020B0604030504040204" pitchFamily="50" charset="-128"/>
-                <a:ea typeface="Meiryo UI" panose="020B0604030504040204" pitchFamily="50" charset="-128"/>
-              </a:rPr>
-              <a:t>(</a:t>
-            </a:r>
-            <a:r>
-              <a:rPr kumimoji="1" lang="ja-JP" altLang="en-US" sz="1200" dirty="0">
-                <a:latin typeface="Meiryo UI" panose="020B0604030504040204" pitchFamily="50" charset="-128"/>
-                <a:ea typeface="Meiryo UI" panose="020B0604030504040204" pitchFamily="50" charset="-128"/>
-              </a:rPr>
-              <a:t>提供者</a:t>
-            </a:r>
-            <a:r>
-              <a:rPr kumimoji="1" lang="en-US" altLang="ja-JP" sz="1200" dirty="0">
-                <a:latin typeface="Meiryo UI" panose="020B0604030504040204" pitchFamily="50" charset="-128"/>
-                <a:ea typeface="Meiryo UI" panose="020B0604030504040204" pitchFamily="50" charset="-128"/>
-              </a:rPr>
-              <a:t>ID)</a:t>
-            </a:r>
-          </a:p>
-        </p:txBody>
-      </p:sp>
-      <p:cxnSp>
-        <p:nvCxnSpPr>
-          <p:cNvPr id="24" name="直線矢印コネクタ 23">
-            <a:extLst>
-              <a:ext uri="{FF2B5EF4-FFF2-40B4-BE49-F238E27FC236}">
-                <a16:creationId xmlns:a16="http://schemas.microsoft.com/office/drawing/2014/main" id="{08B55148-9DD2-E1F9-D32E-D1AD1523419B}"/>
-              </a:ext>
-            </a:extLst>
-          </p:cNvPr>
-          <p:cNvCxnSpPr>
-            <a:cxnSpLocks/>
-          </p:cNvCxnSpPr>
-          <p:nvPr/>
-        </p:nvCxnSpPr>
-        <p:spPr>
-          <a:xfrm flipH="1">
-            <a:off x="1985050" y="6244193"/>
-            <a:ext cx="3341818" cy="0"/>
-          </a:xfrm>
-          <a:prstGeom prst="straightConnector1">
-            <a:avLst/>
-          </a:prstGeom>
-          <a:ln>
-            <a:tailEnd type="triangle"/>
-          </a:ln>
-        </p:spPr>
-        <p:style>
-          <a:lnRef idx="1">
-            <a:schemeClr val="dk1"/>
-          </a:lnRef>
-          <a:fillRef idx="0">
-            <a:schemeClr val="dk1"/>
-          </a:fillRef>
-          <a:effectRef idx="0">
-            <a:schemeClr val="dk1"/>
-          </a:effectRef>
-          <a:fontRef idx="minor">
-            <a:schemeClr val="tx1"/>
-          </a:fontRef>
-        </p:style>
-      </p:cxnSp>
-      <p:sp>
-        <p:nvSpPr>
-          <p:cNvPr id="25" name="テキスト ボックス 24">
-            <a:extLst>
-              <a:ext uri="{FF2B5EF4-FFF2-40B4-BE49-F238E27FC236}">
-                <a16:creationId xmlns:a16="http://schemas.microsoft.com/office/drawing/2014/main" id="{533FCA13-8C49-CF80-0D57-324E27C733C8}"/>
-              </a:ext>
-            </a:extLst>
-          </p:cNvPr>
-          <p:cNvSpPr txBox="1"/>
-          <p:nvPr/>
-        </p:nvSpPr>
-        <p:spPr>
-          <a:xfrm>
-            <a:off x="2370820" y="5693034"/>
-            <a:ext cx="1632178" cy="646331"/>
-          </a:xfrm>
-          <a:prstGeom prst="rect">
-            <a:avLst/>
-          </a:prstGeom>
-          <a:noFill/>
-        </p:spPr>
-        <p:txBody>
-          <a:bodyPr wrap="none" rtlCol="0">
-            <a:spAutoFit/>
-          </a:bodyPr>
-          <a:lstStyle/>
-          <a:p>
-            <a:r>
-              <a:rPr lang="ja-JP" altLang="en-US" sz="1200" dirty="0">
-                <a:latin typeface="Meiryo UI" panose="020B0604030504040204" pitchFamily="50" charset="-128"/>
-                <a:ea typeface="Meiryo UI" panose="020B0604030504040204" pitchFamily="50" charset="-128"/>
-              </a:rPr>
-              <a:t>ロケーション情報</a:t>
-            </a:r>
-            <a:endParaRPr lang="en-US" altLang="ja-JP" sz="1200" dirty="0">
-              <a:latin typeface="Meiryo UI" panose="020B0604030504040204" pitchFamily="50" charset="-128"/>
-              <a:ea typeface="Meiryo UI" panose="020B0604030504040204" pitchFamily="50" charset="-128"/>
-            </a:endParaRPr>
-          </a:p>
-          <a:p>
-            <a:r>
-              <a:rPr lang="en-US" altLang="ja-JP" sz="1200" dirty="0">
-                <a:latin typeface="Meiryo UI" panose="020B0604030504040204" pitchFamily="50" charset="-128"/>
-                <a:ea typeface="Meiryo UI" panose="020B0604030504040204" pitchFamily="50" charset="-128"/>
-              </a:rPr>
-              <a:t>  (</a:t>
-            </a:r>
-            <a:r>
-              <a:rPr lang="ja-JP" altLang="en-US" sz="1200" dirty="0">
-                <a:latin typeface="Meiryo UI" panose="020B0604030504040204" pitchFamily="50" charset="-128"/>
-                <a:ea typeface="Meiryo UI" panose="020B0604030504040204" pitchFamily="50" charset="-128"/>
-              </a:rPr>
-              <a:t>提供者コネクタ</a:t>
-            </a:r>
-            <a:r>
-              <a:rPr lang="en-US" altLang="ja-JP" sz="1200" dirty="0">
-                <a:latin typeface="Meiryo UI" panose="020B0604030504040204" pitchFamily="50" charset="-128"/>
-                <a:ea typeface="Meiryo UI" panose="020B0604030504040204" pitchFamily="50" charset="-128"/>
-              </a:rPr>
-              <a:t>URL)</a:t>
-            </a:r>
-          </a:p>
-          <a:p>
-            <a:endParaRPr kumimoji="1" lang="ja-JP" altLang="en-US" sz="1200" dirty="0">
-              <a:latin typeface="Meiryo UI" panose="020B0604030504040204" pitchFamily="50" charset="-128"/>
-              <a:ea typeface="Meiryo UI" panose="020B0604030504040204" pitchFamily="50" charset="-128"/>
-            </a:endParaRPr>
           </a:p>
         </p:txBody>
       </p:sp>
@@ -5655,6 +5235,309 @@
           </p:txBody>
         </p:sp>
       </p:grpSp>
+      <p:sp>
+        <p:nvSpPr>
+          <p:cNvPr id="10" name="正方形/長方形 9">
+            <a:extLst>
+              <a:ext uri="{FF2B5EF4-FFF2-40B4-BE49-F238E27FC236}">
+                <a16:creationId xmlns:a16="http://schemas.microsoft.com/office/drawing/2014/main" id="{EBC84D15-20F3-3839-56E5-312ED30E7746}"/>
+              </a:ext>
+            </a:extLst>
+          </p:cNvPr>
+          <p:cNvSpPr/>
+          <p:nvPr/>
+        </p:nvSpPr>
+        <p:spPr>
+          <a:xfrm>
+            <a:off x="757665" y="4947015"/>
+            <a:ext cx="1201859" cy="1375833"/>
+          </a:xfrm>
+          <a:prstGeom prst="rect">
+            <a:avLst/>
+          </a:prstGeom>
+        </p:spPr>
+        <p:style>
+          <a:lnRef idx="2">
+            <a:schemeClr val="dk1"/>
+          </a:lnRef>
+          <a:fillRef idx="1">
+            <a:schemeClr val="lt1"/>
+          </a:fillRef>
+          <a:effectRef idx="0">
+            <a:schemeClr val="dk1"/>
+          </a:effectRef>
+          <a:fontRef idx="minor">
+            <a:schemeClr val="dk1"/>
+          </a:fontRef>
+        </p:style>
+        <p:txBody>
+          <a:bodyPr rtlCol="0" anchor="ctr"/>
+          <a:lstStyle/>
+          <a:p>
+            <a:pPr algn="ctr"/>
+            <a:r>
+              <a:rPr kumimoji="1" lang="ja-JP" altLang="en-US" sz="1200" dirty="0">
+                <a:latin typeface="Meiryo UI" panose="020B0604030504040204" pitchFamily="50" charset="-128"/>
+                <a:ea typeface="Meiryo UI" panose="020B0604030504040204" pitchFamily="50" charset="-128"/>
+              </a:rPr>
+              <a:t>認可設定する</a:t>
+            </a:r>
+            <a:endParaRPr kumimoji="1" lang="en-US" altLang="ja-JP" sz="1200" dirty="0">
+              <a:latin typeface="Meiryo UI" panose="020B0604030504040204" pitchFamily="50" charset="-128"/>
+              <a:ea typeface="Meiryo UI" panose="020B0604030504040204" pitchFamily="50" charset="-128"/>
+            </a:endParaRPr>
+          </a:p>
+          <a:p>
+            <a:pPr algn="ctr"/>
+            <a:r>
+              <a:rPr kumimoji="1" lang="ja-JP" altLang="en-US" sz="1200" dirty="0">
+                <a:latin typeface="Meiryo UI" panose="020B0604030504040204" pitchFamily="50" charset="-128"/>
+                <a:ea typeface="Meiryo UI" panose="020B0604030504040204" pitchFamily="50" charset="-128"/>
+              </a:rPr>
+              <a:t>契約管理等</a:t>
+            </a:r>
+            <a:endParaRPr kumimoji="1" lang="en-US" altLang="ja-JP" sz="1200" dirty="0">
+              <a:latin typeface="Meiryo UI" panose="020B0604030504040204" pitchFamily="50" charset="-128"/>
+              <a:ea typeface="Meiryo UI" panose="020B0604030504040204" pitchFamily="50" charset="-128"/>
+            </a:endParaRPr>
+          </a:p>
+        </p:txBody>
+      </p:sp>
+      <p:cxnSp>
+        <p:nvCxnSpPr>
+          <p:cNvPr id="11" name="直線矢印コネクタ 10">
+            <a:extLst>
+              <a:ext uri="{FF2B5EF4-FFF2-40B4-BE49-F238E27FC236}">
+                <a16:creationId xmlns:a16="http://schemas.microsoft.com/office/drawing/2014/main" id="{CF65BB6E-8D1B-F09F-3C23-D379BFA2430D}"/>
+              </a:ext>
+            </a:extLst>
+          </p:cNvPr>
+          <p:cNvCxnSpPr>
+            <a:cxnSpLocks/>
+          </p:cNvCxnSpPr>
+          <p:nvPr/>
+        </p:nvCxnSpPr>
+        <p:spPr>
+          <a:xfrm>
+            <a:off x="1959525" y="5229961"/>
+            <a:ext cx="3341818" cy="0"/>
+          </a:xfrm>
+          <a:prstGeom prst="straightConnector1">
+            <a:avLst/>
+          </a:prstGeom>
+          <a:ln>
+            <a:tailEnd type="triangle"/>
+          </a:ln>
+        </p:spPr>
+        <p:style>
+          <a:lnRef idx="1">
+            <a:schemeClr val="dk1"/>
+          </a:lnRef>
+          <a:fillRef idx="0">
+            <a:schemeClr val="dk1"/>
+          </a:fillRef>
+          <a:effectRef idx="0">
+            <a:schemeClr val="dk1"/>
+          </a:effectRef>
+          <a:fontRef idx="minor">
+            <a:schemeClr val="tx1"/>
+          </a:fontRef>
+        </p:style>
+      </p:cxnSp>
+      <p:sp>
+        <p:nvSpPr>
+          <p:cNvPr id="12" name="テキスト ボックス 11">
+            <a:extLst>
+              <a:ext uri="{FF2B5EF4-FFF2-40B4-BE49-F238E27FC236}">
+                <a16:creationId xmlns:a16="http://schemas.microsoft.com/office/drawing/2014/main" id="{75FC0E65-4240-1417-CAD8-A07F51E18C9F}"/>
+              </a:ext>
+            </a:extLst>
+          </p:cNvPr>
+          <p:cNvSpPr txBox="1"/>
+          <p:nvPr/>
+        </p:nvSpPr>
+        <p:spPr>
+          <a:xfrm>
+            <a:off x="2099630" y="4761890"/>
+            <a:ext cx="2565126" cy="461665"/>
+          </a:xfrm>
+          <a:prstGeom prst="rect">
+            <a:avLst/>
+          </a:prstGeom>
+          <a:noFill/>
+        </p:spPr>
+        <p:txBody>
+          <a:bodyPr wrap="none" rtlCol="0">
+            <a:spAutoFit/>
+          </a:bodyPr>
+          <a:lstStyle/>
+          <a:p>
+            <a:r>
+              <a:rPr kumimoji="1" lang="ja-JP" altLang="en-US" sz="1200" dirty="0">
+                <a:latin typeface="Meiryo UI" panose="020B0604030504040204" pitchFamily="50" charset="-128"/>
+                <a:ea typeface="Meiryo UI" panose="020B0604030504040204" pitchFamily="50" charset="-128"/>
+              </a:rPr>
+              <a:t> </a:t>
+            </a:r>
+            <a:r>
+              <a:rPr kumimoji="1" lang="en-US" altLang="ja-JP" sz="1200" b="1" dirty="0">
+                <a:latin typeface="Meiryo UI" panose="020B0604030504040204" pitchFamily="50" charset="-128"/>
+                <a:ea typeface="Meiryo UI" panose="020B0604030504040204" pitchFamily="50" charset="-128"/>
+              </a:rPr>
+              <a:t>HTTPS</a:t>
+            </a:r>
+          </a:p>
+          <a:p>
+            <a:r>
+              <a:rPr lang="en-US" altLang="ja-JP" sz="1200" dirty="0">
+                <a:latin typeface="Meiryo UI" panose="020B0604030504040204" pitchFamily="50" charset="-128"/>
+                <a:ea typeface="Meiryo UI" panose="020B0604030504040204" pitchFamily="50" charset="-128"/>
+              </a:rPr>
+              <a:t>     </a:t>
+            </a:r>
+            <a:r>
+              <a:rPr kumimoji="1" lang="ja-JP" altLang="en-US" sz="1200" dirty="0">
+                <a:latin typeface="Meiryo UI" panose="020B0604030504040204" pitchFamily="50" charset="-128"/>
+                <a:ea typeface="Meiryo UI" panose="020B0604030504040204" pitchFamily="50" charset="-128"/>
+              </a:rPr>
+              <a:t>ロケーション情報取得</a:t>
+            </a:r>
+            <a:r>
+              <a:rPr kumimoji="1" lang="en-US" altLang="ja-JP" sz="1200" dirty="0">
+                <a:latin typeface="Meiryo UI" panose="020B0604030504040204" pitchFamily="50" charset="-128"/>
+                <a:ea typeface="Meiryo UI" panose="020B0604030504040204" pitchFamily="50" charset="-128"/>
+              </a:rPr>
+              <a:t>(</a:t>
+            </a:r>
+            <a:r>
+              <a:rPr kumimoji="1" lang="ja-JP" altLang="en-US" sz="1200" dirty="0">
+                <a:latin typeface="Meiryo UI" panose="020B0604030504040204" pitchFamily="50" charset="-128"/>
+                <a:ea typeface="Meiryo UI" panose="020B0604030504040204" pitchFamily="50" charset="-128"/>
+              </a:rPr>
+              <a:t>提供者</a:t>
+            </a:r>
+            <a:r>
+              <a:rPr kumimoji="1" lang="en-US" altLang="ja-JP" sz="1200" dirty="0">
+                <a:latin typeface="Meiryo UI" panose="020B0604030504040204" pitchFamily="50" charset="-128"/>
+                <a:ea typeface="Meiryo UI" panose="020B0604030504040204" pitchFamily="50" charset="-128"/>
+              </a:rPr>
+              <a:t>ID)</a:t>
+            </a:r>
+          </a:p>
+        </p:txBody>
+      </p:sp>
+      <p:cxnSp>
+        <p:nvCxnSpPr>
+          <p:cNvPr id="13" name="直線矢印コネクタ 12">
+            <a:extLst>
+              <a:ext uri="{FF2B5EF4-FFF2-40B4-BE49-F238E27FC236}">
+                <a16:creationId xmlns:a16="http://schemas.microsoft.com/office/drawing/2014/main" id="{A202DE9B-894F-0A8D-3C83-1F5FAE14AEA5}"/>
+              </a:ext>
+            </a:extLst>
+          </p:cNvPr>
+          <p:cNvCxnSpPr>
+            <a:cxnSpLocks/>
+          </p:cNvCxnSpPr>
+          <p:nvPr/>
+        </p:nvCxnSpPr>
+        <p:spPr>
+          <a:xfrm flipH="1">
+            <a:off x="1959524" y="6157628"/>
+            <a:ext cx="3341818" cy="0"/>
+          </a:xfrm>
+          <a:prstGeom prst="straightConnector1">
+            <a:avLst/>
+          </a:prstGeom>
+          <a:ln>
+            <a:tailEnd type="triangle"/>
+          </a:ln>
+        </p:spPr>
+        <p:style>
+          <a:lnRef idx="1">
+            <a:schemeClr val="dk1"/>
+          </a:lnRef>
+          <a:fillRef idx="0">
+            <a:schemeClr val="dk1"/>
+          </a:fillRef>
+          <a:effectRef idx="0">
+            <a:schemeClr val="dk1"/>
+          </a:effectRef>
+          <a:fontRef idx="minor">
+            <a:schemeClr val="tx1"/>
+          </a:fontRef>
+        </p:style>
+      </p:cxnSp>
+      <p:sp>
+        <p:nvSpPr>
+          <p:cNvPr id="14" name="テキスト ボックス 13">
+            <a:extLst>
+              <a:ext uri="{FF2B5EF4-FFF2-40B4-BE49-F238E27FC236}">
+                <a16:creationId xmlns:a16="http://schemas.microsoft.com/office/drawing/2014/main" id="{B3E63198-4B2C-0EAD-7E5C-DBB6F934ED07}"/>
+              </a:ext>
+            </a:extLst>
+          </p:cNvPr>
+          <p:cNvSpPr txBox="1"/>
+          <p:nvPr/>
+        </p:nvSpPr>
+        <p:spPr>
+          <a:xfrm>
+            <a:off x="2345294" y="5676517"/>
+            <a:ext cx="1632178" cy="646331"/>
+          </a:xfrm>
+          <a:prstGeom prst="rect">
+            <a:avLst/>
+          </a:prstGeom>
+          <a:noFill/>
+        </p:spPr>
+        <p:txBody>
+          <a:bodyPr wrap="none" rtlCol="0">
+            <a:spAutoFit/>
+          </a:bodyPr>
+          <a:lstStyle/>
+          <a:p>
+            <a:r>
+              <a:rPr lang="ja-JP" altLang="en-US" sz="1200" dirty="0">
+                <a:latin typeface="Meiryo UI" panose="020B0604030504040204" pitchFamily="50" charset="-128"/>
+                <a:ea typeface="Meiryo UI" panose="020B0604030504040204" pitchFamily="50" charset="-128"/>
+              </a:rPr>
+              <a:t>ロケーション情報</a:t>
+            </a:r>
+            <a:endParaRPr lang="en-US" altLang="ja-JP" sz="1200" dirty="0">
+              <a:latin typeface="Meiryo UI" panose="020B0604030504040204" pitchFamily="50" charset="-128"/>
+              <a:ea typeface="Meiryo UI" panose="020B0604030504040204" pitchFamily="50" charset="-128"/>
+            </a:endParaRPr>
+          </a:p>
+          <a:p>
+            <a:r>
+              <a:rPr lang="en-US" altLang="ja-JP" sz="1200" dirty="0">
+                <a:latin typeface="Meiryo UI" panose="020B0604030504040204" pitchFamily="50" charset="-128"/>
+                <a:ea typeface="Meiryo UI" panose="020B0604030504040204" pitchFamily="50" charset="-128"/>
+              </a:rPr>
+              <a:t>  (</a:t>
+            </a:r>
+            <a:r>
+              <a:rPr lang="ja-JP" altLang="en-US" sz="1200" dirty="0">
+                <a:latin typeface="Meiryo UI" panose="020B0604030504040204" pitchFamily="50" charset="-128"/>
+                <a:ea typeface="Meiryo UI" panose="020B0604030504040204" pitchFamily="50" charset="-128"/>
+              </a:rPr>
+              <a:t>提供者コネクタ</a:t>
+            </a:r>
+            <a:r>
+              <a:rPr lang="en-US" altLang="ja-JP" sz="1200" dirty="0">
+                <a:latin typeface="Meiryo UI" panose="020B0604030504040204" pitchFamily="50" charset="-128"/>
+                <a:ea typeface="Meiryo UI" panose="020B0604030504040204" pitchFamily="50" charset="-128"/>
+              </a:rPr>
+              <a:t>URL)</a:t>
+            </a:r>
+          </a:p>
+          <a:p>
+            <a:endParaRPr kumimoji="1" lang="ja-JP" altLang="en-US" sz="1200" dirty="0">
+              <a:latin typeface="Meiryo UI" panose="020B0604030504040204" pitchFamily="50" charset="-128"/>
+              <a:ea typeface="Meiryo UI" panose="020B0604030504040204" pitchFamily="50" charset="-128"/>
+            </a:endParaRPr>
+          </a:p>
+        </p:txBody>
+      </p:sp>
     </p:spTree>
     <p:extLst>
       <p:ext uri="{BB962C8B-B14F-4D97-AF65-F5344CB8AC3E}">
@@ -5784,7 +5667,7 @@
                 <a:latin typeface="Meiryo UI" panose="020B0604030504040204" pitchFamily="50" charset="-128"/>
                 <a:ea typeface="Meiryo UI" panose="020B0604030504040204" pitchFamily="50" charset="-128"/>
               </a:rPr>
-              <a:t>とする。</a:t>
+              <a:t>とする。運用者のみアクセス可能</a:t>
             </a:r>
             <a:endParaRPr lang="en-US" altLang="ja-JP" sz="1200" dirty="0">
               <a:latin typeface="Meiryo UI" panose="020B0604030504040204" pitchFamily="50" charset="-128"/>
@@ -5969,18 +5852,11 @@
           <a:p>
             <a:pPr algn="ctr"/>
             <a:r>
-              <a:rPr kumimoji="1" lang="en-US" altLang="ja-JP" sz="1200" dirty="0" err="1">
-                <a:latin typeface="Meiryo UI" panose="020B0604030504040204" pitchFamily="50" charset="-128"/>
-                <a:ea typeface="Meiryo UI" panose="020B0604030504040204" pitchFamily="50" charset="-128"/>
-              </a:rPr>
-              <a:t>Ldap</a:t>
-            </a:r>
-            <a:r>
-              <a:rPr kumimoji="1" lang="en-US" altLang="ja-JP" sz="1200" dirty="0">
-                <a:latin typeface="Meiryo UI" panose="020B0604030504040204" pitchFamily="50" charset="-128"/>
-                <a:ea typeface="Meiryo UI" panose="020B0604030504040204" pitchFamily="50" charset="-128"/>
-              </a:rPr>
-              <a:t> </a:t>
+              <a:rPr lang="en-US" altLang="ja-JP" sz="1200" dirty="0">
+                <a:latin typeface="Meiryo UI" panose="020B0604030504040204" pitchFamily="50" charset="-128"/>
+                <a:ea typeface="Meiryo UI" panose="020B0604030504040204" pitchFamily="50" charset="-128"/>
+              </a:rPr>
+              <a:t>RDB</a:t>
             </a:r>
             <a:r>
               <a:rPr kumimoji="1" lang="ja-JP" altLang="en-US" sz="1200" dirty="0">
@@ -6358,48 +6234,6 @@
           </a:p>
         </p:txBody>
       </p:sp>
-      <p:sp>
-        <p:nvSpPr>
-          <p:cNvPr id="36" name="テキスト ボックス 35">
-            <a:extLst>
-              <a:ext uri="{FF2B5EF4-FFF2-40B4-BE49-F238E27FC236}">
-                <a16:creationId xmlns:a16="http://schemas.microsoft.com/office/drawing/2014/main" id="{289A767B-03E7-6AA4-A068-F041335744B1}"/>
-              </a:ext>
-            </a:extLst>
-          </p:cNvPr>
-          <p:cNvSpPr txBox="1"/>
-          <p:nvPr/>
-        </p:nvSpPr>
-        <p:spPr>
-          <a:xfrm>
-            <a:off x="6468910" y="3976981"/>
-            <a:ext cx="617733" cy="276999"/>
-          </a:xfrm>
-          <a:prstGeom prst="rect">
-            <a:avLst/>
-          </a:prstGeom>
-          <a:noFill/>
-        </p:spPr>
-        <p:txBody>
-          <a:bodyPr wrap="none" rtlCol="0">
-            <a:spAutoFit/>
-          </a:bodyPr>
-          <a:lstStyle/>
-          <a:p>
-            <a:r>
-              <a:rPr lang="en-US" altLang="ja-JP" sz="1200" b="1" dirty="0">
-                <a:latin typeface="Meiryo UI" panose="020B0604030504040204" pitchFamily="50" charset="-128"/>
-                <a:ea typeface="Meiryo UI" panose="020B0604030504040204" pitchFamily="50" charset="-128"/>
-              </a:rPr>
-              <a:t>LDAP</a:t>
-            </a:r>
-            <a:endParaRPr kumimoji="1" lang="ja-JP" altLang="en-US" sz="1200" b="1" dirty="0">
-              <a:latin typeface="Meiryo UI" panose="020B0604030504040204" pitchFamily="50" charset="-128"/>
-              <a:ea typeface="Meiryo UI" panose="020B0604030504040204" pitchFamily="50" charset="-128"/>
-            </a:endParaRPr>
-          </a:p>
-        </p:txBody>
-      </p:sp>
       <p:grpSp>
         <p:nvGrpSpPr>
           <p:cNvPr id="3" name="グループ化 2">
@@ -6814,14 +6648,14 @@
           <p:nvPr>
             <p:extLst>
               <p:ext uri="{D42A27DB-BD31-4B8C-83A1-F6EECF244321}">
-                <p14:modId xmlns:p14="http://schemas.microsoft.com/office/powerpoint/2010/main" val="617456771"/>
+                <p14:modId xmlns:p14="http://schemas.microsoft.com/office/powerpoint/2010/main" val="3704407129"/>
               </p:ext>
             </p:extLst>
           </p:nvPr>
         </p:nvGraphicFramePr>
         <p:xfrm>
           <a:off x="307879" y="1092374"/>
-          <a:ext cx="9173577" cy="3749040"/>
+          <a:ext cx="9173577" cy="3901440"/>
         </p:xfrm>
         <a:graphic>
           <a:graphicData uri="http://schemas.openxmlformats.org/drawingml/2006/table">
@@ -6858,14 +6692,14 @@
                     </a:ext>
                   </a:extLst>
                 </a:gridCol>
-                <a:gridCol w="2036382">
+                <a:gridCol w="1811864">
                   <a:extLst>
                     <a:ext uri="{9D8B030D-6E8A-4147-A177-3AD203B41FA5}">
                       <a16:colId xmlns:a16="http://schemas.microsoft.com/office/drawing/2014/main" val="968983488"/>
                     </a:ext>
                   </a:extLst>
                 </a:gridCol>
-                <a:gridCol w="1088571">
+                <a:gridCol w="1313089">
                   <a:extLst>
                     <a:ext uri="{9D8B030D-6E8A-4147-A177-3AD203B41FA5}">
                       <a16:colId xmlns:a16="http://schemas.microsoft.com/office/drawing/2014/main" val="4203983427"/>
@@ -7090,46 +6924,6 @@
                         <a:latin typeface="Meiryo UI" panose="020B0604030504040204" pitchFamily="50" charset="-128"/>
                         <a:ea typeface="Meiryo UI" panose="020B0604030504040204" pitchFamily="50" charset="-128"/>
                       </a:endParaRPr>
-                    </a:p>
-                    <a:p>
-                      <a:pPr marL="0" marR="0" lvl="0" indent="0" algn="l" defTabSz="742950" rtl="0" eaLnBrk="1" fontAlgn="auto" latinLnBrk="0" hangingPunct="1">
-                        <a:lnSpc>
-                          <a:spcPct val="100000"/>
-                        </a:lnSpc>
-                        <a:spcBef>
-                          <a:spcPts val="0"/>
-                        </a:spcBef>
-                        <a:spcAft>
-                          <a:spcPts val="0"/>
-                        </a:spcAft>
-                        <a:buClrTx/>
-                        <a:buSzTx/>
-                        <a:buFontTx/>
-                        <a:buNone/>
-                        <a:tabLst/>
-                        <a:defRPr/>
-                      </a:pPr>
-                      <a:r>
-                        <a:rPr lang="en-US" altLang="ja-JP" sz="1000" dirty="0">
-                          <a:latin typeface="Meiryo UI" panose="020B0604030504040204" pitchFamily="50" charset="-128"/>
-                          <a:ea typeface="Meiryo UI" panose="020B0604030504040204" pitchFamily="50" charset="-128"/>
-                        </a:rPr>
-                        <a:t>(LDAP</a:t>
-                      </a:r>
-                      <a:r>
-                        <a:rPr lang="ja-JP" altLang="en-US" sz="1000" dirty="0">
-                          <a:latin typeface="Meiryo UI" panose="020B0604030504040204" pitchFamily="50" charset="-128"/>
-                          <a:ea typeface="Meiryo UI" panose="020B0604030504040204" pitchFamily="50" charset="-128"/>
-                        </a:rPr>
-                        <a:t>エントリーの検索</a:t>
-                      </a:r>
-                      <a:r>
-                        <a:rPr lang="en-US" altLang="ja-JP" sz="1000" dirty="0">
-                          <a:latin typeface="Meiryo UI" panose="020B0604030504040204" pitchFamily="50" charset="-128"/>
-                          <a:ea typeface="Meiryo UI" panose="020B0604030504040204" pitchFamily="50" charset="-128"/>
-                        </a:rPr>
-                        <a:t>)</a:t>
-                      </a:r>
                     </a:p>
                   </a:txBody>
                   <a:tcPr/>
@@ -7387,20 +7181,10 @@
                         <a:tabLst/>
                         <a:defRPr/>
                       </a:pPr>
-                      <a:r>
-                        <a:rPr lang="ja-JP" altLang="en-US" sz="1000" dirty="0">
-                          <a:latin typeface="Meiryo UI" panose="020B0604030504040204" pitchFamily="50" charset="-128"/>
-                          <a:ea typeface="Meiryo UI" panose="020B0604030504040204" pitchFamily="50" charset="-128"/>
-                        </a:rPr>
-                        <a:t>認可</a:t>
-                      </a:r>
-                      <a:r>
-                        <a:rPr lang="en-US" altLang="ja-JP" sz="1000" dirty="0">
-                          <a:latin typeface="Meiryo UI" panose="020B0604030504040204" pitchFamily="50" charset="-128"/>
-                          <a:ea typeface="Meiryo UI" panose="020B0604030504040204" pitchFamily="50" charset="-128"/>
-                        </a:rPr>
-                        <a:t>GW</a:t>
-                      </a:r>
+                      <a:endParaRPr lang="en-US" altLang="ja-JP" sz="1000" dirty="0">
+                        <a:latin typeface="Meiryo UI" panose="020B0604030504040204" pitchFamily="50" charset="-128"/>
+                        <a:ea typeface="Meiryo UI" panose="020B0604030504040204" pitchFamily="50" charset="-128"/>
+                      </a:endParaRPr>
                     </a:p>
                   </a:txBody>
                   <a:tcPr/>
@@ -7604,46 +7388,6 @@
                         <a:latin typeface="Meiryo UI" panose="020B0604030504040204" pitchFamily="50" charset="-128"/>
                         <a:ea typeface="Meiryo UI" panose="020B0604030504040204" pitchFamily="50" charset="-128"/>
                       </a:endParaRPr>
-                    </a:p>
-                    <a:p>
-                      <a:pPr marL="0" marR="0" lvl="0" indent="0" algn="l" defTabSz="742950" rtl="0" eaLnBrk="1" fontAlgn="auto" latinLnBrk="0" hangingPunct="1">
-                        <a:lnSpc>
-                          <a:spcPct val="100000"/>
-                        </a:lnSpc>
-                        <a:spcBef>
-                          <a:spcPts val="0"/>
-                        </a:spcBef>
-                        <a:spcAft>
-                          <a:spcPts val="0"/>
-                        </a:spcAft>
-                        <a:buClrTx/>
-                        <a:buSzTx/>
-                        <a:buFontTx/>
-                        <a:buNone/>
-                        <a:tabLst/>
-                        <a:defRPr/>
-                      </a:pPr>
-                      <a:r>
-                        <a:rPr lang="en-US" altLang="ja-JP" sz="1000" dirty="0">
-                          <a:latin typeface="Meiryo UI" panose="020B0604030504040204" pitchFamily="50" charset="-128"/>
-                          <a:ea typeface="Meiryo UI" panose="020B0604030504040204" pitchFamily="50" charset="-128"/>
-                        </a:rPr>
-                        <a:t>(LDAP</a:t>
-                      </a:r>
-                      <a:r>
-                        <a:rPr lang="ja-JP" altLang="en-US" sz="1000" dirty="0">
-                          <a:latin typeface="Meiryo UI" panose="020B0604030504040204" pitchFamily="50" charset="-128"/>
-                          <a:ea typeface="Meiryo UI" panose="020B0604030504040204" pitchFamily="50" charset="-128"/>
-                        </a:rPr>
-                        <a:t>エントリーの登録</a:t>
-                      </a:r>
-                      <a:r>
-                        <a:rPr lang="en-US" altLang="ja-JP" sz="1000" dirty="0">
-                          <a:latin typeface="Meiryo UI" panose="020B0604030504040204" pitchFamily="50" charset="-128"/>
-                          <a:ea typeface="Meiryo UI" panose="020B0604030504040204" pitchFamily="50" charset="-128"/>
-                        </a:rPr>
-                        <a:t>)</a:t>
-                      </a:r>
                     </a:p>
                     <a:p>
                       <a:pPr marL="0" marR="0" lvl="0" indent="0" algn="l" defTabSz="742950" rtl="0" eaLnBrk="1" fontAlgn="auto" latinLnBrk="0" hangingPunct="1">
@@ -7973,6 +7717,43 @@
                           <a:ea typeface="Meiryo UI" panose="020B0604030504040204" pitchFamily="50" charset="-128"/>
                         </a:rPr>
                         <a:t>運用者が使用</a:t>
+                      </a:r>
+                      <a:endParaRPr lang="en-US" altLang="ja-JP" sz="1000" dirty="0">
+                        <a:latin typeface="Meiryo UI" panose="020B0604030504040204" pitchFamily="50" charset="-128"/>
+                        <a:ea typeface="Meiryo UI" panose="020B0604030504040204" pitchFamily="50" charset="-128"/>
+                      </a:endParaRPr>
+                    </a:p>
+                    <a:p>
+                      <a:pPr marL="0" marR="0" lvl="0" indent="0" algn="l" defTabSz="742950" rtl="0" eaLnBrk="1" fontAlgn="auto" latinLnBrk="0" hangingPunct="1">
+                        <a:lnSpc>
+                          <a:spcPct val="100000"/>
+                        </a:lnSpc>
+                        <a:spcBef>
+                          <a:spcPts val="0"/>
+                        </a:spcBef>
+                        <a:spcAft>
+                          <a:spcPts val="0"/>
+                        </a:spcAft>
+                        <a:buClrTx/>
+                        <a:buSzTx/>
+                        <a:buFontTx/>
+                        <a:buNone/>
+                        <a:tabLst/>
+                        <a:defRPr/>
+                      </a:pPr>
+                      <a:r>
+                        <a:rPr lang="en-US" altLang="ja-JP" sz="1000" dirty="0">
+                          <a:latin typeface="Meiryo UI" panose="020B0604030504040204" pitchFamily="50" charset="-128"/>
+                          <a:ea typeface="Meiryo UI" panose="020B0604030504040204" pitchFamily="50" charset="-128"/>
+                        </a:rPr>
+                        <a:t>※</a:t>
+                      </a:r>
+                      <a:r>
+                        <a:rPr lang="ja-JP" altLang="en-US" sz="1000" dirty="0">
+                          <a:latin typeface="Meiryo UI" panose="020B0604030504040204" pitchFamily="50" charset="-128"/>
+                          <a:ea typeface="Meiryo UI" panose="020B0604030504040204" pitchFamily="50" charset="-128"/>
+                        </a:rPr>
+                        <a:t>非公開</a:t>
                       </a:r>
                       <a:endParaRPr lang="en-US" altLang="ja-JP" sz="1000" dirty="0">
                         <a:latin typeface="Meiryo UI" panose="020B0604030504040204" pitchFamily="50" charset="-128"/>
@@ -8084,26 +7865,79 @@
                         <a:tabLst/>
                         <a:defRPr/>
                       </a:pPr>
+                      <a:endParaRPr lang="en-US" altLang="ja-JP" sz="1000" dirty="0">
+                        <a:latin typeface="Meiryo UI" panose="020B0604030504040204" pitchFamily="50" charset="-128"/>
+                        <a:ea typeface="Meiryo UI" panose="020B0604030504040204" pitchFamily="50" charset="-128"/>
+                      </a:endParaRPr>
+                    </a:p>
+                  </a:txBody>
+                  <a:tcPr/>
+                </a:tc>
+                <a:tc>
+                  <a:txBody>
+                    <a:bodyPr/>
+                    <a:lstStyle/>
+                    <a:p>
+                      <a:pPr marL="0" marR="0" lvl="0" indent="0" algn="l" defTabSz="742950" rtl="0" eaLnBrk="1" fontAlgn="auto" latinLnBrk="0" hangingPunct="1">
+                        <a:lnSpc>
+                          <a:spcPct val="100000"/>
+                        </a:lnSpc>
+                        <a:spcBef>
+                          <a:spcPts val="0"/>
+                        </a:spcBef>
+                        <a:spcAft>
+                          <a:spcPts val="0"/>
+                        </a:spcAft>
+                        <a:buClrTx/>
+                        <a:buSzTx/>
+                        <a:buFontTx/>
+                        <a:buNone/>
+                        <a:tabLst/>
+                        <a:defRPr/>
+                      </a:pPr>
+                      <a:r>
+                        <a:rPr lang="fr-FR" altLang="ja-JP" sz="1000" dirty="0">
+                          <a:latin typeface="Meiryo UI" panose="020B0604030504040204" pitchFamily="50" charset="-128"/>
+                          <a:ea typeface="Meiryo UI" panose="020B0604030504040204" pitchFamily="50" charset="-128"/>
+                        </a:rPr>
+                        <a:t>/api/v4/location/{location_id}</a:t>
+                      </a:r>
+                      <a:endParaRPr lang="en-US" altLang="ja-JP" sz="1000" dirty="0">
+                        <a:latin typeface="Meiryo UI" panose="020B0604030504040204" pitchFamily="50" charset="-128"/>
+                        <a:ea typeface="Meiryo UI" panose="020B0604030504040204" pitchFamily="50" charset="-128"/>
+                      </a:endParaRPr>
+                    </a:p>
+                  </a:txBody>
+                  <a:tcPr/>
+                </a:tc>
+                <a:tc>
+                  <a:txBody>
+                    <a:bodyPr/>
+                    <a:lstStyle/>
+                    <a:p>
+                      <a:pPr marL="0" marR="0" lvl="0" indent="0" algn="l" defTabSz="742950" rtl="0" eaLnBrk="1" fontAlgn="auto" latinLnBrk="0" hangingPunct="1">
+                        <a:lnSpc>
+                          <a:spcPct val="100000"/>
+                        </a:lnSpc>
+                        <a:spcBef>
+                          <a:spcPts val="0"/>
+                        </a:spcBef>
+                        <a:spcAft>
+                          <a:spcPts val="0"/>
+                        </a:spcAft>
+                        <a:buClrTx/>
+                        <a:buSzTx/>
+                        <a:buFontTx/>
+                        <a:buNone/>
+                        <a:tabLst/>
+                        <a:defRPr/>
+                      </a:pPr>
                       <a:r>
                         <a:rPr lang="en-US" altLang="ja-JP" sz="1000" dirty="0">
                           <a:latin typeface="Meiryo UI" panose="020B0604030504040204" pitchFamily="50" charset="-128"/>
                           <a:ea typeface="Meiryo UI" panose="020B0604030504040204" pitchFamily="50" charset="-128"/>
                         </a:rPr>
-                        <a:t>(LDAP</a:t>
-                      </a:r>
-                      <a:r>
-                        <a:rPr lang="ja-JP" altLang="en-US" sz="1000" dirty="0">
-                          <a:latin typeface="Meiryo UI" panose="020B0604030504040204" pitchFamily="50" charset="-128"/>
-                          <a:ea typeface="Meiryo UI" panose="020B0604030504040204" pitchFamily="50" charset="-128"/>
-                        </a:rPr>
-                        <a:t>エントリーの削除</a:t>
-                      </a:r>
-                      <a:r>
-                        <a:rPr lang="en-US" altLang="ja-JP" sz="1000" dirty="0">
-                          <a:latin typeface="Meiryo UI" panose="020B0604030504040204" pitchFamily="50" charset="-128"/>
-                          <a:ea typeface="Meiryo UI" panose="020B0604030504040204" pitchFamily="50" charset="-128"/>
-                        </a:rPr>
-                        <a:t>)</a:t>
+                        <a:t>DELETE</a:t>
                       </a:r>
                     </a:p>
                     <a:p>
@@ -8155,24 +7989,24 @@
                         <a:defRPr/>
                       </a:pPr>
                       <a:r>
-                        <a:rPr lang="fr-FR" altLang="ja-JP" sz="1000" dirty="0">
-                          <a:latin typeface="Meiryo UI" panose="020B0604030504040204" pitchFamily="50" charset="-128"/>
-                          <a:ea typeface="Meiryo UI" panose="020B0604030504040204" pitchFamily="50" charset="-128"/>
-                        </a:rPr>
-                        <a:t>/api/v4/location/{location_id}</a:t>
+                        <a:rPr lang="en-US" altLang="ja-JP" sz="1000" dirty="0">
+                          <a:latin typeface="Meiryo UI" panose="020B0604030504040204" pitchFamily="50" charset="-128"/>
+                          <a:ea typeface="Meiryo UI" panose="020B0604030504040204" pitchFamily="50" charset="-128"/>
+                        </a:rPr>
+                        <a:t>Request </a:t>
+                      </a:r>
+                      <a:r>
+                        <a:rPr lang="en-US" altLang="ja-JP" sz="1000" dirty="0" err="1">
+                          <a:latin typeface="Meiryo UI" panose="020B0604030504040204" pitchFamily="50" charset="-128"/>
+                          <a:ea typeface="Meiryo UI" panose="020B0604030504040204" pitchFamily="50" charset="-128"/>
+                        </a:rPr>
+                        <a:t>Paramater</a:t>
                       </a:r>
                       <a:endParaRPr lang="en-US" altLang="ja-JP" sz="1000" dirty="0">
                         <a:latin typeface="Meiryo UI" panose="020B0604030504040204" pitchFamily="50" charset="-128"/>
                         <a:ea typeface="Meiryo UI" panose="020B0604030504040204" pitchFamily="50" charset="-128"/>
                       </a:endParaRPr>
                     </a:p>
-                  </a:txBody>
-                  <a:tcPr/>
-                </a:tc>
-                <a:tc>
-                  <a:txBody>
-                    <a:bodyPr/>
-                    <a:lstStyle/>
                     <a:p>
                       <a:pPr marL="0" marR="0" lvl="0" indent="0" algn="l" defTabSz="742950" rtl="0" eaLnBrk="1" fontAlgn="auto" latinLnBrk="0" hangingPunct="1">
                         <a:lnSpc>
@@ -8196,7 +8030,21 @@
                           <a:latin typeface="Meiryo UI" panose="020B0604030504040204" pitchFamily="50" charset="-128"/>
                           <a:ea typeface="Meiryo UI" panose="020B0604030504040204" pitchFamily="50" charset="-128"/>
                         </a:rPr>
-                        <a:t>DELETE</a:t>
+                        <a:t>- </a:t>
+                      </a:r>
+                      <a:r>
+                        <a:rPr lang="ja-JP" altLang="en-US" sz="1000" dirty="0">
+                          <a:latin typeface="Meiryo UI" panose="020B0604030504040204" pitchFamily="50" charset="-128"/>
+                          <a:ea typeface="Meiryo UI" panose="020B0604030504040204" pitchFamily="50" charset="-128"/>
+                        </a:rPr>
+                        <a:t>提供者</a:t>
+                      </a:r>
+                      <a:r>
+                        <a:rPr lang="en-US" altLang="ja-JP" sz="1000" dirty="0">
+                          <a:latin typeface="Meiryo UI" panose="020B0604030504040204" pitchFamily="50" charset="-128"/>
+                          <a:ea typeface="Meiryo UI" panose="020B0604030504040204" pitchFamily="50" charset="-128"/>
+                        </a:rPr>
+                        <a:t>ID</a:t>
                       </a:r>
                     </a:p>
                     <a:p>
@@ -8252,14 +8100,51 @@
                           <a:latin typeface="Meiryo UI" panose="020B0604030504040204" pitchFamily="50" charset="-128"/>
                           <a:ea typeface="Meiryo UI" panose="020B0604030504040204" pitchFamily="50" charset="-128"/>
                         </a:rPr>
-                        <a:t>Request </a:t>
-                      </a:r>
-                      <a:r>
-                        <a:rPr lang="en-US" altLang="ja-JP" sz="1000" dirty="0" err="1">
-                          <a:latin typeface="Meiryo UI" panose="020B0604030504040204" pitchFamily="50" charset="-128"/>
-                          <a:ea typeface="Meiryo UI" panose="020B0604030504040204" pitchFamily="50" charset="-128"/>
-                        </a:rPr>
-                        <a:t>Paramater</a:t>
+                        <a:t>CADDE</a:t>
+                      </a:r>
+                      <a:r>
+                        <a:rPr lang="ja-JP" altLang="en-US" sz="1000" dirty="0">
+                          <a:latin typeface="Meiryo UI" panose="020B0604030504040204" pitchFamily="50" charset="-128"/>
+                          <a:ea typeface="Meiryo UI" panose="020B0604030504040204" pitchFamily="50" charset="-128"/>
+                        </a:rPr>
+                        <a:t>運用者</a:t>
+                      </a:r>
+                      <a:endParaRPr lang="en-US" altLang="ja-JP" sz="1000" dirty="0">
+                        <a:latin typeface="Meiryo UI" panose="020B0604030504040204" pitchFamily="50" charset="-128"/>
+                        <a:ea typeface="Meiryo UI" panose="020B0604030504040204" pitchFamily="50" charset="-128"/>
+                      </a:endParaRPr>
+                    </a:p>
+                  </a:txBody>
+                  <a:tcPr/>
+                </a:tc>
+                <a:tc>
+                  <a:txBody>
+                    <a:bodyPr/>
+                    <a:lstStyle/>
+                    <a:p>
+                      <a:pPr marL="0" marR="0" lvl="0" indent="0" algn="l" defTabSz="742950" rtl="0" eaLnBrk="1" fontAlgn="auto" latinLnBrk="0" hangingPunct="1">
+                        <a:lnSpc>
+                          <a:spcPct val="100000"/>
+                        </a:lnSpc>
+                        <a:spcBef>
+                          <a:spcPts val="0"/>
+                        </a:spcBef>
+                        <a:spcAft>
+                          <a:spcPts val="0"/>
+                        </a:spcAft>
+                        <a:buClrTx/>
+                        <a:buSzTx/>
+                        <a:buFontTx/>
+                        <a:buNone/>
+                        <a:tabLst/>
+                        <a:defRPr/>
+                      </a:pPr>
+                      <a:r>
+                        <a:rPr lang="ja-JP" altLang="en-US" sz="1000" dirty="0">
+                          <a:latin typeface="Meiryo UI" panose="020B0604030504040204" pitchFamily="50" charset="-128"/>
+                          <a:ea typeface="Meiryo UI" panose="020B0604030504040204" pitchFamily="50" charset="-128"/>
+                        </a:rPr>
+                        <a:t>提供者情報削除時</a:t>
                       </a:r>
                       <a:endParaRPr lang="en-US" altLang="ja-JP" sz="1000" dirty="0">
                         <a:latin typeface="Meiryo UI" panose="020B0604030504040204" pitchFamily="50" charset="-128"/>
@@ -8289,22 +8174,120 @@
                           <a:latin typeface="Meiryo UI" panose="020B0604030504040204" pitchFamily="50" charset="-128"/>
                           <a:ea typeface="Meiryo UI" panose="020B0604030504040204" pitchFamily="50" charset="-128"/>
                         </a:rPr>
-                        <a:t>- </a:t>
+                        <a:t>※CADDE</a:t>
                       </a:r>
                       <a:r>
                         <a:rPr lang="ja-JP" altLang="en-US" sz="1000" dirty="0">
                           <a:latin typeface="Meiryo UI" panose="020B0604030504040204" pitchFamily="50" charset="-128"/>
                           <a:ea typeface="Meiryo UI" panose="020B0604030504040204" pitchFamily="50" charset="-128"/>
                         </a:rPr>
-                        <a:t>提供者</a:t>
-                      </a:r>
+                        <a:t>運用者が使用</a:t>
+                      </a:r>
+                      <a:endParaRPr lang="en-US" altLang="ja-JP" sz="1000" dirty="0">
+                        <a:latin typeface="Meiryo UI" panose="020B0604030504040204" pitchFamily="50" charset="-128"/>
+                        <a:ea typeface="Meiryo UI" panose="020B0604030504040204" pitchFamily="50" charset="-128"/>
+                      </a:endParaRPr>
+                    </a:p>
+                    <a:p>
+                      <a:pPr marL="0" marR="0" lvl="0" indent="0" algn="l" defTabSz="742950" rtl="0" eaLnBrk="1" fontAlgn="auto" latinLnBrk="0" hangingPunct="1">
+                        <a:lnSpc>
+                          <a:spcPct val="100000"/>
+                        </a:lnSpc>
+                        <a:spcBef>
+                          <a:spcPts val="0"/>
+                        </a:spcBef>
+                        <a:spcAft>
+                          <a:spcPts val="0"/>
+                        </a:spcAft>
+                        <a:buClrTx/>
+                        <a:buSzTx/>
+                        <a:buFontTx/>
+                        <a:buNone/>
+                        <a:tabLst/>
+                        <a:defRPr/>
+                      </a:pPr>
                       <a:r>
                         <a:rPr lang="en-US" altLang="ja-JP" sz="1000" dirty="0">
                           <a:latin typeface="Meiryo UI" panose="020B0604030504040204" pitchFamily="50" charset="-128"/>
                           <a:ea typeface="Meiryo UI" panose="020B0604030504040204" pitchFamily="50" charset="-128"/>
                         </a:rPr>
-                        <a:t>ID</a:t>
-                      </a:r>
+                        <a:t>※</a:t>
+                      </a:r>
+                      <a:r>
+                        <a:rPr lang="ja-JP" altLang="en-US" sz="1000" dirty="0">
+                          <a:latin typeface="Meiryo UI" panose="020B0604030504040204" pitchFamily="50" charset="-128"/>
+                          <a:ea typeface="Meiryo UI" panose="020B0604030504040204" pitchFamily="50" charset="-128"/>
+                        </a:rPr>
+                        <a:t>非公開</a:t>
+                      </a:r>
+                      <a:endParaRPr lang="en-US" altLang="ja-JP" sz="1000" dirty="0">
+                        <a:latin typeface="Meiryo UI" panose="020B0604030504040204" pitchFamily="50" charset="-128"/>
+                        <a:ea typeface="Meiryo UI" panose="020B0604030504040204" pitchFamily="50" charset="-128"/>
+                      </a:endParaRPr>
+                    </a:p>
+                  </a:txBody>
+                  <a:tcPr/>
+                </a:tc>
+                <a:extLst>
+                  <a:ext uri="{0D108BD9-81ED-4DB2-BD59-A6C34878D82A}">
+                    <a16:rowId xmlns:a16="http://schemas.microsoft.com/office/drawing/2014/main" val="1725347587"/>
+                  </a:ext>
+                </a:extLst>
+              </a:tr>
+              <a:tr h="510609">
+                <a:tc>
+                  <a:txBody>
+                    <a:bodyPr/>
+                    <a:lstStyle/>
+                    <a:p>
+                      <a:r>
+                        <a:rPr kumimoji="1" lang="en-US" altLang="ja-JP" sz="1000" dirty="0">
+                          <a:latin typeface="Meiryo UI" panose="020B0604030504040204" pitchFamily="50" charset="-128"/>
+                          <a:ea typeface="Meiryo UI" panose="020B0604030504040204" pitchFamily="50" charset="-128"/>
+                        </a:rPr>
+                        <a:t>4</a:t>
+                      </a:r>
+                      <a:endParaRPr kumimoji="1" lang="ja-JP" altLang="en-US" sz="1000" dirty="0">
+                        <a:latin typeface="Meiryo UI" panose="020B0604030504040204" pitchFamily="50" charset="-128"/>
+                        <a:ea typeface="Meiryo UI" panose="020B0604030504040204" pitchFamily="50" charset="-128"/>
+                      </a:endParaRPr>
+                    </a:p>
+                  </a:txBody>
+                  <a:tcPr/>
+                </a:tc>
+                <a:tc>
+                  <a:txBody>
+                    <a:bodyPr/>
+                    <a:lstStyle/>
+                    <a:p>
+                      <a:pPr marL="0" marR="0" lvl="0" indent="0" algn="l" defTabSz="742950" rtl="0" eaLnBrk="1" fontAlgn="auto" latinLnBrk="0" hangingPunct="1">
+                        <a:lnSpc>
+                          <a:spcPct val="100000"/>
+                        </a:lnSpc>
+                        <a:spcBef>
+                          <a:spcPts val="0"/>
+                        </a:spcBef>
+                        <a:spcAft>
+                          <a:spcPts val="0"/>
+                        </a:spcAft>
+                        <a:buClrTx/>
+                        <a:buSzTx/>
+                        <a:buFontTx/>
+                        <a:buNone/>
+                        <a:tabLst/>
+                        <a:defRPr/>
+                      </a:pPr>
+                      <a:r>
+                        <a:rPr lang="ja-JP" altLang="en-US" sz="1000" dirty="0">
+                          <a:latin typeface="Meiryo UI" panose="020B0604030504040204" pitchFamily="50" charset="-128"/>
+                          <a:ea typeface="Meiryo UI" panose="020B0604030504040204" pitchFamily="50" charset="-128"/>
+                        </a:rPr>
+                        <a:t>ロケーション情報更新</a:t>
+                      </a:r>
+                      <a:endParaRPr lang="en-US" altLang="ja-JP" sz="1000" dirty="0">
+                        <a:latin typeface="Meiryo UI" panose="020B0604030504040204" pitchFamily="50" charset="-128"/>
+                        <a:ea typeface="Meiryo UI" panose="020B0604030504040204" pitchFamily="50" charset="-128"/>
+                      </a:endParaRPr>
                     </a:p>
                     <a:p>
                       <a:pPr marL="0" marR="0" lvl="0" indent="0" algn="l" defTabSz="742950" rtl="0" eaLnBrk="1" fontAlgn="auto" latinLnBrk="0" hangingPunct="1">
@@ -8355,18 +8338,11 @@
                         <a:defRPr/>
                       </a:pPr>
                       <a:r>
-                        <a:rPr lang="en-US" altLang="ja-JP" sz="1000" dirty="0">
-                          <a:latin typeface="Meiryo UI" panose="020B0604030504040204" pitchFamily="50" charset="-128"/>
-                          <a:ea typeface="Meiryo UI" panose="020B0604030504040204" pitchFamily="50" charset="-128"/>
-                        </a:rPr>
-                        <a:t>CADDE</a:t>
-                      </a:r>
-                      <a:r>
-                        <a:rPr lang="ja-JP" altLang="en-US" sz="1000" dirty="0">
-                          <a:latin typeface="Meiryo UI" panose="020B0604030504040204" pitchFamily="50" charset="-128"/>
-                          <a:ea typeface="Meiryo UI" panose="020B0604030504040204" pitchFamily="50" charset="-128"/>
-                        </a:rPr>
-                        <a:t>運用者</a:t>
+                        <a:rPr lang="fr-FR" altLang="ja-JP" sz="1000" dirty="0">
+                          <a:latin typeface="Meiryo UI" panose="020B0604030504040204" pitchFamily="50" charset="-128"/>
+                          <a:ea typeface="Meiryo UI" panose="020B0604030504040204" pitchFamily="50" charset="-128"/>
+                        </a:rPr>
+                        <a:t>/api/v4/location/{location_id}</a:t>
                       </a:r>
                       <a:endParaRPr lang="en-US" altLang="ja-JP" sz="1000" dirty="0">
                         <a:latin typeface="Meiryo UI" panose="020B0604030504040204" pitchFamily="50" charset="-128"/>
@@ -8399,103 +8375,12 @@
                         <a:defRPr/>
                       </a:pPr>
                       <a:r>
-                        <a:rPr lang="ja-JP" altLang="en-US" sz="1000" dirty="0">
-                          <a:latin typeface="Meiryo UI" panose="020B0604030504040204" pitchFamily="50" charset="-128"/>
-                          <a:ea typeface="Meiryo UI" panose="020B0604030504040204" pitchFamily="50" charset="-128"/>
-                        </a:rPr>
-                        <a:t>提供者情報削除時</a:t>
-                      </a:r>
-                      <a:endParaRPr lang="en-US" altLang="ja-JP" sz="1000" dirty="0">
-                        <a:latin typeface="Meiryo UI" panose="020B0604030504040204" pitchFamily="50" charset="-128"/>
-                        <a:ea typeface="Meiryo UI" panose="020B0604030504040204" pitchFamily="50" charset="-128"/>
-                      </a:endParaRPr>
-                    </a:p>
-                    <a:p>
-                      <a:pPr marL="0" marR="0" lvl="0" indent="0" algn="l" defTabSz="742950" rtl="0" eaLnBrk="1" fontAlgn="auto" latinLnBrk="0" hangingPunct="1">
-                        <a:lnSpc>
-                          <a:spcPct val="100000"/>
-                        </a:lnSpc>
-                        <a:spcBef>
-                          <a:spcPts val="0"/>
-                        </a:spcBef>
-                        <a:spcAft>
-                          <a:spcPts val="0"/>
-                        </a:spcAft>
-                        <a:buClrTx/>
-                        <a:buSzTx/>
-                        <a:buFontTx/>
-                        <a:buNone/>
-                        <a:tabLst/>
-                        <a:defRPr/>
-                      </a:pPr>
-                      <a:r>
                         <a:rPr lang="en-US" altLang="ja-JP" sz="1000" dirty="0">
                           <a:latin typeface="Meiryo UI" panose="020B0604030504040204" pitchFamily="50" charset="-128"/>
                           <a:ea typeface="Meiryo UI" panose="020B0604030504040204" pitchFamily="50" charset="-128"/>
                         </a:rPr>
-                        <a:t>※CADDE</a:t>
-                      </a:r>
-                      <a:r>
-                        <a:rPr lang="ja-JP" altLang="en-US" sz="1000" dirty="0">
-                          <a:latin typeface="Meiryo UI" panose="020B0604030504040204" pitchFamily="50" charset="-128"/>
-                          <a:ea typeface="Meiryo UI" panose="020B0604030504040204" pitchFamily="50" charset="-128"/>
-                        </a:rPr>
-                        <a:t>運用者が使用</a:t>
-                      </a:r>
-                      <a:endParaRPr lang="en-US" altLang="ja-JP" sz="1000" dirty="0">
-                        <a:latin typeface="Meiryo UI" panose="020B0604030504040204" pitchFamily="50" charset="-128"/>
-                        <a:ea typeface="Meiryo UI" panose="020B0604030504040204" pitchFamily="50" charset="-128"/>
-                      </a:endParaRPr>
-                    </a:p>
-                    <a:p>
-                      <a:pPr marL="0" marR="0" lvl="0" indent="0" algn="l" defTabSz="742950" rtl="0" eaLnBrk="1" fontAlgn="auto" latinLnBrk="0" hangingPunct="1">
-                        <a:lnSpc>
-                          <a:spcPct val="100000"/>
-                        </a:lnSpc>
-                        <a:spcBef>
-                          <a:spcPts val="0"/>
-                        </a:spcBef>
-                        <a:spcAft>
-                          <a:spcPts val="0"/>
-                        </a:spcAft>
-                        <a:buClrTx/>
-                        <a:buSzTx/>
-                        <a:buFontTx/>
-                        <a:buNone/>
-                        <a:tabLst/>
-                        <a:defRPr/>
-                      </a:pPr>
-                      <a:endParaRPr lang="en-US" altLang="ja-JP" sz="1000" dirty="0">
-                        <a:latin typeface="Meiryo UI" panose="020B0604030504040204" pitchFamily="50" charset="-128"/>
-                        <a:ea typeface="Meiryo UI" panose="020B0604030504040204" pitchFamily="50" charset="-128"/>
-                      </a:endParaRPr>
-                    </a:p>
-                  </a:txBody>
-                  <a:tcPr/>
-                </a:tc>
-                <a:extLst>
-                  <a:ext uri="{0D108BD9-81ED-4DB2-BD59-A6C34878D82A}">
-                    <a16:rowId xmlns:a16="http://schemas.microsoft.com/office/drawing/2014/main" val="1725347587"/>
-                  </a:ext>
-                </a:extLst>
-              </a:tr>
-              <a:tr h="510609">
-                <a:tc>
-                  <a:txBody>
-                    <a:bodyPr/>
-                    <a:lstStyle/>
-                    <a:p>
-                      <a:r>
-                        <a:rPr kumimoji="1" lang="en-US" altLang="ja-JP" sz="1000" dirty="0">
-                          <a:latin typeface="Meiryo UI" panose="020B0604030504040204" pitchFamily="50" charset="-128"/>
-                          <a:ea typeface="Meiryo UI" panose="020B0604030504040204" pitchFamily="50" charset="-128"/>
-                        </a:rPr>
-                        <a:t>4</a:t>
-                      </a:r>
-                      <a:endParaRPr kumimoji="1" lang="ja-JP" altLang="en-US" sz="1000" dirty="0">
-                        <a:latin typeface="Meiryo UI" panose="020B0604030504040204" pitchFamily="50" charset="-128"/>
-                        <a:ea typeface="Meiryo UI" panose="020B0604030504040204" pitchFamily="50" charset="-128"/>
-                      </a:endParaRPr>
+                        <a:t>PATCH</a:t>
+                      </a:r>
                     </a:p>
                   </a:txBody>
                   <a:tcPr/>
@@ -8523,16 +8408,12 @@
                         <a:defRPr/>
                       </a:pPr>
                       <a:r>
-                        <a:rPr lang="ja-JP" altLang="en-US" sz="1000" dirty="0">
-                          <a:latin typeface="Meiryo UI" panose="020B0604030504040204" pitchFamily="50" charset="-128"/>
-                          <a:ea typeface="Meiryo UI" panose="020B0604030504040204" pitchFamily="50" charset="-128"/>
-                        </a:rPr>
-                        <a:t>ロケーション情報更新</a:t>
-                      </a:r>
-                      <a:endParaRPr lang="en-US" altLang="ja-JP" sz="1000" dirty="0">
-                        <a:latin typeface="Meiryo UI" panose="020B0604030504040204" pitchFamily="50" charset="-128"/>
-                        <a:ea typeface="Meiryo UI" panose="020B0604030504040204" pitchFamily="50" charset="-128"/>
-                      </a:endParaRPr>
+                        <a:rPr lang="en-US" altLang="ja-JP" sz="1000" dirty="0">
+                          <a:latin typeface="Meiryo UI" panose="020B0604030504040204" pitchFamily="50" charset="-128"/>
+                          <a:ea typeface="Meiryo UI" panose="020B0604030504040204" pitchFamily="50" charset="-128"/>
+                        </a:rPr>
+                        <a:t>Request Body</a:t>
+                      </a:r>
                     </a:p>
                     <a:p>
                       <a:pPr marL="0" marR="0" lvl="0" indent="0" algn="l" defTabSz="742950" rtl="0" eaLnBrk="1" fontAlgn="auto" latinLnBrk="0" hangingPunct="1">
@@ -8557,21 +8438,61 @@
                           <a:latin typeface="Meiryo UI" panose="020B0604030504040204" pitchFamily="50" charset="-128"/>
                           <a:ea typeface="Meiryo UI" panose="020B0604030504040204" pitchFamily="50" charset="-128"/>
                         </a:rPr>
-                        <a:t>(LDAP</a:t>
+                        <a:t> - </a:t>
                       </a:r>
                       <a:r>
                         <a:rPr lang="ja-JP" altLang="en-US" sz="1000" dirty="0">
                           <a:latin typeface="Meiryo UI" panose="020B0604030504040204" pitchFamily="50" charset="-128"/>
                           <a:ea typeface="Meiryo UI" panose="020B0604030504040204" pitchFamily="50" charset="-128"/>
                         </a:rPr>
-                        <a:t>エントリーの更新</a:t>
+                        <a:t>提供者</a:t>
                       </a:r>
                       <a:r>
                         <a:rPr lang="en-US" altLang="ja-JP" sz="1000" dirty="0">
                           <a:latin typeface="Meiryo UI" panose="020B0604030504040204" pitchFamily="50" charset="-128"/>
                           <a:ea typeface="Meiryo UI" panose="020B0604030504040204" pitchFamily="50" charset="-128"/>
                         </a:rPr>
-                        <a:t>)</a:t>
+                        <a:t>ID</a:t>
+                      </a:r>
+                    </a:p>
+                    <a:p>
+                      <a:pPr marL="0" marR="0" lvl="0" indent="0" algn="l" defTabSz="742950" rtl="0" eaLnBrk="1" fontAlgn="auto" latinLnBrk="0" hangingPunct="1">
+                        <a:lnSpc>
+                          <a:spcPct val="100000"/>
+                        </a:lnSpc>
+                        <a:spcBef>
+                          <a:spcPts val="0"/>
+                        </a:spcBef>
+                        <a:spcAft>
+                          <a:spcPts val="0"/>
+                        </a:spcAft>
+                        <a:buClrTx/>
+                        <a:buSzTx/>
+                        <a:buFontTx/>
+                        <a:buNone/>
+                        <a:tabLst/>
+                        <a:defRPr/>
+                      </a:pPr>
+                      <a:r>
+                        <a:rPr lang="en-US" altLang="ja-JP" sz="1000" dirty="0">
+                          <a:latin typeface="Meiryo UI" panose="020B0604030504040204" pitchFamily="50" charset="-128"/>
+                          <a:ea typeface="Meiryo UI" panose="020B0604030504040204" pitchFamily="50" charset="-128"/>
+                        </a:rPr>
+                        <a:t> - </a:t>
+                      </a:r>
+                      <a:r>
+                        <a:rPr lang="ja-JP" altLang="en-US" sz="1000" dirty="0">
+                          <a:latin typeface="Meiryo UI" panose="020B0604030504040204" pitchFamily="50" charset="-128"/>
+                          <a:ea typeface="Meiryo UI" panose="020B0604030504040204" pitchFamily="50" charset="-128"/>
+                        </a:rPr>
+                        <a:t>提供者コネクタ</a:t>
+                      </a:r>
+                      <a:r>
+                        <a:rPr lang="en-US" altLang="ja-JP" sz="1000" dirty="0">
+                          <a:latin typeface="Meiryo UI" panose="020B0604030504040204" pitchFamily="50" charset="-128"/>
+                          <a:ea typeface="Meiryo UI" panose="020B0604030504040204" pitchFamily="50" charset="-128"/>
+                        </a:rPr>
+                        <a:t>URL</a:t>
                       </a:r>
                     </a:p>
                     <a:p>
@@ -8623,11 +8544,18 @@
                         <a:defRPr/>
                       </a:pPr>
                       <a:r>
-                        <a:rPr lang="fr-FR" altLang="ja-JP" sz="1000" dirty="0">
-                          <a:latin typeface="Meiryo UI" panose="020B0604030504040204" pitchFamily="50" charset="-128"/>
-                          <a:ea typeface="Meiryo UI" panose="020B0604030504040204" pitchFamily="50" charset="-128"/>
-                        </a:rPr>
-                        <a:t>/api/v4/location/{location_id}</a:t>
+                        <a:rPr lang="en-US" altLang="ja-JP" sz="1000" dirty="0">
+                          <a:latin typeface="Meiryo UI" panose="020B0604030504040204" pitchFamily="50" charset="-128"/>
+                          <a:ea typeface="Meiryo UI" panose="020B0604030504040204" pitchFamily="50" charset="-128"/>
+                        </a:rPr>
+                        <a:t>CADDE</a:t>
+                      </a:r>
+                      <a:r>
+                        <a:rPr lang="ja-JP" altLang="en-US" sz="1000" dirty="0">
+                          <a:latin typeface="Meiryo UI" panose="020B0604030504040204" pitchFamily="50" charset="-128"/>
+                          <a:ea typeface="Meiryo UI" panose="020B0604030504040204" pitchFamily="50" charset="-128"/>
+                        </a:rPr>
+                        <a:t>運用者</a:t>
                       </a:r>
                       <a:endParaRPr lang="en-US" altLang="ja-JP" sz="1000" dirty="0">
                         <a:latin typeface="Meiryo UI" panose="020B0604030504040204" pitchFamily="50" charset="-128"/>
@@ -8660,12 +8588,131 @@
                         <a:defRPr/>
                       </a:pPr>
                       <a:r>
+                        <a:rPr lang="ja-JP" altLang="en-US" sz="1000" dirty="0">
+                          <a:latin typeface="Meiryo UI" panose="020B0604030504040204" pitchFamily="50" charset="-128"/>
+                          <a:ea typeface="Meiryo UI" panose="020B0604030504040204" pitchFamily="50" charset="-128"/>
+                        </a:rPr>
+                        <a:t>提供者コネクタ</a:t>
+                      </a:r>
+                      <a:r>
                         <a:rPr lang="en-US" altLang="ja-JP" sz="1000" dirty="0">
                           <a:latin typeface="Meiryo UI" panose="020B0604030504040204" pitchFamily="50" charset="-128"/>
                           <a:ea typeface="Meiryo UI" panose="020B0604030504040204" pitchFamily="50" charset="-128"/>
                         </a:rPr>
-                        <a:t>PATCH</a:t>
-                      </a:r>
+                        <a:t>URL</a:t>
+                      </a:r>
+                      <a:r>
+                        <a:rPr lang="ja-JP" altLang="en-US" sz="1000" dirty="0">
+                          <a:latin typeface="Meiryo UI" panose="020B0604030504040204" pitchFamily="50" charset="-128"/>
+                          <a:ea typeface="Meiryo UI" panose="020B0604030504040204" pitchFamily="50" charset="-128"/>
+                        </a:rPr>
+                        <a:t>更新時</a:t>
+                      </a:r>
+                      <a:endParaRPr lang="en-US" altLang="ja-JP" sz="1000" dirty="0">
+                        <a:latin typeface="Meiryo UI" panose="020B0604030504040204" pitchFamily="50" charset="-128"/>
+                        <a:ea typeface="Meiryo UI" panose="020B0604030504040204" pitchFamily="50" charset="-128"/>
+                      </a:endParaRPr>
+                    </a:p>
+                    <a:p>
+                      <a:pPr marL="0" marR="0" lvl="0" indent="0" algn="l" defTabSz="742950" rtl="0" eaLnBrk="1" fontAlgn="auto" latinLnBrk="0" hangingPunct="1">
+                        <a:lnSpc>
+                          <a:spcPct val="100000"/>
+                        </a:lnSpc>
+                        <a:spcBef>
+                          <a:spcPts val="0"/>
+                        </a:spcBef>
+                        <a:spcAft>
+                          <a:spcPts val="0"/>
+                        </a:spcAft>
+                        <a:buClrTx/>
+                        <a:buSzTx/>
+                        <a:buFontTx/>
+                        <a:buNone/>
+                        <a:tabLst/>
+                        <a:defRPr/>
+                      </a:pPr>
+                      <a:r>
+                        <a:rPr lang="en-US" altLang="ja-JP" sz="1000" dirty="0">
+                          <a:latin typeface="Meiryo UI" panose="020B0604030504040204" pitchFamily="50" charset="-128"/>
+                          <a:ea typeface="Meiryo UI" panose="020B0604030504040204" pitchFamily="50" charset="-128"/>
+                        </a:rPr>
+                        <a:t>※CADDE</a:t>
+                      </a:r>
+                      <a:r>
+                        <a:rPr lang="ja-JP" altLang="en-US" sz="1000" dirty="0">
+                          <a:latin typeface="Meiryo UI" panose="020B0604030504040204" pitchFamily="50" charset="-128"/>
+                          <a:ea typeface="Meiryo UI" panose="020B0604030504040204" pitchFamily="50" charset="-128"/>
+                        </a:rPr>
+                        <a:t>運用者が使用</a:t>
+                      </a:r>
+                      <a:endParaRPr lang="en-US" altLang="ja-JP" sz="1000" dirty="0">
+                        <a:latin typeface="Meiryo UI" panose="020B0604030504040204" pitchFamily="50" charset="-128"/>
+                        <a:ea typeface="Meiryo UI" panose="020B0604030504040204" pitchFamily="50" charset="-128"/>
+                      </a:endParaRPr>
+                    </a:p>
+                    <a:p>
+                      <a:pPr marL="0" marR="0" lvl="0" indent="0" algn="l" defTabSz="742950" rtl="0" eaLnBrk="1" fontAlgn="auto" latinLnBrk="0" hangingPunct="1">
+                        <a:lnSpc>
+                          <a:spcPct val="100000"/>
+                        </a:lnSpc>
+                        <a:spcBef>
+                          <a:spcPts val="0"/>
+                        </a:spcBef>
+                        <a:spcAft>
+                          <a:spcPts val="0"/>
+                        </a:spcAft>
+                        <a:buClrTx/>
+                        <a:buSzTx/>
+                        <a:buFontTx/>
+                        <a:buNone/>
+                        <a:tabLst/>
+                        <a:defRPr/>
+                      </a:pPr>
+                      <a:r>
+                        <a:rPr lang="en-US" altLang="ja-JP" sz="1000" dirty="0">
+                          <a:latin typeface="Meiryo UI" panose="020B0604030504040204" pitchFamily="50" charset="-128"/>
+                          <a:ea typeface="Meiryo UI" panose="020B0604030504040204" pitchFamily="50" charset="-128"/>
+                        </a:rPr>
+                        <a:t>※</a:t>
+                      </a:r>
+                      <a:r>
+                        <a:rPr lang="ja-JP" altLang="en-US" sz="1000" dirty="0">
+                          <a:latin typeface="Meiryo UI" panose="020B0604030504040204" pitchFamily="50" charset="-128"/>
+                          <a:ea typeface="Meiryo UI" panose="020B0604030504040204" pitchFamily="50" charset="-128"/>
+                        </a:rPr>
+                        <a:t>非公開</a:t>
+                      </a:r>
+                      <a:endParaRPr lang="en-US" altLang="ja-JP" sz="1000" dirty="0">
+                        <a:latin typeface="Meiryo UI" panose="020B0604030504040204" pitchFamily="50" charset="-128"/>
+                        <a:ea typeface="Meiryo UI" panose="020B0604030504040204" pitchFamily="50" charset="-128"/>
+                      </a:endParaRPr>
+                    </a:p>
+                  </a:txBody>
+                  <a:tcPr/>
+                </a:tc>
+                <a:extLst>
+                  <a:ext uri="{0D108BD9-81ED-4DB2-BD59-A6C34878D82A}">
+                    <a16:rowId xmlns:a16="http://schemas.microsoft.com/office/drawing/2014/main" val="2338603958"/>
+                  </a:ext>
+                </a:extLst>
+              </a:tr>
+              <a:tr h="510609">
+                <a:tc>
+                  <a:txBody>
+                    <a:bodyPr/>
+                    <a:lstStyle/>
+                    <a:p>
+                      <a:r>
+                        <a:rPr kumimoji="1" lang="en-US" altLang="ja-JP" sz="1000" dirty="0">
+                          <a:latin typeface="Meiryo UI" panose="020B0604030504040204" pitchFamily="50" charset="-128"/>
+                          <a:ea typeface="Meiryo UI" panose="020B0604030504040204" pitchFamily="50" charset="-128"/>
+                        </a:rPr>
+                        <a:t>5</a:t>
+                      </a:r>
+                      <a:endParaRPr kumimoji="1" lang="ja-JP" altLang="en-US" sz="1000" dirty="0">
+                        <a:latin typeface="Meiryo UI" panose="020B0604030504040204" pitchFamily="50" charset="-128"/>
+                        <a:ea typeface="Meiryo UI" panose="020B0604030504040204" pitchFamily="50" charset="-128"/>
+                      </a:endParaRPr>
                     </a:p>
                   </a:txBody>
                   <a:tcPr/>
@@ -8693,13 +8740,24 @@
                         <a:defRPr/>
                       </a:pPr>
                       <a:r>
-                        <a:rPr lang="en-US" altLang="ja-JP" sz="1000" dirty="0">
-                          <a:latin typeface="Meiryo UI" panose="020B0604030504040204" pitchFamily="50" charset="-128"/>
-                          <a:ea typeface="Meiryo UI" panose="020B0604030504040204" pitchFamily="50" charset="-128"/>
-                        </a:rPr>
-                        <a:t>Request Body</a:t>
-                      </a:r>
+                        <a:rPr lang="ja-JP" altLang="en-US" sz="1000" dirty="0">
+                          <a:latin typeface="Meiryo UI" panose="020B0604030504040204" pitchFamily="50" charset="-128"/>
+                          <a:ea typeface="Meiryo UI" panose="020B0604030504040204" pitchFamily="50" charset="-128"/>
+                        </a:rPr>
+                        <a:t>全ロケーション情報取得</a:t>
+                      </a:r>
+                      <a:endParaRPr lang="en-US" altLang="ja-JP" sz="1000" dirty="0">
+                        <a:latin typeface="Meiryo UI" panose="020B0604030504040204" pitchFamily="50" charset="-128"/>
+                        <a:ea typeface="Meiryo UI" panose="020B0604030504040204" pitchFamily="50" charset="-128"/>
+                      </a:endParaRPr>
                     </a:p>
+                  </a:txBody>
+                  <a:tcPr/>
+                </a:tc>
+                <a:tc>
+                  <a:txBody>
+                    <a:bodyPr/>
+                    <a:lstStyle/>
                     <a:p>
                       <a:pPr marL="0" marR="0" lvl="0" indent="0" algn="l" defTabSz="742950" rtl="0" eaLnBrk="1" fontAlgn="auto" latinLnBrk="0" hangingPunct="1">
                         <a:lnSpc>
@@ -8723,23 +8781,30 @@
                           <a:latin typeface="Meiryo UI" panose="020B0604030504040204" pitchFamily="50" charset="-128"/>
                           <a:ea typeface="Meiryo UI" panose="020B0604030504040204" pitchFamily="50" charset="-128"/>
                         </a:rPr>
-                        <a:t> - </a:t>
-                      </a:r>
-                      <a:r>
-                        <a:rPr lang="ja-JP" altLang="en-US" sz="1000" dirty="0">
-                          <a:latin typeface="Meiryo UI" panose="020B0604030504040204" pitchFamily="50" charset="-128"/>
-                          <a:ea typeface="Meiryo UI" panose="020B0604030504040204" pitchFamily="50" charset="-128"/>
-                        </a:rPr>
-                        <a:t>提供者</a:t>
+                        <a:t>/cadde/</a:t>
+                      </a:r>
+                      <a:r>
+                        <a:rPr lang="en-US" altLang="ja-JP" sz="1000" dirty="0" err="1">
+                          <a:latin typeface="Meiryo UI" panose="020B0604030504040204" pitchFamily="50" charset="-128"/>
+                          <a:ea typeface="Meiryo UI" panose="020B0604030504040204" pitchFamily="50" charset="-128"/>
+                        </a:rPr>
+                        <a:t>api</a:t>
                       </a:r>
                       <a:r>
                         <a:rPr lang="en-US" altLang="ja-JP" sz="1000" dirty="0">
                           <a:latin typeface="Meiryo UI" panose="020B0604030504040204" pitchFamily="50" charset="-128"/>
                           <a:ea typeface="Meiryo UI" panose="020B0604030504040204" pitchFamily="50" charset="-128"/>
                         </a:rPr>
-                        <a:t>ID</a:t>
+                        <a:t>/v4/locations</a:t>
                       </a:r>
                     </a:p>
+                  </a:txBody>
+                  <a:tcPr/>
+                </a:tc>
+                <a:tc>
+                  <a:txBody>
+                    <a:bodyPr/>
+                    <a:lstStyle/>
                     <a:p>
                       <a:pPr marL="0" marR="0" lvl="0" indent="0" algn="l" defTabSz="742950" rtl="0" eaLnBrk="1" fontAlgn="auto" latinLnBrk="0" hangingPunct="1">
                         <a:lnSpc>
@@ -8763,21 +8828,7 @@
                           <a:latin typeface="Meiryo UI" panose="020B0604030504040204" pitchFamily="50" charset="-128"/>
                           <a:ea typeface="Meiryo UI" panose="020B0604030504040204" pitchFamily="50" charset="-128"/>
                         </a:rPr>
-                        <a:t> - </a:t>
-                      </a:r>
-                      <a:r>
-                        <a:rPr lang="ja-JP" altLang="en-US" sz="1000" dirty="0">
-                          <a:latin typeface="Meiryo UI" panose="020B0604030504040204" pitchFamily="50" charset="-128"/>
-                          <a:ea typeface="Meiryo UI" panose="020B0604030504040204" pitchFamily="50" charset="-128"/>
-                        </a:rPr>
-                        <a:t>提供者コネクタ</a:t>
-                      </a:r>
-                      <a:r>
-                        <a:rPr lang="en-US" altLang="ja-JP" sz="1000" dirty="0">
-                          <a:latin typeface="Meiryo UI" panose="020B0604030504040204" pitchFamily="50" charset="-128"/>
-                          <a:ea typeface="Meiryo UI" panose="020B0604030504040204" pitchFamily="50" charset="-128"/>
-                        </a:rPr>
-                        <a:t>URL</a:t>
+                        <a:t>GET</a:t>
                       </a:r>
                     </a:p>
                     <a:p>
@@ -8833,19 +8884,8 @@
                           <a:latin typeface="Meiryo UI" panose="020B0604030504040204" pitchFamily="50" charset="-128"/>
                           <a:ea typeface="Meiryo UI" panose="020B0604030504040204" pitchFamily="50" charset="-128"/>
                         </a:rPr>
-                        <a:t>CADDE</a:t>
-                      </a:r>
-                      <a:r>
-                        <a:rPr lang="ja-JP" altLang="en-US" sz="1000" dirty="0">
-                          <a:latin typeface="Meiryo UI" panose="020B0604030504040204" pitchFamily="50" charset="-128"/>
-                          <a:ea typeface="Meiryo UI" panose="020B0604030504040204" pitchFamily="50" charset="-128"/>
-                        </a:rPr>
-                        <a:t>運用者</a:t>
-                      </a:r>
-                      <a:endParaRPr lang="en-US" altLang="ja-JP" sz="1000" dirty="0">
-                        <a:latin typeface="Meiryo UI" panose="020B0604030504040204" pitchFamily="50" charset="-128"/>
-                        <a:ea typeface="Meiryo UI" panose="020B0604030504040204" pitchFamily="50" charset="-128"/>
-                      </a:endParaRPr>
+                        <a:t>-</a:t>
+                      </a:r>
                     </a:p>
                   </a:txBody>
                   <a:tcPr/>
@@ -8873,234 +8913,23 @@
                         <a:defRPr/>
                       </a:pPr>
                       <a:r>
+                        <a:rPr lang="en-US" altLang="ja-JP" sz="1000" dirty="0">
+                          <a:latin typeface="Meiryo UI" panose="020B0604030504040204" pitchFamily="50" charset="-128"/>
+                          <a:ea typeface="Meiryo UI" panose="020B0604030504040204" pitchFamily="50" charset="-128"/>
+                        </a:rPr>
+                        <a:t>CADDE</a:t>
+                      </a:r>
+                      <a:r>
                         <a:rPr lang="ja-JP" altLang="en-US" sz="1000" dirty="0">
                           <a:latin typeface="Meiryo UI" panose="020B0604030504040204" pitchFamily="50" charset="-128"/>
                           <a:ea typeface="Meiryo UI" panose="020B0604030504040204" pitchFamily="50" charset="-128"/>
                         </a:rPr>
-                        <a:t>提供者コネクタ</a:t>
-                      </a:r>
-                      <a:r>
-                        <a:rPr lang="en-US" altLang="ja-JP" sz="1000" dirty="0">
-                          <a:latin typeface="Meiryo UI" panose="020B0604030504040204" pitchFamily="50" charset="-128"/>
-                          <a:ea typeface="Meiryo UI" panose="020B0604030504040204" pitchFamily="50" charset="-128"/>
-                        </a:rPr>
-                        <a:t>URL</a:t>
-                      </a:r>
-                      <a:r>
-                        <a:rPr lang="ja-JP" altLang="en-US" sz="1000" dirty="0">
-                          <a:latin typeface="Meiryo UI" panose="020B0604030504040204" pitchFamily="50" charset="-128"/>
-                          <a:ea typeface="Meiryo UI" panose="020B0604030504040204" pitchFamily="50" charset="-128"/>
-                        </a:rPr>
-                        <a:t>更新時</a:t>
+                        <a:t>運用者</a:t>
                       </a:r>
                       <a:endParaRPr lang="en-US" altLang="ja-JP" sz="1000" dirty="0">
                         <a:latin typeface="Meiryo UI" panose="020B0604030504040204" pitchFamily="50" charset="-128"/>
                         <a:ea typeface="Meiryo UI" panose="020B0604030504040204" pitchFamily="50" charset="-128"/>
                       </a:endParaRPr>
-                    </a:p>
-                    <a:p>
-                      <a:pPr marL="0" marR="0" lvl="0" indent="0" algn="l" defTabSz="742950" rtl="0" eaLnBrk="1" fontAlgn="auto" latinLnBrk="0" hangingPunct="1">
-                        <a:lnSpc>
-                          <a:spcPct val="100000"/>
-                        </a:lnSpc>
-                        <a:spcBef>
-                          <a:spcPts val="0"/>
-                        </a:spcBef>
-                        <a:spcAft>
-                          <a:spcPts val="0"/>
-                        </a:spcAft>
-                        <a:buClrTx/>
-                        <a:buSzTx/>
-                        <a:buFontTx/>
-                        <a:buNone/>
-                        <a:tabLst/>
-                        <a:defRPr/>
-                      </a:pPr>
-                      <a:r>
-                        <a:rPr lang="en-US" altLang="ja-JP" sz="1000" dirty="0">
-                          <a:latin typeface="Meiryo UI" panose="020B0604030504040204" pitchFamily="50" charset="-128"/>
-                          <a:ea typeface="Meiryo UI" panose="020B0604030504040204" pitchFamily="50" charset="-128"/>
-                        </a:rPr>
-                        <a:t>※CADDE</a:t>
-                      </a:r>
-                      <a:r>
-                        <a:rPr lang="ja-JP" altLang="en-US" sz="1000" dirty="0">
-                          <a:latin typeface="Meiryo UI" panose="020B0604030504040204" pitchFamily="50" charset="-128"/>
-                          <a:ea typeface="Meiryo UI" panose="020B0604030504040204" pitchFamily="50" charset="-128"/>
-                        </a:rPr>
-                        <a:t>運用者が使用</a:t>
-                      </a:r>
-                      <a:endParaRPr lang="en-US" altLang="ja-JP" sz="1000" dirty="0">
-                        <a:latin typeface="Meiryo UI" panose="020B0604030504040204" pitchFamily="50" charset="-128"/>
-                        <a:ea typeface="Meiryo UI" panose="020B0604030504040204" pitchFamily="50" charset="-128"/>
-                      </a:endParaRPr>
-                    </a:p>
-                    <a:p>
-                      <a:pPr marL="0" marR="0" lvl="0" indent="0" algn="l" defTabSz="742950" rtl="0" eaLnBrk="1" fontAlgn="auto" latinLnBrk="0" hangingPunct="1">
-                        <a:lnSpc>
-                          <a:spcPct val="100000"/>
-                        </a:lnSpc>
-                        <a:spcBef>
-                          <a:spcPts val="0"/>
-                        </a:spcBef>
-                        <a:spcAft>
-                          <a:spcPts val="0"/>
-                        </a:spcAft>
-                        <a:buClrTx/>
-                        <a:buSzTx/>
-                        <a:buFontTx/>
-                        <a:buNone/>
-                        <a:tabLst/>
-                        <a:defRPr/>
-                      </a:pPr>
-                      <a:endParaRPr lang="en-US" altLang="ja-JP" sz="1000" dirty="0">
-                        <a:latin typeface="Meiryo UI" panose="020B0604030504040204" pitchFamily="50" charset="-128"/>
-                        <a:ea typeface="Meiryo UI" panose="020B0604030504040204" pitchFamily="50" charset="-128"/>
-                      </a:endParaRPr>
-                    </a:p>
-                  </a:txBody>
-                  <a:tcPr/>
-                </a:tc>
-                <a:extLst>
-                  <a:ext uri="{0D108BD9-81ED-4DB2-BD59-A6C34878D82A}">
-                    <a16:rowId xmlns:a16="http://schemas.microsoft.com/office/drawing/2014/main" val="2338603958"/>
-                  </a:ext>
-                </a:extLst>
-              </a:tr>
-              <a:tr h="510609">
-                <a:tc>
-                  <a:txBody>
-                    <a:bodyPr/>
-                    <a:lstStyle/>
-                    <a:p>
-                      <a:r>
-                        <a:rPr kumimoji="1" lang="en-US" altLang="ja-JP" sz="1000" dirty="0">
-                          <a:latin typeface="Meiryo UI" panose="020B0604030504040204" pitchFamily="50" charset="-128"/>
-                          <a:ea typeface="Meiryo UI" panose="020B0604030504040204" pitchFamily="50" charset="-128"/>
-                        </a:rPr>
-                        <a:t>5</a:t>
-                      </a:r>
-                      <a:endParaRPr kumimoji="1" lang="ja-JP" altLang="en-US" sz="1000" dirty="0">
-                        <a:latin typeface="Meiryo UI" panose="020B0604030504040204" pitchFamily="50" charset="-128"/>
-                        <a:ea typeface="Meiryo UI" panose="020B0604030504040204" pitchFamily="50" charset="-128"/>
-                      </a:endParaRPr>
-                    </a:p>
-                  </a:txBody>
-                  <a:tcPr/>
-                </a:tc>
-                <a:tc>
-                  <a:txBody>
-                    <a:bodyPr/>
-                    <a:lstStyle/>
-                    <a:p>
-                      <a:pPr marL="0" marR="0" lvl="0" indent="0" algn="l" defTabSz="742950" rtl="0" eaLnBrk="1" fontAlgn="auto" latinLnBrk="0" hangingPunct="1">
-                        <a:lnSpc>
-                          <a:spcPct val="100000"/>
-                        </a:lnSpc>
-                        <a:spcBef>
-                          <a:spcPts val="0"/>
-                        </a:spcBef>
-                        <a:spcAft>
-                          <a:spcPts val="0"/>
-                        </a:spcAft>
-                        <a:buClrTx/>
-                        <a:buSzTx/>
-                        <a:buFontTx/>
-                        <a:buNone/>
-                        <a:tabLst/>
-                        <a:defRPr/>
-                      </a:pPr>
-                      <a:r>
-                        <a:rPr lang="ja-JP" altLang="en-US" sz="1000" dirty="0">
-                          <a:latin typeface="Meiryo UI" panose="020B0604030504040204" pitchFamily="50" charset="-128"/>
-                          <a:ea typeface="Meiryo UI" panose="020B0604030504040204" pitchFamily="50" charset="-128"/>
-                        </a:rPr>
-                        <a:t>全ロケーション情報取得</a:t>
-                      </a:r>
-                      <a:endParaRPr lang="en-US" altLang="ja-JP" sz="1000" dirty="0">
-                        <a:latin typeface="Meiryo UI" panose="020B0604030504040204" pitchFamily="50" charset="-128"/>
-                        <a:ea typeface="Meiryo UI" panose="020B0604030504040204" pitchFamily="50" charset="-128"/>
-                      </a:endParaRPr>
-                    </a:p>
-                  </a:txBody>
-                  <a:tcPr/>
-                </a:tc>
-                <a:tc>
-                  <a:txBody>
-                    <a:bodyPr/>
-                    <a:lstStyle/>
-                    <a:p>
-                      <a:pPr marL="0" marR="0" lvl="0" indent="0" algn="l" defTabSz="742950" rtl="0" eaLnBrk="1" fontAlgn="auto" latinLnBrk="0" hangingPunct="1">
-                        <a:lnSpc>
-                          <a:spcPct val="100000"/>
-                        </a:lnSpc>
-                        <a:spcBef>
-                          <a:spcPts val="0"/>
-                        </a:spcBef>
-                        <a:spcAft>
-                          <a:spcPts val="0"/>
-                        </a:spcAft>
-                        <a:buClrTx/>
-                        <a:buSzTx/>
-                        <a:buFontTx/>
-                        <a:buNone/>
-                        <a:tabLst/>
-                        <a:defRPr/>
-                      </a:pPr>
-                      <a:r>
-                        <a:rPr lang="en-US" altLang="ja-JP" sz="1000" dirty="0">
-                          <a:latin typeface="Meiryo UI" panose="020B0604030504040204" pitchFamily="50" charset="-128"/>
-                          <a:ea typeface="Meiryo UI" panose="020B0604030504040204" pitchFamily="50" charset="-128"/>
-                        </a:rPr>
-                        <a:t>/cadde/</a:t>
-                      </a:r>
-                      <a:r>
-                        <a:rPr lang="en-US" altLang="ja-JP" sz="1000" dirty="0" err="1">
-                          <a:latin typeface="Meiryo UI" panose="020B0604030504040204" pitchFamily="50" charset="-128"/>
-                          <a:ea typeface="Meiryo UI" panose="020B0604030504040204" pitchFamily="50" charset="-128"/>
-                        </a:rPr>
-                        <a:t>api</a:t>
-                      </a:r>
-                      <a:r>
-                        <a:rPr lang="en-US" altLang="ja-JP" sz="1000" dirty="0">
-                          <a:latin typeface="Meiryo UI" panose="020B0604030504040204" pitchFamily="50" charset="-128"/>
-                          <a:ea typeface="Meiryo UI" panose="020B0604030504040204" pitchFamily="50" charset="-128"/>
-                        </a:rPr>
-                        <a:t>/v4/locations</a:t>
-                      </a:r>
-                    </a:p>
-                  </a:txBody>
-                  <a:tcPr/>
-                </a:tc>
-                <a:tc>
-                  <a:txBody>
-                    <a:bodyPr/>
-                    <a:lstStyle/>
-                    <a:p>
-                      <a:pPr marL="0" marR="0" lvl="0" indent="0" algn="l" defTabSz="742950" rtl="0" eaLnBrk="1" fontAlgn="auto" latinLnBrk="0" hangingPunct="1">
-                        <a:lnSpc>
-                          <a:spcPct val="100000"/>
-                        </a:lnSpc>
-                        <a:spcBef>
-                          <a:spcPts val="0"/>
-                        </a:spcBef>
-                        <a:spcAft>
-                          <a:spcPts val="0"/>
-                        </a:spcAft>
-                        <a:buClrTx/>
-                        <a:buSzTx/>
-                        <a:buFontTx/>
-                        <a:buNone/>
-                        <a:tabLst/>
-                        <a:defRPr/>
-                      </a:pPr>
-                      <a:r>
-                        <a:rPr lang="en-US" altLang="ja-JP" sz="1000" dirty="0">
-                          <a:latin typeface="Meiryo UI" panose="020B0604030504040204" pitchFamily="50" charset="-128"/>
-                          <a:ea typeface="Meiryo UI" panose="020B0604030504040204" pitchFamily="50" charset="-128"/>
-                        </a:rPr>
-                        <a:t>GET</a:t>
-                      </a:r>
                     </a:p>
                     <a:p>
                       <a:pPr marL="0" marR="0" lvl="0" indent="0" algn="l" defTabSz="742950" rtl="0" eaLnBrk="1" fontAlgn="auto" latinLnBrk="0" hangingPunct="1">
@@ -9151,51 +8980,11 @@
                         <a:defRPr/>
                       </a:pPr>
                       <a:r>
-                        <a:rPr lang="en-US" altLang="ja-JP" sz="1000" dirty="0">
-                          <a:latin typeface="Meiryo UI" panose="020B0604030504040204" pitchFamily="50" charset="-128"/>
-                          <a:ea typeface="Meiryo UI" panose="020B0604030504040204" pitchFamily="50" charset="-128"/>
-                        </a:rPr>
-                        <a:t>-</a:t>
-                      </a:r>
-                    </a:p>
-                  </a:txBody>
-                  <a:tcPr/>
-                </a:tc>
-                <a:tc>
-                  <a:txBody>
-                    <a:bodyPr/>
-                    <a:lstStyle/>
-                    <a:p>
-                      <a:pPr marL="0" marR="0" lvl="0" indent="0" algn="l" defTabSz="742950" rtl="0" eaLnBrk="1" fontAlgn="auto" latinLnBrk="0" hangingPunct="1">
-                        <a:lnSpc>
-                          <a:spcPct val="100000"/>
-                        </a:lnSpc>
-                        <a:spcBef>
-                          <a:spcPts val="0"/>
-                        </a:spcBef>
-                        <a:spcAft>
-                          <a:spcPts val="0"/>
-                        </a:spcAft>
-                        <a:buClrTx/>
-                        <a:buSzTx/>
-                        <a:buFontTx/>
-                        <a:buNone/>
-                        <a:tabLst/>
-                        <a:defRPr/>
-                      </a:pPr>
-                      <a:r>
-                        <a:rPr lang="en-US" altLang="ja-JP" sz="1000" dirty="0">
-                          <a:latin typeface="Meiryo UI" panose="020B0604030504040204" pitchFamily="50" charset="-128"/>
-                          <a:ea typeface="Meiryo UI" panose="020B0604030504040204" pitchFamily="50" charset="-128"/>
-                        </a:rPr>
-                        <a:t>CADDE</a:t>
-                      </a:r>
-                      <a:r>
                         <a:rPr lang="ja-JP" altLang="en-US" sz="1000" dirty="0">
                           <a:latin typeface="Meiryo UI" panose="020B0604030504040204" pitchFamily="50" charset="-128"/>
                           <a:ea typeface="Meiryo UI" panose="020B0604030504040204" pitchFamily="50" charset="-128"/>
                         </a:rPr>
-                        <a:t>運用者</a:t>
+                        <a:t>全提供者情報確認時</a:t>
                       </a:r>
                       <a:endParaRPr lang="en-US" altLang="ja-JP" sz="1000" dirty="0">
                         <a:latin typeface="Meiryo UI" panose="020B0604030504040204" pitchFamily="50" charset="-128"/>
@@ -9220,42 +9009,19 @@
                         <a:tabLst/>
                         <a:defRPr/>
                       </a:pPr>
-                      <a:endParaRPr lang="en-US" altLang="ja-JP" sz="1000" dirty="0">
-                        <a:latin typeface="Meiryo UI" panose="020B0604030504040204" pitchFamily="50" charset="-128"/>
-                        <a:ea typeface="Meiryo UI" panose="020B0604030504040204" pitchFamily="50" charset="-128"/>
-                      </a:endParaRPr>
-                    </a:p>
-                  </a:txBody>
-                  <a:tcPr/>
-                </a:tc>
-                <a:tc>
-                  <a:txBody>
-                    <a:bodyPr/>
-                    <a:lstStyle/>
-                    <a:p>
-                      <a:pPr marL="0" marR="0" lvl="0" indent="0" algn="l" defTabSz="742950" rtl="0" eaLnBrk="1" fontAlgn="auto" latinLnBrk="0" hangingPunct="1">
-                        <a:lnSpc>
-                          <a:spcPct val="100000"/>
-                        </a:lnSpc>
-                        <a:spcBef>
-                          <a:spcPts val="0"/>
-                        </a:spcBef>
-                        <a:spcAft>
-                          <a:spcPts val="0"/>
-                        </a:spcAft>
-                        <a:buClrTx/>
-                        <a:buSzTx/>
-                        <a:buFontTx/>
-                        <a:buNone/>
-                        <a:tabLst/>
-                        <a:defRPr/>
-                      </a:pPr>
+                      <a:r>
+                        <a:rPr lang="en-US" altLang="ja-JP" sz="1000" dirty="0">
+                          <a:latin typeface="Meiryo UI" panose="020B0604030504040204" pitchFamily="50" charset="-128"/>
+                          <a:ea typeface="Meiryo UI" panose="020B0604030504040204" pitchFamily="50" charset="-128"/>
+                        </a:rPr>
+                        <a:t>※CADDE</a:t>
+                      </a:r>
                       <a:r>
                         <a:rPr lang="ja-JP" altLang="en-US" sz="1000" dirty="0">
                           <a:latin typeface="Meiryo UI" panose="020B0604030504040204" pitchFamily="50" charset="-128"/>
                           <a:ea typeface="Meiryo UI" panose="020B0604030504040204" pitchFamily="50" charset="-128"/>
                         </a:rPr>
-                        <a:t>全提供者情報確認時</a:t>
+                        <a:t>運用者が使用</a:t>
                       </a:r>
                       <a:endParaRPr lang="en-US" altLang="ja-JP" sz="1000" dirty="0">
                         <a:latin typeface="Meiryo UI" panose="020B0604030504040204" pitchFamily="50" charset="-128"/>
@@ -9285,38 +9051,15 @@
                           <a:latin typeface="Meiryo UI" panose="020B0604030504040204" pitchFamily="50" charset="-128"/>
                           <a:ea typeface="Meiryo UI" panose="020B0604030504040204" pitchFamily="50" charset="-128"/>
                         </a:rPr>
-                        <a:t>※CADDE</a:t>
+                        <a:t>※</a:t>
                       </a:r>
                       <a:r>
                         <a:rPr lang="ja-JP" altLang="en-US" sz="1000" dirty="0">
                           <a:latin typeface="Meiryo UI" panose="020B0604030504040204" pitchFamily="50" charset="-128"/>
                           <a:ea typeface="Meiryo UI" panose="020B0604030504040204" pitchFamily="50" charset="-128"/>
                         </a:rPr>
-                        <a:t>運用者が使用</a:t>
-                      </a:r>
-                      <a:endParaRPr lang="en-US" altLang="ja-JP" sz="1000" dirty="0">
-                        <a:latin typeface="Meiryo UI" panose="020B0604030504040204" pitchFamily="50" charset="-128"/>
-                        <a:ea typeface="Meiryo UI" panose="020B0604030504040204" pitchFamily="50" charset="-128"/>
-                      </a:endParaRPr>
-                    </a:p>
-                    <a:p>
-                      <a:pPr marL="0" marR="0" lvl="0" indent="0" algn="l" defTabSz="742950" rtl="0" eaLnBrk="1" fontAlgn="auto" latinLnBrk="0" hangingPunct="1">
-                        <a:lnSpc>
-                          <a:spcPct val="100000"/>
-                        </a:lnSpc>
-                        <a:spcBef>
-                          <a:spcPts val="0"/>
-                        </a:spcBef>
-                        <a:spcAft>
-                          <a:spcPts val="0"/>
-                        </a:spcAft>
-                        <a:buClrTx/>
-                        <a:buSzTx/>
-                        <a:buFontTx/>
-                        <a:buNone/>
-                        <a:tabLst/>
-                        <a:defRPr/>
-                      </a:pPr>
+                        <a:t>非公開</a:t>
+                      </a:r>
                       <a:endParaRPr lang="en-US" altLang="ja-JP" sz="1000" dirty="0">
                         <a:latin typeface="Meiryo UI" panose="020B0604030504040204" pitchFamily="50" charset="-128"/>
                         <a:ea typeface="Meiryo UI" panose="020B0604030504040204" pitchFamily="50" charset="-128"/>
@@ -9482,1125 +9225,6 @@
       </p:sp>
       <p:sp>
         <p:nvSpPr>
-          <p:cNvPr id="6" name="正方形/長方形 5">
-            <a:extLst>
-              <a:ext uri="{FF2B5EF4-FFF2-40B4-BE49-F238E27FC236}">
-                <a16:creationId xmlns:a16="http://schemas.microsoft.com/office/drawing/2014/main" id="{BF93B2FB-6021-A105-5972-0E1EB9EDC00D}"/>
-              </a:ext>
-            </a:extLst>
-          </p:cNvPr>
-          <p:cNvSpPr/>
-          <p:nvPr/>
-        </p:nvSpPr>
-        <p:spPr bwMode="auto">
-          <a:xfrm>
-            <a:off x="1741390" y="4923426"/>
-            <a:ext cx="2963739" cy="431515"/>
-          </a:xfrm>
-          <a:prstGeom prst="rect">
-            <a:avLst/>
-          </a:prstGeom>
-          <a:solidFill>
-            <a:schemeClr val="bg1"/>
-          </a:solidFill>
-          <a:ln w="9525">
-            <a:solidFill>
-              <a:schemeClr val="tx1"/>
-            </a:solidFill>
-            <a:miter lim="800000"/>
-            <a:headEnd/>
-            <a:tailEnd/>
-          </a:ln>
-          <a:effectLst/>
-        </p:spPr>
-        <p:txBody>
-          <a:bodyPr wrap="none" tIns="72000" rtlCol="0" anchor="ctr" anchorCtr="0">
-            <a:noAutofit/>
-          </a:bodyPr>
-          <a:lstStyle>
-            <a:defPPr>
-              <a:defRPr lang="ja-JP"/>
-            </a:defPPr>
-            <a:lvl1pPr marL="0" algn="l" defTabSz="914400" rtl="0" eaLnBrk="1" latinLnBrk="0" hangingPunct="1">
-              <a:defRPr kumimoji="1" sz="1800" kern="1200">
-                <a:solidFill>
-                  <a:schemeClr val="tx1"/>
-                </a:solidFill>
-                <a:latin typeface="+mn-lt"/>
-                <a:ea typeface="+mn-ea"/>
-                <a:cs typeface="+mn-cs"/>
-              </a:defRPr>
-            </a:lvl1pPr>
-            <a:lvl2pPr marL="457200" algn="l" defTabSz="914400" rtl="0" eaLnBrk="1" latinLnBrk="0" hangingPunct="1">
-              <a:defRPr kumimoji="1" sz="1800" kern="1200">
-                <a:solidFill>
-                  <a:schemeClr val="tx1"/>
-                </a:solidFill>
-                <a:latin typeface="+mn-lt"/>
-                <a:ea typeface="+mn-ea"/>
-                <a:cs typeface="+mn-cs"/>
-              </a:defRPr>
-            </a:lvl2pPr>
-            <a:lvl3pPr marL="914400" algn="l" defTabSz="914400" rtl="0" eaLnBrk="1" latinLnBrk="0" hangingPunct="1">
-              <a:defRPr kumimoji="1" sz="1800" kern="1200">
-                <a:solidFill>
-                  <a:schemeClr val="tx1"/>
-                </a:solidFill>
-                <a:latin typeface="+mn-lt"/>
-                <a:ea typeface="+mn-ea"/>
-                <a:cs typeface="+mn-cs"/>
-              </a:defRPr>
-            </a:lvl3pPr>
-            <a:lvl4pPr marL="1371600" algn="l" defTabSz="914400" rtl="0" eaLnBrk="1" latinLnBrk="0" hangingPunct="1">
-              <a:defRPr kumimoji="1" sz="1800" kern="1200">
-                <a:solidFill>
-                  <a:schemeClr val="tx1"/>
-                </a:solidFill>
-                <a:latin typeface="+mn-lt"/>
-                <a:ea typeface="+mn-ea"/>
-                <a:cs typeface="+mn-cs"/>
-              </a:defRPr>
-            </a:lvl4pPr>
-            <a:lvl5pPr marL="1828800" algn="l" defTabSz="914400" rtl="0" eaLnBrk="1" latinLnBrk="0" hangingPunct="1">
-              <a:defRPr kumimoji="1" sz="1800" kern="1200">
-                <a:solidFill>
-                  <a:schemeClr val="tx1"/>
-                </a:solidFill>
-                <a:latin typeface="+mn-lt"/>
-                <a:ea typeface="+mn-ea"/>
-                <a:cs typeface="+mn-cs"/>
-              </a:defRPr>
-            </a:lvl5pPr>
-            <a:lvl6pPr marL="2286000" algn="l" defTabSz="914400" rtl="0" eaLnBrk="1" latinLnBrk="0" hangingPunct="1">
-              <a:defRPr kumimoji="1" sz="1800" kern="1200">
-                <a:solidFill>
-                  <a:schemeClr val="tx1"/>
-                </a:solidFill>
-                <a:latin typeface="+mn-lt"/>
-                <a:ea typeface="+mn-ea"/>
-                <a:cs typeface="+mn-cs"/>
-              </a:defRPr>
-            </a:lvl6pPr>
-            <a:lvl7pPr marL="2743200" algn="l" defTabSz="914400" rtl="0" eaLnBrk="1" latinLnBrk="0" hangingPunct="1">
-              <a:defRPr kumimoji="1" sz="1800" kern="1200">
-                <a:solidFill>
-                  <a:schemeClr val="tx1"/>
-                </a:solidFill>
-                <a:latin typeface="+mn-lt"/>
-                <a:ea typeface="+mn-ea"/>
-                <a:cs typeface="+mn-cs"/>
-              </a:defRPr>
-            </a:lvl7pPr>
-            <a:lvl8pPr marL="3200400" algn="l" defTabSz="914400" rtl="0" eaLnBrk="1" latinLnBrk="0" hangingPunct="1">
-              <a:defRPr kumimoji="1" sz="1800" kern="1200">
-                <a:solidFill>
-                  <a:schemeClr val="tx1"/>
-                </a:solidFill>
-                <a:latin typeface="+mn-lt"/>
-                <a:ea typeface="+mn-ea"/>
-                <a:cs typeface="+mn-cs"/>
-              </a:defRPr>
-            </a:lvl8pPr>
-            <a:lvl9pPr marL="3657600" algn="l" defTabSz="914400" rtl="0" eaLnBrk="1" latinLnBrk="0" hangingPunct="1">
-              <a:defRPr kumimoji="1" sz="1800" kern="1200">
-                <a:solidFill>
-                  <a:schemeClr val="tx1"/>
-                </a:solidFill>
-                <a:latin typeface="+mn-lt"/>
-                <a:ea typeface="+mn-ea"/>
-                <a:cs typeface="+mn-cs"/>
-              </a:defRPr>
-            </a:lvl9pPr>
-          </a:lstStyle>
-          <a:p>
-            <a:pPr algn="ctr"/>
-            <a:r>
-              <a:rPr lang="en-US" altLang="ja-JP" sz="1200" dirty="0" err="1">
-                <a:latin typeface="メイリオ" panose="020B0604030504040204" pitchFamily="50" charset="-128"/>
-                <a:ea typeface="メイリオ" panose="020B0604030504040204" pitchFamily="50" charset="-128"/>
-              </a:rPr>
-              <a:t>uid</a:t>
-            </a:r>
-            <a:r>
-              <a:rPr lang="en-US" altLang="ja-JP" sz="1200" dirty="0">
-                <a:latin typeface="メイリオ" panose="020B0604030504040204" pitchFamily="50" charset="-128"/>
-                <a:ea typeface="メイリオ" panose="020B0604030504040204" pitchFamily="50" charset="-128"/>
-              </a:rPr>
-              <a:t>=</a:t>
-            </a:r>
-            <a:r>
-              <a:rPr lang="en-US" altLang="ja-JP" sz="1200" dirty="0" err="1">
-                <a:latin typeface="メイリオ" panose="020B0604030504040204" pitchFamily="50" charset="-128"/>
-                <a:ea typeface="メイリオ" panose="020B0604030504040204" pitchFamily="50" charset="-128"/>
-              </a:rPr>
-              <a:t>cadde.xyzzzz.ab</a:t>
-            </a:r>
-            <a:endParaRPr kumimoji="1" lang="ja-JP" altLang="en-US" sz="1200" dirty="0">
-              <a:solidFill>
-                <a:schemeClr val="tx1"/>
-              </a:solidFill>
-              <a:latin typeface="メイリオ" panose="020B0604030504040204" pitchFamily="50" charset="-128"/>
-              <a:ea typeface="メイリオ" panose="020B0604030504040204" pitchFamily="50" charset="-128"/>
-            </a:endParaRPr>
-          </a:p>
-        </p:txBody>
-      </p:sp>
-      <p:sp>
-        <p:nvSpPr>
-          <p:cNvPr id="7" name="正方形/長方形 6">
-            <a:extLst>
-              <a:ext uri="{FF2B5EF4-FFF2-40B4-BE49-F238E27FC236}">
-                <a16:creationId xmlns:a16="http://schemas.microsoft.com/office/drawing/2014/main" id="{F636D9C2-3686-184F-F68B-46240A179E9F}"/>
-              </a:ext>
-            </a:extLst>
-          </p:cNvPr>
-          <p:cNvSpPr/>
-          <p:nvPr/>
-        </p:nvSpPr>
-        <p:spPr bwMode="auto">
-          <a:xfrm>
-            <a:off x="5207997" y="4923425"/>
-            <a:ext cx="2963739" cy="431515"/>
-          </a:xfrm>
-          <a:prstGeom prst="rect">
-            <a:avLst/>
-          </a:prstGeom>
-          <a:solidFill>
-            <a:schemeClr val="bg1"/>
-          </a:solidFill>
-          <a:ln w="9525">
-            <a:solidFill>
-              <a:schemeClr val="tx1"/>
-            </a:solidFill>
-            <a:miter lim="800000"/>
-            <a:headEnd/>
-            <a:tailEnd/>
-          </a:ln>
-          <a:effectLst/>
-        </p:spPr>
-        <p:txBody>
-          <a:bodyPr wrap="none" tIns="72000" rtlCol="0" anchor="ctr" anchorCtr="0">
-            <a:noAutofit/>
-          </a:bodyPr>
-          <a:lstStyle>
-            <a:defPPr>
-              <a:defRPr lang="ja-JP"/>
-            </a:defPPr>
-            <a:lvl1pPr marL="0" algn="l" defTabSz="914400" rtl="0" eaLnBrk="1" latinLnBrk="0" hangingPunct="1">
-              <a:defRPr kumimoji="1" sz="1800" kern="1200">
-                <a:solidFill>
-                  <a:schemeClr val="tx1"/>
-                </a:solidFill>
-                <a:latin typeface="+mn-lt"/>
-                <a:ea typeface="+mn-ea"/>
-                <a:cs typeface="+mn-cs"/>
-              </a:defRPr>
-            </a:lvl1pPr>
-            <a:lvl2pPr marL="457200" algn="l" defTabSz="914400" rtl="0" eaLnBrk="1" latinLnBrk="0" hangingPunct="1">
-              <a:defRPr kumimoji="1" sz="1800" kern="1200">
-                <a:solidFill>
-                  <a:schemeClr val="tx1"/>
-                </a:solidFill>
-                <a:latin typeface="+mn-lt"/>
-                <a:ea typeface="+mn-ea"/>
-                <a:cs typeface="+mn-cs"/>
-              </a:defRPr>
-            </a:lvl2pPr>
-            <a:lvl3pPr marL="914400" algn="l" defTabSz="914400" rtl="0" eaLnBrk="1" latinLnBrk="0" hangingPunct="1">
-              <a:defRPr kumimoji="1" sz="1800" kern="1200">
-                <a:solidFill>
-                  <a:schemeClr val="tx1"/>
-                </a:solidFill>
-                <a:latin typeface="+mn-lt"/>
-                <a:ea typeface="+mn-ea"/>
-                <a:cs typeface="+mn-cs"/>
-              </a:defRPr>
-            </a:lvl3pPr>
-            <a:lvl4pPr marL="1371600" algn="l" defTabSz="914400" rtl="0" eaLnBrk="1" latinLnBrk="0" hangingPunct="1">
-              <a:defRPr kumimoji="1" sz="1800" kern="1200">
-                <a:solidFill>
-                  <a:schemeClr val="tx1"/>
-                </a:solidFill>
-                <a:latin typeface="+mn-lt"/>
-                <a:ea typeface="+mn-ea"/>
-                <a:cs typeface="+mn-cs"/>
-              </a:defRPr>
-            </a:lvl4pPr>
-            <a:lvl5pPr marL="1828800" algn="l" defTabSz="914400" rtl="0" eaLnBrk="1" latinLnBrk="0" hangingPunct="1">
-              <a:defRPr kumimoji="1" sz="1800" kern="1200">
-                <a:solidFill>
-                  <a:schemeClr val="tx1"/>
-                </a:solidFill>
-                <a:latin typeface="+mn-lt"/>
-                <a:ea typeface="+mn-ea"/>
-                <a:cs typeface="+mn-cs"/>
-              </a:defRPr>
-            </a:lvl5pPr>
-            <a:lvl6pPr marL="2286000" algn="l" defTabSz="914400" rtl="0" eaLnBrk="1" latinLnBrk="0" hangingPunct="1">
-              <a:defRPr kumimoji="1" sz="1800" kern="1200">
-                <a:solidFill>
-                  <a:schemeClr val="tx1"/>
-                </a:solidFill>
-                <a:latin typeface="+mn-lt"/>
-                <a:ea typeface="+mn-ea"/>
-                <a:cs typeface="+mn-cs"/>
-              </a:defRPr>
-            </a:lvl6pPr>
-            <a:lvl7pPr marL="2743200" algn="l" defTabSz="914400" rtl="0" eaLnBrk="1" latinLnBrk="0" hangingPunct="1">
-              <a:defRPr kumimoji="1" sz="1800" kern="1200">
-                <a:solidFill>
-                  <a:schemeClr val="tx1"/>
-                </a:solidFill>
-                <a:latin typeface="+mn-lt"/>
-                <a:ea typeface="+mn-ea"/>
-                <a:cs typeface="+mn-cs"/>
-              </a:defRPr>
-            </a:lvl7pPr>
-            <a:lvl8pPr marL="3200400" algn="l" defTabSz="914400" rtl="0" eaLnBrk="1" latinLnBrk="0" hangingPunct="1">
-              <a:defRPr kumimoji="1" sz="1800" kern="1200">
-                <a:solidFill>
-                  <a:schemeClr val="tx1"/>
-                </a:solidFill>
-                <a:latin typeface="+mn-lt"/>
-                <a:ea typeface="+mn-ea"/>
-                <a:cs typeface="+mn-cs"/>
-              </a:defRPr>
-            </a:lvl8pPr>
-            <a:lvl9pPr marL="3657600" algn="l" defTabSz="914400" rtl="0" eaLnBrk="1" latinLnBrk="0" hangingPunct="1">
-              <a:defRPr kumimoji="1" sz="1800" kern="1200">
-                <a:solidFill>
-                  <a:schemeClr val="tx1"/>
-                </a:solidFill>
-                <a:latin typeface="+mn-lt"/>
-                <a:ea typeface="+mn-ea"/>
-                <a:cs typeface="+mn-cs"/>
-              </a:defRPr>
-            </a:lvl9pPr>
-          </a:lstStyle>
-          <a:p>
-            <a:pPr algn="ctr"/>
-            <a:r>
-              <a:rPr lang="en-US" altLang="ja-JP" sz="1200" dirty="0">
-                <a:latin typeface="メイリオ" panose="020B0604030504040204" pitchFamily="50" charset="-128"/>
-                <a:ea typeface="メイリオ" panose="020B0604030504040204" pitchFamily="50" charset="-128"/>
-              </a:rPr>
-              <a:t>u</a:t>
-            </a:r>
-            <a:r>
-              <a:rPr kumimoji="1" lang="en-US" altLang="ja-JP" sz="1200" dirty="0">
-                <a:solidFill>
-                  <a:schemeClr val="tx1"/>
-                </a:solidFill>
-                <a:latin typeface="メイリオ" panose="020B0604030504040204" pitchFamily="50" charset="-128"/>
-                <a:ea typeface="メイリオ" panose="020B0604030504040204" pitchFamily="50" charset="-128"/>
-              </a:rPr>
-              <a:t>id=cadde.abcdef.cd</a:t>
-            </a:r>
-          </a:p>
-        </p:txBody>
-      </p:sp>
-      <p:sp>
-        <p:nvSpPr>
-          <p:cNvPr id="8" name="正方形/長方形 7">
-            <a:extLst>
-              <a:ext uri="{FF2B5EF4-FFF2-40B4-BE49-F238E27FC236}">
-                <a16:creationId xmlns:a16="http://schemas.microsoft.com/office/drawing/2014/main" id="{3648000D-7ADF-312C-19D0-27CEE6927DAB}"/>
-              </a:ext>
-            </a:extLst>
-          </p:cNvPr>
-          <p:cNvSpPr/>
-          <p:nvPr/>
-        </p:nvSpPr>
-        <p:spPr bwMode="auto">
-          <a:xfrm>
-            <a:off x="4117728" y="2800179"/>
-            <a:ext cx="1809749" cy="320940"/>
-          </a:xfrm>
-          <a:prstGeom prst="rect">
-            <a:avLst/>
-          </a:prstGeom>
-          <a:solidFill>
-            <a:schemeClr val="bg1"/>
-          </a:solidFill>
-          <a:ln w="9525">
-            <a:solidFill>
-              <a:schemeClr val="tx1"/>
-            </a:solidFill>
-            <a:miter lim="800000"/>
-            <a:headEnd/>
-            <a:tailEnd/>
-          </a:ln>
-          <a:effectLst/>
-        </p:spPr>
-        <p:txBody>
-          <a:bodyPr wrap="none" tIns="72000" rtlCol="0" anchor="ctr" anchorCtr="0">
-            <a:noAutofit/>
-          </a:bodyPr>
-          <a:lstStyle>
-            <a:defPPr>
-              <a:defRPr lang="ja-JP"/>
-            </a:defPPr>
-            <a:lvl1pPr marL="0" algn="l" defTabSz="914400" rtl="0" eaLnBrk="1" latinLnBrk="0" hangingPunct="1">
-              <a:defRPr kumimoji="1" sz="1800" kern="1200">
-                <a:solidFill>
-                  <a:schemeClr val="tx1"/>
-                </a:solidFill>
-                <a:latin typeface="+mn-lt"/>
-                <a:ea typeface="+mn-ea"/>
-                <a:cs typeface="+mn-cs"/>
-              </a:defRPr>
-            </a:lvl1pPr>
-            <a:lvl2pPr marL="457200" algn="l" defTabSz="914400" rtl="0" eaLnBrk="1" latinLnBrk="0" hangingPunct="1">
-              <a:defRPr kumimoji="1" sz="1800" kern="1200">
-                <a:solidFill>
-                  <a:schemeClr val="tx1"/>
-                </a:solidFill>
-                <a:latin typeface="+mn-lt"/>
-                <a:ea typeface="+mn-ea"/>
-                <a:cs typeface="+mn-cs"/>
-              </a:defRPr>
-            </a:lvl2pPr>
-            <a:lvl3pPr marL="914400" algn="l" defTabSz="914400" rtl="0" eaLnBrk="1" latinLnBrk="0" hangingPunct="1">
-              <a:defRPr kumimoji="1" sz="1800" kern="1200">
-                <a:solidFill>
-                  <a:schemeClr val="tx1"/>
-                </a:solidFill>
-                <a:latin typeface="+mn-lt"/>
-                <a:ea typeface="+mn-ea"/>
-                <a:cs typeface="+mn-cs"/>
-              </a:defRPr>
-            </a:lvl3pPr>
-            <a:lvl4pPr marL="1371600" algn="l" defTabSz="914400" rtl="0" eaLnBrk="1" latinLnBrk="0" hangingPunct="1">
-              <a:defRPr kumimoji="1" sz="1800" kern="1200">
-                <a:solidFill>
-                  <a:schemeClr val="tx1"/>
-                </a:solidFill>
-                <a:latin typeface="+mn-lt"/>
-                <a:ea typeface="+mn-ea"/>
-                <a:cs typeface="+mn-cs"/>
-              </a:defRPr>
-            </a:lvl4pPr>
-            <a:lvl5pPr marL="1828800" algn="l" defTabSz="914400" rtl="0" eaLnBrk="1" latinLnBrk="0" hangingPunct="1">
-              <a:defRPr kumimoji="1" sz="1800" kern="1200">
-                <a:solidFill>
-                  <a:schemeClr val="tx1"/>
-                </a:solidFill>
-                <a:latin typeface="+mn-lt"/>
-                <a:ea typeface="+mn-ea"/>
-                <a:cs typeface="+mn-cs"/>
-              </a:defRPr>
-            </a:lvl5pPr>
-            <a:lvl6pPr marL="2286000" algn="l" defTabSz="914400" rtl="0" eaLnBrk="1" latinLnBrk="0" hangingPunct="1">
-              <a:defRPr kumimoji="1" sz="1800" kern="1200">
-                <a:solidFill>
-                  <a:schemeClr val="tx1"/>
-                </a:solidFill>
-                <a:latin typeface="+mn-lt"/>
-                <a:ea typeface="+mn-ea"/>
-                <a:cs typeface="+mn-cs"/>
-              </a:defRPr>
-            </a:lvl6pPr>
-            <a:lvl7pPr marL="2743200" algn="l" defTabSz="914400" rtl="0" eaLnBrk="1" latinLnBrk="0" hangingPunct="1">
-              <a:defRPr kumimoji="1" sz="1800" kern="1200">
-                <a:solidFill>
-                  <a:schemeClr val="tx1"/>
-                </a:solidFill>
-                <a:latin typeface="+mn-lt"/>
-                <a:ea typeface="+mn-ea"/>
-                <a:cs typeface="+mn-cs"/>
-              </a:defRPr>
-            </a:lvl7pPr>
-            <a:lvl8pPr marL="3200400" algn="l" defTabSz="914400" rtl="0" eaLnBrk="1" latinLnBrk="0" hangingPunct="1">
-              <a:defRPr kumimoji="1" sz="1800" kern="1200">
-                <a:solidFill>
-                  <a:schemeClr val="tx1"/>
-                </a:solidFill>
-                <a:latin typeface="+mn-lt"/>
-                <a:ea typeface="+mn-ea"/>
-                <a:cs typeface="+mn-cs"/>
-              </a:defRPr>
-            </a:lvl8pPr>
-            <a:lvl9pPr marL="3657600" algn="l" defTabSz="914400" rtl="0" eaLnBrk="1" latinLnBrk="0" hangingPunct="1">
-              <a:defRPr kumimoji="1" sz="1800" kern="1200">
-                <a:solidFill>
-                  <a:schemeClr val="tx1"/>
-                </a:solidFill>
-                <a:latin typeface="+mn-lt"/>
-                <a:ea typeface="+mn-ea"/>
-                <a:cs typeface="+mn-cs"/>
-              </a:defRPr>
-            </a:lvl9pPr>
-          </a:lstStyle>
-          <a:p>
-            <a:pPr algn="ctr"/>
-            <a:r>
-              <a:rPr lang="en-US" altLang="ja-JP" sz="1200" dirty="0">
-                <a:latin typeface="メイリオ" panose="020B0604030504040204" pitchFamily="50" charset="-128"/>
-                <a:ea typeface="メイリオ" panose="020B0604030504040204" pitchFamily="50" charset="-128"/>
-              </a:rPr>
-              <a:t>dc=</a:t>
-            </a:r>
-            <a:r>
-              <a:rPr lang="en-US" altLang="ja-JP" sz="1200" dirty="0" err="1">
-                <a:latin typeface="メイリオ" panose="020B0604030504040204" pitchFamily="50" charset="-128"/>
-                <a:ea typeface="メイリオ" panose="020B0604030504040204" pitchFamily="50" charset="-128"/>
-              </a:rPr>
-              <a:t>cadde,dc</a:t>
-            </a:r>
-            <a:r>
-              <a:rPr lang="en-US" altLang="ja-JP" sz="1200" dirty="0">
-                <a:latin typeface="メイリオ" panose="020B0604030504040204" pitchFamily="50" charset="-128"/>
-                <a:ea typeface="メイリオ" panose="020B0604030504040204" pitchFamily="50" charset="-128"/>
-              </a:rPr>
-              <a:t>=</a:t>
-            </a:r>
-            <a:r>
-              <a:rPr lang="en-US" altLang="ja-JP" sz="1200" dirty="0" err="1">
-                <a:latin typeface="メイリオ" panose="020B0604030504040204" pitchFamily="50" charset="-128"/>
-                <a:ea typeface="メイリオ" panose="020B0604030504040204" pitchFamily="50" charset="-128"/>
-              </a:rPr>
-              <a:t>jp</a:t>
-            </a:r>
-            <a:endParaRPr kumimoji="1" lang="ja-JP" altLang="en-US" sz="1200" dirty="0">
-              <a:solidFill>
-                <a:schemeClr val="tx1"/>
-              </a:solidFill>
-              <a:latin typeface="メイリオ" panose="020B0604030504040204" pitchFamily="50" charset="-128"/>
-              <a:ea typeface="メイリオ" panose="020B0604030504040204" pitchFamily="50" charset="-128"/>
-            </a:endParaRPr>
-          </a:p>
-        </p:txBody>
-      </p:sp>
-      <p:sp>
-        <p:nvSpPr>
-          <p:cNvPr id="9" name="正方形/長方形 8">
-            <a:extLst>
-              <a:ext uri="{FF2B5EF4-FFF2-40B4-BE49-F238E27FC236}">
-                <a16:creationId xmlns:a16="http://schemas.microsoft.com/office/drawing/2014/main" id="{F62FA7B3-7747-17F1-3BC3-C1A7370D24EF}"/>
-              </a:ext>
-            </a:extLst>
-          </p:cNvPr>
-          <p:cNvSpPr/>
-          <p:nvPr/>
-        </p:nvSpPr>
-        <p:spPr bwMode="auto">
-          <a:xfrm>
-            <a:off x="3908814" y="3373238"/>
-            <a:ext cx="2237498" cy="431514"/>
-          </a:xfrm>
-          <a:prstGeom prst="rect">
-            <a:avLst/>
-          </a:prstGeom>
-          <a:solidFill>
-            <a:schemeClr val="bg1"/>
-          </a:solidFill>
-          <a:ln w="9525">
-            <a:solidFill>
-              <a:schemeClr val="tx1"/>
-            </a:solidFill>
-            <a:miter lim="800000"/>
-            <a:headEnd/>
-            <a:tailEnd/>
-          </a:ln>
-          <a:effectLst/>
-        </p:spPr>
-        <p:txBody>
-          <a:bodyPr wrap="none" tIns="72000" rtlCol="0" anchor="ctr" anchorCtr="0">
-            <a:noAutofit/>
-          </a:bodyPr>
-          <a:lstStyle>
-            <a:defPPr>
-              <a:defRPr lang="ja-JP"/>
-            </a:defPPr>
-            <a:lvl1pPr marL="0" algn="l" defTabSz="914400" rtl="0" eaLnBrk="1" latinLnBrk="0" hangingPunct="1">
-              <a:defRPr kumimoji="1" sz="1800" kern="1200">
-                <a:solidFill>
-                  <a:schemeClr val="tx1"/>
-                </a:solidFill>
-                <a:latin typeface="+mn-lt"/>
-                <a:ea typeface="+mn-ea"/>
-                <a:cs typeface="+mn-cs"/>
-              </a:defRPr>
-            </a:lvl1pPr>
-            <a:lvl2pPr marL="457200" algn="l" defTabSz="914400" rtl="0" eaLnBrk="1" latinLnBrk="0" hangingPunct="1">
-              <a:defRPr kumimoji="1" sz="1800" kern="1200">
-                <a:solidFill>
-                  <a:schemeClr val="tx1"/>
-                </a:solidFill>
-                <a:latin typeface="+mn-lt"/>
-                <a:ea typeface="+mn-ea"/>
-                <a:cs typeface="+mn-cs"/>
-              </a:defRPr>
-            </a:lvl2pPr>
-            <a:lvl3pPr marL="914400" algn="l" defTabSz="914400" rtl="0" eaLnBrk="1" latinLnBrk="0" hangingPunct="1">
-              <a:defRPr kumimoji="1" sz="1800" kern="1200">
-                <a:solidFill>
-                  <a:schemeClr val="tx1"/>
-                </a:solidFill>
-                <a:latin typeface="+mn-lt"/>
-                <a:ea typeface="+mn-ea"/>
-                <a:cs typeface="+mn-cs"/>
-              </a:defRPr>
-            </a:lvl3pPr>
-            <a:lvl4pPr marL="1371600" algn="l" defTabSz="914400" rtl="0" eaLnBrk="1" latinLnBrk="0" hangingPunct="1">
-              <a:defRPr kumimoji="1" sz="1800" kern="1200">
-                <a:solidFill>
-                  <a:schemeClr val="tx1"/>
-                </a:solidFill>
-                <a:latin typeface="+mn-lt"/>
-                <a:ea typeface="+mn-ea"/>
-                <a:cs typeface="+mn-cs"/>
-              </a:defRPr>
-            </a:lvl4pPr>
-            <a:lvl5pPr marL="1828800" algn="l" defTabSz="914400" rtl="0" eaLnBrk="1" latinLnBrk="0" hangingPunct="1">
-              <a:defRPr kumimoji="1" sz="1800" kern="1200">
-                <a:solidFill>
-                  <a:schemeClr val="tx1"/>
-                </a:solidFill>
-                <a:latin typeface="+mn-lt"/>
-                <a:ea typeface="+mn-ea"/>
-                <a:cs typeface="+mn-cs"/>
-              </a:defRPr>
-            </a:lvl5pPr>
-            <a:lvl6pPr marL="2286000" algn="l" defTabSz="914400" rtl="0" eaLnBrk="1" latinLnBrk="0" hangingPunct="1">
-              <a:defRPr kumimoji="1" sz="1800" kern="1200">
-                <a:solidFill>
-                  <a:schemeClr val="tx1"/>
-                </a:solidFill>
-                <a:latin typeface="+mn-lt"/>
-                <a:ea typeface="+mn-ea"/>
-                <a:cs typeface="+mn-cs"/>
-              </a:defRPr>
-            </a:lvl6pPr>
-            <a:lvl7pPr marL="2743200" algn="l" defTabSz="914400" rtl="0" eaLnBrk="1" latinLnBrk="0" hangingPunct="1">
-              <a:defRPr kumimoji="1" sz="1800" kern="1200">
-                <a:solidFill>
-                  <a:schemeClr val="tx1"/>
-                </a:solidFill>
-                <a:latin typeface="+mn-lt"/>
-                <a:ea typeface="+mn-ea"/>
-                <a:cs typeface="+mn-cs"/>
-              </a:defRPr>
-            </a:lvl7pPr>
-            <a:lvl8pPr marL="3200400" algn="l" defTabSz="914400" rtl="0" eaLnBrk="1" latinLnBrk="0" hangingPunct="1">
-              <a:defRPr kumimoji="1" sz="1800" kern="1200">
-                <a:solidFill>
-                  <a:schemeClr val="tx1"/>
-                </a:solidFill>
-                <a:latin typeface="+mn-lt"/>
-                <a:ea typeface="+mn-ea"/>
-                <a:cs typeface="+mn-cs"/>
-              </a:defRPr>
-            </a:lvl8pPr>
-            <a:lvl9pPr marL="3657600" algn="l" defTabSz="914400" rtl="0" eaLnBrk="1" latinLnBrk="0" hangingPunct="1">
-              <a:defRPr kumimoji="1" sz="1800" kern="1200">
-                <a:solidFill>
-                  <a:schemeClr val="tx1"/>
-                </a:solidFill>
-                <a:latin typeface="+mn-lt"/>
-                <a:ea typeface="+mn-ea"/>
-                <a:cs typeface="+mn-cs"/>
-              </a:defRPr>
-            </a:lvl9pPr>
-          </a:lstStyle>
-          <a:p>
-            <a:pPr algn="ctr"/>
-            <a:r>
-              <a:rPr lang="en-US" altLang="ja-JP" sz="1200" dirty="0">
-                <a:latin typeface="メイリオ" panose="020B0604030504040204" pitchFamily="50" charset="-128"/>
-                <a:ea typeface="メイリオ" panose="020B0604030504040204" pitchFamily="50" charset="-128"/>
-              </a:rPr>
-              <a:t>o</a:t>
-            </a:r>
-            <a:r>
-              <a:rPr kumimoji="1" lang="en-US" altLang="ja-JP" sz="1200" dirty="0">
-                <a:solidFill>
-                  <a:schemeClr val="tx1"/>
-                </a:solidFill>
-                <a:latin typeface="メイリオ" panose="020B0604030504040204" pitchFamily="50" charset="-128"/>
-                <a:ea typeface="メイリオ" panose="020B0604030504040204" pitchFamily="50" charset="-128"/>
-              </a:rPr>
-              <a:t>=cadde</a:t>
-            </a:r>
-            <a:endParaRPr kumimoji="1" lang="ja-JP" altLang="en-US" sz="1200" dirty="0">
-              <a:solidFill>
-                <a:schemeClr val="tx1"/>
-              </a:solidFill>
-              <a:latin typeface="メイリオ" panose="020B0604030504040204" pitchFamily="50" charset="-128"/>
-              <a:ea typeface="メイリオ" panose="020B0604030504040204" pitchFamily="50" charset="-128"/>
-            </a:endParaRPr>
-          </a:p>
-        </p:txBody>
-      </p:sp>
-      <p:cxnSp>
-        <p:nvCxnSpPr>
-          <p:cNvPr id="10" name="直線コネクタ 9">
-            <a:extLst>
-              <a:ext uri="{FF2B5EF4-FFF2-40B4-BE49-F238E27FC236}">
-                <a16:creationId xmlns:a16="http://schemas.microsoft.com/office/drawing/2014/main" id="{66DF9947-41CF-D018-EB5E-842DF52AF069}"/>
-              </a:ext>
-            </a:extLst>
-          </p:cNvPr>
-          <p:cNvCxnSpPr>
-            <a:cxnSpLocks/>
-            <a:stCxn id="13" idx="0"/>
-            <a:endCxn id="6" idx="2"/>
-          </p:cNvCxnSpPr>
-          <p:nvPr/>
-        </p:nvCxnSpPr>
-        <p:spPr bwMode="auto">
-          <a:xfrm flipV="1">
-            <a:off x="3223260" y="5354941"/>
-            <a:ext cx="0" cy="392187"/>
-          </a:xfrm>
-          <a:prstGeom prst="line">
-            <a:avLst/>
-          </a:prstGeom>
-          <a:noFill/>
-          <a:ln w="9525" cap="flat" cmpd="sng" algn="ctr">
-            <a:solidFill>
-              <a:schemeClr val="tx1"/>
-            </a:solidFill>
-            <a:prstDash val="solid"/>
-            <a:round/>
-            <a:headEnd type="none" w="med" len="med"/>
-            <a:tailEnd type="none" w="med" len="med"/>
-          </a:ln>
-          <a:effectLst/>
-        </p:spPr>
-      </p:cxnSp>
-      <p:cxnSp>
-        <p:nvCxnSpPr>
-          <p:cNvPr id="11" name="コネクタ: カギ線 10">
-            <a:extLst>
-              <a:ext uri="{FF2B5EF4-FFF2-40B4-BE49-F238E27FC236}">
-                <a16:creationId xmlns:a16="http://schemas.microsoft.com/office/drawing/2014/main" id="{AE787392-BE57-85B6-0544-7ADBBFDB17AC}"/>
-              </a:ext>
-            </a:extLst>
-          </p:cNvPr>
-          <p:cNvCxnSpPr>
-            <a:cxnSpLocks/>
-            <a:stCxn id="9" idx="2"/>
-            <a:endCxn id="6" idx="0"/>
-          </p:cNvCxnSpPr>
-          <p:nvPr/>
-        </p:nvCxnSpPr>
-        <p:spPr bwMode="auto">
-          <a:xfrm rot="5400000">
-            <a:off x="3566075" y="3461938"/>
-            <a:ext cx="1118674" cy="1804303"/>
-          </a:xfrm>
-          <a:prstGeom prst="bentConnector3">
-            <a:avLst>
-              <a:gd name="adj1" fmla="val 50000"/>
-            </a:avLst>
-          </a:prstGeom>
-          <a:noFill/>
-          <a:ln w="9525" cap="flat" cmpd="sng" algn="ctr">
-            <a:solidFill>
-              <a:schemeClr val="tx1"/>
-            </a:solidFill>
-            <a:prstDash val="solid"/>
-            <a:round/>
-            <a:headEnd type="none" w="med" len="med"/>
-            <a:tailEnd type="none" w="med" len="med"/>
-          </a:ln>
-          <a:effectLst/>
-        </p:spPr>
-      </p:cxnSp>
-      <p:cxnSp>
-        <p:nvCxnSpPr>
-          <p:cNvPr id="12" name="コネクタ: カギ線 11">
-            <a:extLst>
-              <a:ext uri="{FF2B5EF4-FFF2-40B4-BE49-F238E27FC236}">
-                <a16:creationId xmlns:a16="http://schemas.microsoft.com/office/drawing/2014/main" id="{D9CD73C1-5AFB-73AA-D5B9-50FC7047644B}"/>
-              </a:ext>
-            </a:extLst>
-          </p:cNvPr>
-          <p:cNvCxnSpPr>
-            <a:cxnSpLocks/>
-            <a:stCxn id="9" idx="2"/>
-            <a:endCxn id="7" idx="0"/>
-          </p:cNvCxnSpPr>
-          <p:nvPr/>
-        </p:nvCxnSpPr>
-        <p:spPr bwMode="auto">
-          <a:xfrm rot="16200000" flipH="1">
-            <a:off x="5299379" y="3532936"/>
-            <a:ext cx="1118673" cy="1662304"/>
-          </a:xfrm>
-          <a:prstGeom prst="bentConnector3">
-            <a:avLst>
-              <a:gd name="adj1" fmla="val 50000"/>
-            </a:avLst>
-          </a:prstGeom>
-          <a:noFill/>
-          <a:ln w="9525" cap="flat" cmpd="sng" algn="ctr">
-            <a:solidFill>
-              <a:schemeClr val="tx1"/>
-            </a:solidFill>
-            <a:prstDash val="solid"/>
-            <a:round/>
-            <a:headEnd type="none" w="med" len="med"/>
-            <a:tailEnd type="none" w="med" len="med"/>
-          </a:ln>
-          <a:effectLst/>
-        </p:spPr>
-      </p:cxnSp>
-      <p:sp>
-        <p:nvSpPr>
-          <p:cNvPr id="13" name="正方形/長方形 12">
-            <a:extLst>
-              <a:ext uri="{FF2B5EF4-FFF2-40B4-BE49-F238E27FC236}">
-                <a16:creationId xmlns:a16="http://schemas.microsoft.com/office/drawing/2014/main" id="{BA5B4433-B312-F63B-EA13-02AB6A9A29A4}"/>
-              </a:ext>
-            </a:extLst>
-          </p:cNvPr>
-          <p:cNvSpPr/>
-          <p:nvPr/>
-        </p:nvSpPr>
-        <p:spPr bwMode="auto">
-          <a:xfrm>
-            <a:off x="1741390" y="5747128"/>
-            <a:ext cx="2963739" cy="431515"/>
-          </a:xfrm>
-          <a:prstGeom prst="rect">
-            <a:avLst/>
-          </a:prstGeom>
-          <a:solidFill>
-            <a:schemeClr val="bg1"/>
-          </a:solidFill>
-          <a:ln w="9525">
-            <a:solidFill>
-              <a:schemeClr val="tx1"/>
-            </a:solidFill>
-            <a:miter lim="800000"/>
-            <a:headEnd/>
-            <a:tailEnd/>
-          </a:ln>
-          <a:effectLst/>
-        </p:spPr>
-        <p:txBody>
-          <a:bodyPr wrap="none" tIns="72000" rtlCol="0" anchor="ctr" anchorCtr="0">
-            <a:noAutofit/>
-          </a:bodyPr>
-          <a:lstStyle>
-            <a:defPPr>
-              <a:defRPr lang="ja-JP"/>
-            </a:defPPr>
-            <a:lvl1pPr marL="0" algn="l" defTabSz="914400" rtl="0" eaLnBrk="1" latinLnBrk="0" hangingPunct="1">
-              <a:defRPr kumimoji="1" sz="1800" kern="1200">
-                <a:solidFill>
-                  <a:schemeClr val="tx1"/>
-                </a:solidFill>
-                <a:latin typeface="+mn-lt"/>
-                <a:ea typeface="+mn-ea"/>
-                <a:cs typeface="+mn-cs"/>
-              </a:defRPr>
-            </a:lvl1pPr>
-            <a:lvl2pPr marL="457200" algn="l" defTabSz="914400" rtl="0" eaLnBrk="1" latinLnBrk="0" hangingPunct="1">
-              <a:defRPr kumimoji="1" sz="1800" kern="1200">
-                <a:solidFill>
-                  <a:schemeClr val="tx1"/>
-                </a:solidFill>
-                <a:latin typeface="+mn-lt"/>
-                <a:ea typeface="+mn-ea"/>
-                <a:cs typeface="+mn-cs"/>
-              </a:defRPr>
-            </a:lvl2pPr>
-            <a:lvl3pPr marL="914400" algn="l" defTabSz="914400" rtl="0" eaLnBrk="1" latinLnBrk="0" hangingPunct="1">
-              <a:defRPr kumimoji="1" sz="1800" kern="1200">
-                <a:solidFill>
-                  <a:schemeClr val="tx1"/>
-                </a:solidFill>
-                <a:latin typeface="+mn-lt"/>
-                <a:ea typeface="+mn-ea"/>
-                <a:cs typeface="+mn-cs"/>
-              </a:defRPr>
-            </a:lvl3pPr>
-            <a:lvl4pPr marL="1371600" algn="l" defTabSz="914400" rtl="0" eaLnBrk="1" latinLnBrk="0" hangingPunct="1">
-              <a:defRPr kumimoji="1" sz="1800" kern="1200">
-                <a:solidFill>
-                  <a:schemeClr val="tx1"/>
-                </a:solidFill>
-                <a:latin typeface="+mn-lt"/>
-                <a:ea typeface="+mn-ea"/>
-                <a:cs typeface="+mn-cs"/>
-              </a:defRPr>
-            </a:lvl4pPr>
-            <a:lvl5pPr marL="1828800" algn="l" defTabSz="914400" rtl="0" eaLnBrk="1" latinLnBrk="0" hangingPunct="1">
-              <a:defRPr kumimoji="1" sz="1800" kern="1200">
-                <a:solidFill>
-                  <a:schemeClr val="tx1"/>
-                </a:solidFill>
-                <a:latin typeface="+mn-lt"/>
-                <a:ea typeface="+mn-ea"/>
-                <a:cs typeface="+mn-cs"/>
-              </a:defRPr>
-            </a:lvl5pPr>
-            <a:lvl6pPr marL="2286000" algn="l" defTabSz="914400" rtl="0" eaLnBrk="1" latinLnBrk="0" hangingPunct="1">
-              <a:defRPr kumimoji="1" sz="1800" kern="1200">
-                <a:solidFill>
-                  <a:schemeClr val="tx1"/>
-                </a:solidFill>
-                <a:latin typeface="+mn-lt"/>
-                <a:ea typeface="+mn-ea"/>
-                <a:cs typeface="+mn-cs"/>
-              </a:defRPr>
-            </a:lvl6pPr>
-            <a:lvl7pPr marL="2743200" algn="l" defTabSz="914400" rtl="0" eaLnBrk="1" latinLnBrk="0" hangingPunct="1">
-              <a:defRPr kumimoji="1" sz="1800" kern="1200">
-                <a:solidFill>
-                  <a:schemeClr val="tx1"/>
-                </a:solidFill>
-                <a:latin typeface="+mn-lt"/>
-                <a:ea typeface="+mn-ea"/>
-                <a:cs typeface="+mn-cs"/>
-              </a:defRPr>
-            </a:lvl7pPr>
-            <a:lvl8pPr marL="3200400" algn="l" defTabSz="914400" rtl="0" eaLnBrk="1" latinLnBrk="0" hangingPunct="1">
-              <a:defRPr kumimoji="1" sz="1800" kern="1200">
-                <a:solidFill>
-                  <a:schemeClr val="tx1"/>
-                </a:solidFill>
-                <a:latin typeface="+mn-lt"/>
-                <a:ea typeface="+mn-ea"/>
-                <a:cs typeface="+mn-cs"/>
-              </a:defRPr>
-            </a:lvl8pPr>
-            <a:lvl9pPr marL="3657600" algn="l" defTabSz="914400" rtl="0" eaLnBrk="1" latinLnBrk="0" hangingPunct="1">
-              <a:defRPr kumimoji="1" sz="1800" kern="1200">
-                <a:solidFill>
-                  <a:schemeClr val="tx1"/>
-                </a:solidFill>
-                <a:latin typeface="+mn-lt"/>
-                <a:ea typeface="+mn-ea"/>
-                <a:cs typeface="+mn-cs"/>
-              </a:defRPr>
-            </a:lvl9pPr>
-          </a:lstStyle>
-          <a:p>
-            <a:pPr algn="ctr"/>
-            <a:r>
-              <a:rPr lang="en-US" altLang="ja-JP" sz="1200" dirty="0" err="1">
-                <a:latin typeface="メイリオ" panose="020B0604030504040204" pitchFamily="50" charset="-128"/>
-                <a:ea typeface="メイリオ" panose="020B0604030504040204" pitchFamily="50" charset="-128"/>
-              </a:rPr>
-              <a:t>connector_url</a:t>
-            </a:r>
-            <a:r>
-              <a:rPr lang="en-US" altLang="ja-JP" sz="1200" dirty="0">
-                <a:latin typeface="メイリオ" panose="020B0604030504040204" pitchFamily="50" charset="-128"/>
-                <a:ea typeface="メイリオ" panose="020B0604030504040204" pitchFamily="50" charset="-128"/>
-              </a:rPr>
-              <a:t>=http://provider1.ab.jp/</a:t>
-            </a:r>
-            <a:endParaRPr kumimoji="1" lang="ja-JP" altLang="en-US" sz="1200" dirty="0">
-              <a:solidFill>
-                <a:schemeClr val="tx1"/>
-              </a:solidFill>
-              <a:latin typeface="メイリオ" panose="020B0604030504040204" pitchFamily="50" charset="-128"/>
-              <a:ea typeface="メイリオ" panose="020B0604030504040204" pitchFamily="50" charset="-128"/>
-            </a:endParaRPr>
-          </a:p>
-        </p:txBody>
-      </p:sp>
-      <p:cxnSp>
-        <p:nvCxnSpPr>
-          <p:cNvPr id="14" name="直線コネクタ 13">
-            <a:extLst>
-              <a:ext uri="{FF2B5EF4-FFF2-40B4-BE49-F238E27FC236}">
-                <a16:creationId xmlns:a16="http://schemas.microsoft.com/office/drawing/2014/main" id="{EBAAEDB3-B012-757D-523B-1F8811C90308}"/>
-              </a:ext>
-            </a:extLst>
-          </p:cNvPr>
-          <p:cNvCxnSpPr>
-            <a:cxnSpLocks/>
-            <a:stCxn id="15" idx="0"/>
-          </p:cNvCxnSpPr>
-          <p:nvPr/>
-        </p:nvCxnSpPr>
-        <p:spPr bwMode="auto">
-          <a:xfrm flipV="1">
-            <a:off x="6689867" y="5354941"/>
-            <a:ext cx="0" cy="392187"/>
-          </a:xfrm>
-          <a:prstGeom prst="line">
-            <a:avLst/>
-          </a:prstGeom>
-          <a:noFill/>
-          <a:ln w="9525" cap="flat" cmpd="sng" algn="ctr">
-            <a:solidFill>
-              <a:schemeClr val="tx1"/>
-            </a:solidFill>
-            <a:prstDash val="solid"/>
-            <a:round/>
-            <a:headEnd type="none" w="med" len="med"/>
-            <a:tailEnd type="none" w="med" len="med"/>
-          </a:ln>
-          <a:effectLst/>
-        </p:spPr>
-      </p:cxnSp>
-      <p:sp>
-        <p:nvSpPr>
-          <p:cNvPr id="15" name="正方形/長方形 14">
-            <a:extLst>
-              <a:ext uri="{FF2B5EF4-FFF2-40B4-BE49-F238E27FC236}">
-                <a16:creationId xmlns:a16="http://schemas.microsoft.com/office/drawing/2014/main" id="{F7A191A8-790F-56E0-014A-949B83159EF5}"/>
-              </a:ext>
-            </a:extLst>
-          </p:cNvPr>
-          <p:cNvSpPr/>
-          <p:nvPr/>
-        </p:nvSpPr>
-        <p:spPr bwMode="auto">
-          <a:xfrm>
-            <a:off x="5207997" y="5747128"/>
-            <a:ext cx="2963739" cy="431515"/>
-          </a:xfrm>
-          <a:prstGeom prst="rect">
-            <a:avLst/>
-          </a:prstGeom>
-          <a:solidFill>
-            <a:schemeClr val="bg1"/>
-          </a:solidFill>
-          <a:ln w="9525">
-            <a:solidFill>
-              <a:schemeClr val="tx1"/>
-            </a:solidFill>
-            <a:miter lim="800000"/>
-            <a:headEnd/>
-            <a:tailEnd/>
-          </a:ln>
-          <a:effectLst/>
-        </p:spPr>
-        <p:txBody>
-          <a:bodyPr wrap="none" tIns="72000" rtlCol="0" anchor="ctr" anchorCtr="0">
-            <a:noAutofit/>
-          </a:bodyPr>
-          <a:lstStyle>
-            <a:defPPr>
-              <a:defRPr lang="ja-JP"/>
-            </a:defPPr>
-            <a:lvl1pPr marL="0" algn="l" defTabSz="914400" rtl="0" eaLnBrk="1" latinLnBrk="0" hangingPunct="1">
-              <a:defRPr kumimoji="1" sz="1800" kern="1200">
-                <a:solidFill>
-                  <a:schemeClr val="tx1"/>
-                </a:solidFill>
-                <a:latin typeface="+mn-lt"/>
-                <a:ea typeface="+mn-ea"/>
-                <a:cs typeface="+mn-cs"/>
-              </a:defRPr>
-            </a:lvl1pPr>
-            <a:lvl2pPr marL="457200" algn="l" defTabSz="914400" rtl="0" eaLnBrk="1" latinLnBrk="0" hangingPunct="1">
-              <a:defRPr kumimoji="1" sz="1800" kern="1200">
-                <a:solidFill>
-                  <a:schemeClr val="tx1"/>
-                </a:solidFill>
-                <a:latin typeface="+mn-lt"/>
-                <a:ea typeface="+mn-ea"/>
-                <a:cs typeface="+mn-cs"/>
-              </a:defRPr>
-            </a:lvl2pPr>
-            <a:lvl3pPr marL="914400" algn="l" defTabSz="914400" rtl="0" eaLnBrk="1" latinLnBrk="0" hangingPunct="1">
-              <a:defRPr kumimoji="1" sz="1800" kern="1200">
-                <a:solidFill>
-                  <a:schemeClr val="tx1"/>
-                </a:solidFill>
-                <a:latin typeface="+mn-lt"/>
-                <a:ea typeface="+mn-ea"/>
-                <a:cs typeface="+mn-cs"/>
-              </a:defRPr>
-            </a:lvl3pPr>
-            <a:lvl4pPr marL="1371600" algn="l" defTabSz="914400" rtl="0" eaLnBrk="1" latinLnBrk="0" hangingPunct="1">
-              <a:defRPr kumimoji="1" sz="1800" kern="1200">
-                <a:solidFill>
-                  <a:schemeClr val="tx1"/>
-                </a:solidFill>
-                <a:latin typeface="+mn-lt"/>
-                <a:ea typeface="+mn-ea"/>
-                <a:cs typeface="+mn-cs"/>
-              </a:defRPr>
-            </a:lvl4pPr>
-            <a:lvl5pPr marL="1828800" algn="l" defTabSz="914400" rtl="0" eaLnBrk="1" latinLnBrk="0" hangingPunct="1">
-              <a:defRPr kumimoji="1" sz="1800" kern="1200">
-                <a:solidFill>
-                  <a:schemeClr val="tx1"/>
-                </a:solidFill>
-                <a:latin typeface="+mn-lt"/>
-                <a:ea typeface="+mn-ea"/>
-                <a:cs typeface="+mn-cs"/>
-              </a:defRPr>
-            </a:lvl5pPr>
-            <a:lvl6pPr marL="2286000" algn="l" defTabSz="914400" rtl="0" eaLnBrk="1" latinLnBrk="0" hangingPunct="1">
-              <a:defRPr kumimoji="1" sz="1800" kern="1200">
-                <a:solidFill>
-                  <a:schemeClr val="tx1"/>
-                </a:solidFill>
-                <a:latin typeface="+mn-lt"/>
-                <a:ea typeface="+mn-ea"/>
-                <a:cs typeface="+mn-cs"/>
-              </a:defRPr>
-            </a:lvl6pPr>
-            <a:lvl7pPr marL="2743200" algn="l" defTabSz="914400" rtl="0" eaLnBrk="1" latinLnBrk="0" hangingPunct="1">
-              <a:defRPr kumimoji="1" sz="1800" kern="1200">
-                <a:solidFill>
-                  <a:schemeClr val="tx1"/>
-                </a:solidFill>
-                <a:latin typeface="+mn-lt"/>
-                <a:ea typeface="+mn-ea"/>
-                <a:cs typeface="+mn-cs"/>
-              </a:defRPr>
-            </a:lvl7pPr>
-            <a:lvl8pPr marL="3200400" algn="l" defTabSz="914400" rtl="0" eaLnBrk="1" latinLnBrk="0" hangingPunct="1">
-              <a:defRPr kumimoji="1" sz="1800" kern="1200">
-                <a:solidFill>
-                  <a:schemeClr val="tx1"/>
-                </a:solidFill>
-                <a:latin typeface="+mn-lt"/>
-                <a:ea typeface="+mn-ea"/>
-                <a:cs typeface="+mn-cs"/>
-              </a:defRPr>
-            </a:lvl8pPr>
-            <a:lvl9pPr marL="3657600" algn="l" defTabSz="914400" rtl="0" eaLnBrk="1" latinLnBrk="0" hangingPunct="1">
-              <a:defRPr kumimoji="1" sz="1800" kern="1200">
-                <a:solidFill>
-                  <a:schemeClr val="tx1"/>
-                </a:solidFill>
-                <a:latin typeface="+mn-lt"/>
-                <a:ea typeface="+mn-ea"/>
-                <a:cs typeface="+mn-cs"/>
-              </a:defRPr>
-            </a:lvl9pPr>
-          </a:lstStyle>
-          <a:p>
-            <a:pPr algn="ctr"/>
-            <a:r>
-              <a:rPr lang="en-US" altLang="ja-JP" sz="1200" dirty="0" err="1">
-                <a:latin typeface="メイリオ" panose="020B0604030504040204" pitchFamily="50" charset="-128"/>
-                <a:ea typeface="メイリオ" panose="020B0604030504040204" pitchFamily="50" charset="-128"/>
-              </a:rPr>
-              <a:t>connector_url</a:t>
-            </a:r>
-            <a:r>
-              <a:rPr lang="en-US" altLang="ja-JP" sz="1200" dirty="0">
-                <a:latin typeface="メイリオ" panose="020B0604030504040204" pitchFamily="50" charset="-128"/>
-                <a:ea typeface="メイリオ" panose="020B0604030504040204" pitchFamily="50" charset="-128"/>
-              </a:rPr>
-              <a:t>=http://provider2.xx.jp/</a:t>
-            </a:r>
-            <a:endParaRPr kumimoji="1" lang="ja-JP" altLang="en-US" sz="1200" dirty="0">
-              <a:solidFill>
-                <a:schemeClr val="tx1"/>
-              </a:solidFill>
-              <a:latin typeface="メイリオ" panose="020B0604030504040204" pitchFamily="50" charset="-128"/>
-              <a:ea typeface="メイリオ" panose="020B0604030504040204" pitchFamily="50" charset="-128"/>
-            </a:endParaRPr>
-          </a:p>
-        </p:txBody>
-      </p:sp>
-      <p:sp>
-        <p:nvSpPr>
           <p:cNvPr id="16" name="テキスト ボックス 15">
             <a:extLst>
               <a:ext uri="{FF2B5EF4-FFF2-40B4-BE49-F238E27FC236}">
@@ -10644,43 +9268,6 @@
           </a:p>
         </p:txBody>
       </p:sp>
-      <p:cxnSp>
-        <p:nvCxnSpPr>
-          <p:cNvPr id="17" name="直線コネクタ 16">
-            <a:extLst>
-              <a:ext uri="{FF2B5EF4-FFF2-40B4-BE49-F238E27FC236}">
-                <a16:creationId xmlns:a16="http://schemas.microsoft.com/office/drawing/2014/main" id="{4A86B3D5-AC30-259A-D8FF-3092D5CE868A}"/>
-              </a:ext>
-            </a:extLst>
-          </p:cNvPr>
-          <p:cNvCxnSpPr>
-            <a:cxnSpLocks/>
-            <a:stCxn id="9" idx="0"/>
-            <a:endCxn id="8" idx="2"/>
-          </p:cNvCxnSpPr>
-          <p:nvPr/>
-        </p:nvCxnSpPr>
-        <p:spPr bwMode="auto">
-          <a:xfrm flipH="1" flipV="1">
-            <a:off x="5022603" y="3121119"/>
-            <a:ext cx="4960" cy="252119"/>
-          </a:xfrm>
-          <a:prstGeom prst="line">
-            <a:avLst/>
-          </a:prstGeom>
-          <a:noFill/>
-          <a:ln w="9525" cap="flat" cmpd="sng" algn="ctr">
-            <a:solidFill>
-              <a:schemeClr val="tx1"/>
-            </a:solidFill>
-            <a:prstDash val="solid"/>
-            <a:round/>
-            <a:headEnd type="none" w="med" len="med"/>
-            <a:tailEnd type="none" w="med" len="med"/>
-          </a:ln>
-          <a:effectLst/>
-        </p:spPr>
-      </p:cxnSp>
       <p:graphicFrame>
         <p:nvGraphicFramePr>
           <p:cNvPr id="3" name="表 4">
@@ -11104,72 +9691,6 @@
           </a:graphicData>
         </a:graphic>
       </p:graphicFrame>
-      <p:sp>
-        <p:nvSpPr>
-          <p:cNvPr id="4" name="テキスト ボックス 3">
-            <a:extLst>
-              <a:ext uri="{FF2B5EF4-FFF2-40B4-BE49-F238E27FC236}">
-                <a16:creationId xmlns:a16="http://schemas.microsoft.com/office/drawing/2014/main" id="{E090E5C0-E6A2-2E67-90D7-1D3B0F16BC0A}"/>
-              </a:ext>
-            </a:extLst>
-          </p:cNvPr>
-          <p:cNvSpPr txBox="1"/>
-          <p:nvPr/>
-        </p:nvSpPr>
-        <p:spPr>
-          <a:xfrm>
-            <a:off x="297411" y="2448028"/>
-            <a:ext cx="9171840" cy="410192"/>
-          </a:xfrm>
-          <a:prstGeom prst="rect">
-            <a:avLst/>
-          </a:prstGeom>
-          <a:noFill/>
-          <a:ln>
-            <a:noFill/>
-          </a:ln>
-        </p:spPr>
-        <p:txBody>
-          <a:bodyPr wrap="square" rtlCol="0" anchor="t" anchorCtr="0">
-            <a:noAutofit/>
-          </a:bodyPr>
-          <a:lstStyle/>
-          <a:p>
-            <a:r>
-              <a:rPr lang="en-US" altLang="ja-JP" sz="1600" dirty="0">
-                <a:latin typeface="Meiryo UI" panose="020B0604030504040204" pitchFamily="50" charset="-128"/>
-                <a:ea typeface="Meiryo UI" panose="020B0604030504040204" pitchFamily="50" charset="-128"/>
-              </a:rPr>
-              <a:t>LDAP</a:t>
-            </a:r>
-            <a:r>
-              <a:rPr lang="ja-JP" altLang="en-US" sz="1600" dirty="0">
-                <a:latin typeface="Meiryo UI" panose="020B0604030504040204" pitchFamily="50" charset="-128"/>
-                <a:ea typeface="Meiryo UI" panose="020B0604030504040204" pitchFamily="50" charset="-128"/>
-              </a:rPr>
-              <a:t>の中の</a:t>
-            </a:r>
-            <a:r>
-              <a:rPr lang="en-US" altLang="ja-JP" sz="1600" dirty="0">
-                <a:latin typeface="Meiryo UI" panose="020B0604030504040204" pitchFamily="50" charset="-128"/>
-                <a:ea typeface="Meiryo UI" panose="020B0604030504040204" pitchFamily="50" charset="-128"/>
-              </a:rPr>
-              <a:t>DIT</a:t>
-            </a:r>
-            <a:r>
-              <a:rPr lang="ja-JP" altLang="en-US" sz="1600" dirty="0">
-                <a:latin typeface="Meiryo UI" panose="020B0604030504040204" pitchFamily="50" charset="-128"/>
-                <a:ea typeface="Meiryo UI" panose="020B0604030504040204" pitchFamily="50" charset="-128"/>
-              </a:rPr>
-              <a:t>として管理する。</a:t>
-            </a:r>
-            <a:endParaRPr lang="en-US" altLang="ja-JP" sz="1600" dirty="0">
-              <a:latin typeface="Meiryo UI" panose="020B0604030504040204" pitchFamily="50" charset="-128"/>
-              <a:ea typeface="Meiryo UI" panose="020B0604030504040204" pitchFamily="50" charset="-128"/>
-            </a:endParaRPr>
-          </a:p>
-        </p:txBody>
-      </p:sp>
     </p:spTree>
     <p:extLst>
       <p:ext uri="{BB962C8B-B14F-4D97-AF65-F5344CB8AC3E}">
@@ -13420,6 +11941,15 @@
 </file>
 
 <file path=customXml/item2.xml><?xml version="1.0" encoding="utf-8"?>
+<?mso-contentType ?>
+<FormTemplates xmlns="http://schemas.microsoft.com/sharepoint/v3/contenttype/forms">
+  <Display>DocumentLibraryForm</Display>
+  <Edit>DocumentLibraryForm</Edit>
+  <New>DocumentLibraryForm</New>
+</FormTemplates>
+</file>
+
+<file path=customXml/item3.xml><?xml version="1.0" encoding="utf-8"?>
 <ct:contentTypeSchema xmlns:ct="http://schemas.microsoft.com/office/2006/metadata/contentType" xmlns:ma="http://schemas.microsoft.com/office/2006/metadata/properties/metaAttributes" ct:_="" ma:_="" ma:contentTypeName="ドキュメント" ma:contentTypeID="0x01010002ECC5740E64E847B54B09632D7DC53A" ma:contentTypeVersion="2" ma:contentTypeDescription="新しいドキュメントを作成します。" ma:contentTypeScope="" ma:versionID="0617be47d4a38f962b4e28c2c9b56d74">
   <xsd:schema xmlns:xsd="http://www.w3.org/2001/XMLSchema" xmlns:xs="http://www.w3.org/2001/XMLSchema" xmlns:p="http://schemas.microsoft.com/office/2006/metadata/properties" xmlns:ns2="94a0b324-fff8-47f8-93c2-91e47de8bffb" targetNamespace="http://schemas.microsoft.com/office/2006/metadata/properties" ma:root="true" ma:fieldsID="46f47a73faa942e2d2a121376fe753e3" ns2:_="">
     <xsd:import namespace="94a0b324-fff8-47f8-93c2-91e47de8bffb"/>
@@ -13551,53 +12081,31 @@
 </ct:contentTypeSchema>
 </file>
 
-<file path=customXml/item3.xml><?xml version="1.0" encoding="utf-8"?>
-<?mso-contentType ?>
-<FormTemplates xmlns="http://schemas.microsoft.com/sharepoint/v3/contenttype/forms">
-  <Display>DocumentLibraryForm</Display>
-  <Edit>DocumentLibraryForm</Edit>
-  <New>DocumentLibraryForm</New>
-</FormTemplates>
-</file>
-
 <file path=customXml/itemProps1.xml><?xml version="1.0" encoding="utf-8"?>
 <ds:datastoreItem xmlns:ds="http://schemas.openxmlformats.org/officeDocument/2006/customXml" ds:itemID="{92F149E9-1568-4092-A2A5-4D2B2C899E56}">
   <ds:schemaRefs>
+    <ds:schemaRef ds:uri="http://www.w3.org/XML/1998/namespace"/>
+    <ds:schemaRef ds:uri="2342c2ae-9671-4457-b7fa-58ae9bc912b5"/>
+    <ds:schemaRef ds:uri="http://schemas.microsoft.com/office/2006/documentManagement/types"/>
+    <ds:schemaRef ds:uri="http://schemas.microsoft.com/office/2006/metadata/properties"/>
+    <ds:schemaRef ds:uri="http://purl.org/dc/elements/1.1/"/>
     <ds:schemaRef ds:uri="http://purl.org/dc/terms/"/>
+    <ds:schemaRef ds:uri="http://purl.org/dc/dcmitype/"/>
+    <ds:schemaRef ds:uri="http://schemas.microsoft.com/office/infopath/2007/PartnerControls"/>
     <ds:schemaRef ds:uri="http://schemas.openxmlformats.org/package/2006/metadata/core-properties"/>
-    <ds:schemaRef ds:uri="http://schemas.microsoft.com/office/2006/documentManagement/types"/>
-    <ds:schemaRef ds:uri="http://schemas.microsoft.com/office/infopath/2007/PartnerControls"/>
-    <ds:schemaRef ds:uri="94a0b324-fff8-47f8-93c2-91e47de8bffb"/>
-    <ds:schemaRef ds:uri="http://purl.org/dc/elements/1.1/"/>
-    <ds:schemaRef ds:uri="http://schemas.microsoft.com/office/2006/metadata/properties"/>
-    <ds:schemaRef ds:uri="http://www.w3.org/XML/1998/namespace"/>
-    <ds:schemaRef ds:uri="http://purl.org/dc/dcmitype/"/>
+    <ds:schemaRef ds:uri="9739bc74-23c3-4bda-90a4-2fb69d14acac"/>
   </ds:schemaRefs>
 </ds:datastoreItem>
 </file>
 
 <file path=customXml/itemProps2.xml><?xml version="1.0" encoding="utf-8"?>
-<ds:datastoreItem xmlns:ds="http://schemas.openxmlformats.org/officeDocument/2006/customXml" ds:itemID="{42038A2F-F419-4CAD-A7F1-674E7497B3E7}">
+<ds:datastoreItem xmlns:ds="http://schemas.openxmlformats.org/officeDocument/2006/customXml" ds:itemID="{A2A6ACD3-7F25-4F68-84AE-6F8E56D40AA6}">
   <ds:schemaRefs>
-    <ds:schemaRef ds:uri="http://schemas.microsoft.com/office/2006/metadata/contentType"/>
-    <ds:schemaRef ds:uri="http://schemas.microsoft.com/office/2006/metadata/properties/metaAttributes"/>
-    <ds:schemaRef ds:uri="http://www.w3.org/2001/XMLSchema"/>
-    <ds:schemaRef ds:uri="http://schemas.microsoft.com/office/2006/metadata/properties"/>
-    <ds:schemaRef ds:uri="94a0b324-fff8-47f8-93c2-91e47de8bffb"/>
-    <ds:schemaRef ds:uri="http://schemas.microsoft.com/office/2006/documentManagement/types"/>
-    <ds:schemaRef ds:uri="http://schemas.microsoft.com/office/infopath/2007/PartnerControls"/>
-    <ds:schemaRef ds:uri="http://schemas.openxmlformats.org/package/2006/metadata/core-properties"/>
-    <ds:schemaRef ds:uri="http://purl.org/dc/elements/1.1/"/>
-    <ds:schemaRef ds:uri="http://purl.org/dc/terms/"/>
-    <ds:schemaRef ds:uri="http://schemas.microsoft.com/internal/obd"/>
+    <ds:schemaRef ds:uri="http://schemas.microsoft.com/sharepoint/v3/contenttype/forms"/>
   </ds:schemaRefs>
 </ds:datastoreItem>
 </file>
 
 <file path=customXml/itemProps3.xml><?xml version="1.0" encoding="utf-8"?>
-<ds:datastoreItem xmlns:ds="http://schemas.openxmlformats.org/officeDocument/2006/customXml" ds:itemID="{A2A6ACD3-7F25-4F68-84AE-6F8E56D40AA6}">
-  <ds:schemaRefs>
-    <ds:schemaRef ds:uri="http://schemas.microsoft.com/sharepoint/v3/contenttype/forms"/>
-  </ds:schemaRefs>
-</ds:datastoreItem>
+<ds:datastoreItem xmlns:ds="http://schemas.openxmlformats.org/officeDocument/2006/customXml" ds:itemID="{787156FC-DAD5-4344-B94E-1CA004416A11}"/>
 </file>
--- a/doc/3/50_V4_機能アーキテクチャ/50_V4_設計書_ロケーションサービス/30_CADDE_ロケーションサーバ設計書_202303.pptx
+++ b/doc/3/50_V4_機能アーキテクチャ/50_V4_設計書_ロケーションサービス/30_CADDE_ロケーションサーバ設計書_202303.pptx
@@ -164,7 +164,7 @@
 <file path=ppt/revisionInfo.xml><?xml version="1.0" encoding="utf-8"?>
 <p1510:revInfo xmlns:a="http://schemas.openxmlformats.org/drawingml/2006/main" xmlns:r="http://schemas.openxmlformats.org/officeDocument/2006/relationships" xmlns:p1510="http://schemas.microsoft.com/office/powerpoint/2015/10/main">
   <p1510:revLst>
-    <p1510:client id="{82EE42C8-AE7E-4F70-905F-11D7BDA0E665}" v="35" dt="2022-09-27T07:15:27.957"/>
+    <p1510:client id="{BC299DEF-91A4-4C26-891D-32FA12BD7284}" v="2" dt="2023-04-05T07:08:36.353"/>
   </p1510:revLst>
 </p1510:revInfo>
 </file>
@@ -263,7 +263,7 @@
           <a:p>
             <a:fld id="{0F424205-6FDA-4204-A6E1-5CDA668DF307}" type="datetimeFigureOut">
               <a:rPr kumimoji="1" lang="ja-JP" altLang="en-US" smtClean="0"/>
-              <a:t>2023/3/30</a:t>
+              <a:t>2023/4/5</a:t>
             </a:fld>
             <a:endParaRPr kumimoji="1" lang="ja-JP" altLang="en-US"/>
           </a:p>
@@ -441,7 +441,7 @@
           <a:p>
             <a:fld id="{FBC5C42D-15BF-4869-8FB8-8E2925A40047}" type="datetimeFigureOut">
               <a:rPr kumimoji="1" lang="ja-JP" altLang="en-US" smtClean="0"/>
-              <a:t>2023/3/30</a:t>
+              <a:t>2023/4/5</a:t>
             </a:fld>
             <a:endParaRPr kumimoji="1" lang="ja-JP" altLang="en-US"/>
           </a:p>
@@ -2006,6 +2006,53 @@
           </a:p>
         </p:txBody>
       </p:sp>
+      <p:pic>
+        <p:nvPicPr>
+          <p:cNvPr id="1026" name="Picture 2">
+            <a:extLst>
+              <a:ext uri="{FF2B5EF4-FFF2-40B4-BE49-F238E27FC236}">
+                <a16:creationId xmlns:a16="http://schemas.microsoft.com/office/drawing/2014/main" id="{3D6A41B6-23B6-8A39-C20E-9877D81C1243}"/>
+              </a:ext>
+            </a:extLst>
+          </p:cNvPr>
+          <p:cNvPicPr>
+            <a:picLocks noChangeAspect="1" noChangeArrowheads="1"/>
+          </p:cNvPicPr>
+          <p:nvPr/>
+        </p:nvPicPr>
+        <p:blipFill>
+          <a:blip r:embed="rId3">
+            <a:extLst>
+              <a:ext uri="{28A0092B-C50C-407E-A947-70E740481C1C}">
+                <a14:useLocalDpi xmlns:a14="http://schemas.microsoft.com/office/drawing/2010/main" val="0"/>
+              </a:ext>
+            </a:extLst>
+          </a:blip>
+          <a:srcRect/>
+          <a:stretch>
+            <a:fillRect/>
+          </a:stretch>
+        </p:blipFill>
+        <p:spPr bwMode="auto">
+          <a:xfrm>
+            <a:off x="877765" y="5480173"/>
+            <a:ext cx="952500" cy="352425"/>
+          </a:xfrm>
+          <a:prstGeom prst="rect">
+            <a:avLst/>
+          </a:prstGeom>
+          <a:noFill/>
+          <a:extLst>
+            <a:ext uri="{909E8E84-426E-40DD-AFC4-6F175D3DCCD1}">
+              <a14:hiddenFill xmlns:a14="http://schemas.microsoft.com/office/drawing/2010/main">
+                <a:solidFill>
+                  <a:srgbClr val="FFFFFF"/>
+                </a:solidFill>
+              </a14:hiddenFill>
+            </a:ext>
+          </a:extLst>
+        </p:spPr>
+      </p:pic>
     </p:spTree>
     <p:extLst>
       <p:ext uri="{BB962C8B-B14F-4D97-AF65-F5344CB8AC3E}">
@@ -11935,18 +11982,18 @@
 </file>
 
 <file path=customXml/item1.xml><?xml version="1.0" encoding="utf-8"?>
-<p:properties xmlns:p="http://schemas.microsoft.com/office/2006/metadata/properties" xmlns:xsi="http://www.w3.org/2001/XMLSchema-instance" xmlns:pc="http://schemas.microsoft.com/office/infopath/2007/PartnerControls">
-  <documentManagement/>
-</p:properties>
-</file>
-
-<file path=customXml/item2.xml><?xml version="1.0" encoding="utf-8"?>
 <?mso-contentType ?>
 <FormTemplates xmlns="http://schemas.microsoft.com/sharepoint/v3/contenttype/forms">
   <Display>DocumentLibraryForm</Display>
   <Edit>DocumentLibraryForm</Edit>
   <New>DocumentLibraryForm</New>
 </FormTemplates>
+</file>
+
+<file path=customXml/item2.xml><?xml version="1.0" encoding="utf-8"?>
+<p:properties xmlns:p="http://schemas.microsoft.com/office/2006/metadata/properties" xmlns:xsi="http://www.w3.org/2001/XMLSchema-instance" xmlns:pc="http://schemas.microsoft.com/office/infopath/2007/PartnerControls">
+  <documentManagement/>
+</p:properties>
 </file>
 
 <file path=customXml/item3.xml><?xml version="1.0" encoding="utf-8"?>
@@ -12082,23 +12129,6 @@
 </file>
 
 <file path=customXml/itemProps1.xml><?xml version="1.0" encoding="utf-8"?>
-<ds:datastoreItem xmlns:ds="http://schemas.openxmlformats.org/officeDocument/2006/customXml" ds:itemID="{92F149E9-1568-4092-A2A5-4D2B2C899E56}">
-  <ds:schemaRefs>
-    <ds:schemaRef ds:uri="http://www.w3.org/XML/1998/namespace"/>
-    <ds:schemaRef ds:uri="2342c2ae-9671-4457-b7fa-58ae9bc912b5"/>
-    <ds:schemaRef ds:uri="http://schemas.microsoft.com/office/2006/documentManagement/types"/>
-    <ds:schemaRef ds:uri="http://schemas.microsoft.com/office/2006/metadata/properties"/>
-    <ds:schemaRef ds:uri="http://purl.org/dc/elements/1.1/"/>
-    <ds:schemaRef ds:uri="http://purl.org/dc/terms/"/>
-    <ds:schemaRef ds:uri="http://purl.org/dc/dcmitype/"/>
-    <ds:schemaRef ds:uri="http://schemas.microsoft.com/office/infopath/2007/PartnerControls"/>
-    <ds:schemaRef ds:uri="http://schemas.openxmlformats.org/package/2006/metadata/core-properties"/>
-    <ds:schemaRef ds:uri="9739bc74-23c3-4bda-90a4-2fb69d14acac"/>
-  </ds:schemaRefs>
-</ds:datastoreItem>
-</file>
-
-<file path=customXml/itemProps2.xml><?xml version="1.0" encoding="utf-8"?>
 <ds:datastoreItem xmlns:ds="http://schemas.openxmlformats.org/officeDocument/2006/customXml" ds:itemID="{A2A6ACD3-7F25-4F68-84AE-6F8E56D40AA6}">
   <ds:schemaRefs>
     <ds:schemaRef ds:uri="http://schemas.microsoft.com/sharepoint/v3/contenttype/forms"/>
@@ -12106,6 +12136,36 @@
 </ds:datastoreItem>
 </file>
 
+<file path=customXml/itemProps2.xml><?xml version="1.0" encoding="utf-8"?>
+<ds:datastoreItem xmlns:ds="http://schemas.openxmlformats.org/officeDocument/2006/customXml" ds:itemID="{92F149E9-1568-4092-A2A5-4D2B2C899E56}">
+  <ds:schemaRefs>
+    <ds:schemaRef ds:uri="http://purl.org/dc/terms/"/>
+    <ds:schemaRef ds:uri="http://schemas.openxmlformats.org/package/2006/metadata/core-properties"/>
+    <ds:schemaRef ds:uri="http://schemas.microsoft.com/office/2006/documentManagement/types"/>
+    <ds:schemaRef ds:uri="http://purl.org/dc/dcmitype/"/>
+    <ds:schemaRef ds:uri="http://schemas.microsoft.com/office/infopath/2007/PartnerControls"/>
+    <ds:schemaRef ds:uri="94a0b324-fff8-47f8-93c2-91e47de8bffb"/>
+    <ds:schemaRef ds:uri="http://purl.org/dc/elements/1.1/"/>
+    <ds:schemaRef ds:uri="http://schemas.microsoft.com/office/2006/metadata/properties"/>
+    <ds:schemaRef ds:uri="http://www.w3.org/XML/1998/namespace"/>
+  </ds:schemaRefs>
+</ds:datastoreItem>
+</file>
+
 <file path=customXml/itemProps3.xml><?xml version="1.0" encoding="utf-8"?>
-<ds:datastoreItem xmlns:ds="http://schemas.openxmlformats.org/officeDocument/2006/customXml" ds:itemID="{787156FC-DAD5-4344-B94E-1CA004416A11}"/>
+<ds:datastoreItem xmlns:ds="http://schemas.openxmlformats.org/officeDocument/2006/customXml" ds:itemID="{787156FC-DAD5-4344-B94E-1CA004416A11}">
+  <ds:schemaRefs>
+    <ds:schemaRef ds:uri="http://schemas.microsoft.com/office/2006/metadata/contentType"/>
+    <ds:schemaRef ds:uri="http://schemas.microsoft.com/office/2006/metadata/properties/metaAttributes"/>
+    <ds:schemaRef ds:uri="http://www.w3.org/2001/XMLSchema"/>
+    <ds:schemaRef ds:uri="http://schemas.microsoft.com/office/2006/metadata/properties"/>
+    <ds:schemaRef ds:uri="94a0b324-fff8-47f8-93c2-91e47de8bffb"/>
+    <ds:schemaRef ds:uri="http://schemas.microsoft.com/office/2006/documentManagement/types"/>
+    <ds:schemaRef ds:uri="http://schemas.microsoft.com/office/infopath/2007/PartnerControls"/>
+    <ds:schemaRef ds:uri="http://schemas.openxmlformats.org/package/2006/metadata/core-properties"/>
+    <ds:schemaRef ds:uri="http://purl.org/dc/elements/1.1/"/>
+    <ds:schemaRef ds:uri="http://purl.org/dc/terms/"/>
+    <ds:schemaRef ds:uri="http://schemas.microsoft.com/internal/obd"/>
+  </ds:schemaRefs>
+</ds:datastoreItem>
 </file>